--- a/debug.pptx
+++ b/debug.pptx
@@ -13,6 +13,17 @@
     <p:sldId id="261" r:id="rId7"/>
     <p:sldId id="262" r:id="rId8"/>
     <p:sldId id="263" r:id="rId9"/>
+    <p:sldId id="266" r:id="rId10"/>
+    <p:sldId id="267" r:id="rId11"/>
+    <p:sldId id="265" r:id="rId12"/>
+    <p:sldId id="268" r:id="rId13"/>
+    <p:sldId id="264" r:id="rId14"/>
+    <p:sldId id="269" r:id="rId15"/>
+    <p:sldId id="270" r:id="rId16"/>
+    <p:sldId id="271" r:id="rId17"/>
+    <p:sldId id="272" r:id="rId18"/>
+    <p:sldId id="273" r:id="rId19"/>
+    <p:sldId id="274" r:id="rId20"/>
   </p:sldIdLst>
   <p:sldSz cx="12192000" cy="6858000"/>
   <p:notesSz cx="6858000" cy="9144000"/>
@@ -124,9 +135,23 @@
             <p14:sldId id="261"/>
             <p14:sldId id="262"/>
             <p14:sldId id="263"/>
+            <p14:sldId id="266"/>
+            <p14:sldId id="267"/>
+            <p14:sldId id="265"/>
+            <p14:sldId id="268"/>
+            <p14:sldId id="264"/>
+            <p14:sldId id="269"/>
+            <p14:sldId id="270"/>
+            <p14:sldId id="271"/>
+            <p14:sldId id="272"/>
+            <p14:sldId id="273"/>
+            <p14:sldId id="274"/>
           </p14:sldIdLst>
         </p14:section>
       </p14:sectionLst>
+    </p:ext>
+    <p:ext uri="{EFAFB233-063F-42B5-8137-9DF3F51BA10A}">
+      <p15:sldGuideLst xmlns:p15="http://schemas.microsoft.com/office/powerpoint/2012/main"/>
     </p:ext>
   </p:extLst>
 </p:presentation>
@@ -585,7 +610,7 @@
           <a:p>
             <a:fld id="{1778D8B3-7438-4766-93E9-18E85ADA547E}" type="datetimeFigureOut">
               <a:rPr lang="tr-TR" smtClean="0"/>
-              <a:t>11.09.2023</a:t>
+              <a:t>12.09.2023</a:t>
             </a:fld>
             <a:endParaRPr lang="tr-TR"/>
           </a:p>
@@ -917,7 +942,7 @@
           <a:p>
             <a:fld id="{1778D8B3-7438-4766-93E9-18E85ADA547E}" type="datetimeFigureOut">
               <a:rPr lang="tr-TR" smtClean="0"/>
-              <a:t>11.09.2023</a:t>
+              <a:t>12.09.2023</a:t>
             </a:fld>
             <a:endParaRPr lang="tr-TR"/>
           </a:p>
@@ -1113,7 +1138,7 @@
           <a:p>
             <a:fld id="{1778D8B3-7438-4766-93E9-18E85ADA547E}" type="datetimeFigureOut">
               <a:rPr lang="tr-TR" smtClean="0"/>
-              <a:t>11.09.2023</a:t>
+              <a:t>12.09.2023</a:t>
             </a:fld>
             <a:endParaRPr lang="tr-TR"/>
           </a:p>
@@ -1383,7 +1408,7 @@
           <a:p>
             <a:fld id="{1778D8B3-7438-4766-93E9-18E85ADA547E}" type="datetimeFigureOut">
               <a:rPr lang="tr-TR" smtClean="0"/>
-              <a:t>11.09.2023</a:t>
+              <a:t>12.09.2023</a:t>
             </a:fld>
             <a:endParaRPr lang="tr-TR"/>
           </a:p>
@@ -1811,7 +1836,7 @@
           <a:p>
             <a:fld id="{1778D8B3-7438-4766-93E9-18E85ADA547E}" type="datetimeFigureOut">
               <a:rPr lang="tr-TR" smtClean="0"/>
-              <a:t>11.09.2023</a:t>
+              <a:t>12.09.2023</a:t>
             </a:fld>
             <a:endParaRPr lang="tr-TR"/>
           </a:p>
@@ -2361,7 +2386,7 @@
           <a:p>
             <a:fld id="{1778D8B3-7438-4766-93E9-18E85ADA547E}" type="datetimeFigureOut">
               <a:rPr lang="tr-TR" smtClean="0"/>
-              <a:t>11.09.2023</a:t>
+              <a:t>12.09.2023</a:t>
             </a:fld>
             <a:endParaRPr lang="tr-TR"/>
           </a:p>
@@ -3151,7 +3176,7 @@
           <a:p>
             <a:fld id="{1778D8B3-7438-4766-93E9-18E85ADA547E}" type="datetimeFigureOut">
               <a:rPr lang="tr-TR" smtClean="0"/>
-              <a:t>11.09.2023</a:t>
+              <a:t>12.09.2023</a:t>
             </a:fld>
             <a:endParaRPr lang="tr-TR"/>
           </a:p>
@@ -3330,7 +3355,7 @@
           <a:p>
             <a:fld id="{1778D8B3-7438-4766-93E9-18E85ADA547E}" type="datetimeFigureOut">
               <a:rPr lang="tr-TR" smtClean="0"/>
-              <a:t>11.09.2023</a:t>
+              <a:t>12.09.2023</a:t>
             </a:fld>
             <a:endParaRPr lang="tr-TR"/>
           </a:p>
@@ -3514,7 +3539,7 @@
           <a:p>
             <a:fld id="{1778D8B3-7438-4766-93E9-18E85ADA547E}" type="datetimeFigureOut">
               <a:rPr lang="tr-TR" smtClean="0"/>
-              <a:t>11.09.2023</a:t>
+              <a:t>12.09.2023</a:t>
             </a:fld>
             <a:endParaRPr lang="tr-TR"/>
           </a:p>
@@ -3689,7 +3714,7 @@
           <a:p>
             <a:fld id="{1778D8B3-7438-4766-93E9-18E85ADA547E}" type="datetimeFigureOut">
               <a:rPr lang="tr-TR" smtClean="0"/>
-              <a:t>11.09.2023</a:t>
+              <a:t>12.09.2023</a:t>
             </a:fld>
             <a:endParaRPr lang="tr-TR"/>
           </a:p>
@@ -3939,7 +3964,7 @@
           <a:p>
             <a:fld id="{1778D8B3-7438-4766-93E9-18E85ADA547E}" type="datetimeFigureOut">
               <a:rPr lang="tr-TR" smtClean="0"/>
-              <a:t>11.09.2023</a:t>
+              <a:t>12.09.2023</a:t>
             </a:fld>
             <a:endParaRPr lang="tr-TR"/>
           </a:p>
@@ -4176,7 +4201,7 @@
           <a:p>
             <a:fld id="{1778D8B3-7438-4766-93E9-18E85ADA547E}" type="datetimeFigureOut">
               <a:rPr lang="tr-TR" smtClean="0"/>
-              <a:t>11.09.2023</a:t>
+              <a:t>12.09.2023</a:t>
             </a:fld>
             <a:endParaRPr lang="tr-TR"/>
           </a:p>
@@ -4561,7 +4586,7 @@
           <a:p>
             <a:fld id="{1778D8B3-7438-4766-93E9-18E85ADA547E}" type="datetimeFigureOut">
               <a:rPr lang="tr-TR" smtClean="0"/>
-              <a:t>11.09.2023</a:t>
+              <a:t>12.09.2023</a:t>
             </a:fld>
             <a:endParaRPr lang="tr-TR"/>
           </a:p>
@@ -4679,7 +4704,7 @@
           <a:p>
             <a:fld id="{1778D8B3-7438-4766-93E9-18E85ADA547E}" type="datetimeFigureOut">
               <a:rPr lang="tr-TR" smtClean="0"/>
-              <a:t>11.09.2023</a:t>
+              <a:t>12.09.2023</a:t>
             </a:fld>
             <a:endParaRPr lang="tr-TR"/>
           </a:p>
@@ -4774,7 +4799,7 @@
           <a:p>
             <a:fld id="{1778D8B3-7438-4766-93E9-18E85ADA547E}" type="datetimeFigureOut">
               <a:rPr lang="tr-TR" smtClean="0"/>
-              <a:t>11.09.2023</a:t>
+              <a:t>12.09.2023</a:t>
             </a:fld>
             <a:endParaRPr lang="tr-TR"/>
           </a:p>
@@ -5027,7 +5052,7 @@
           <a:p>
             <a:fld id="{1778D8B3-7438-4766-93E9-18E85ADA547E}" type="datetimeFigureOut">
               <a:rPr lang="tr-TR" smtClean="0"/>
-              <a:t>11.09.2023</a:t>
+              <a:t>12.09.2023</a:t>
             </a:fld>
             <a:endParaRPr lang="tr-TR"/>
           </a:p>
@@ -5296,7 +5321,7 @@
           <a:p>
             <a:fld id="{1778D8B3-7438-4766-93E9-18E85ADA547E}" type="datetimeFigureOut">
               <a:rPr lang="tr-TR" smtClean="0"/>
-              <a:t>11.09.2023</a:t>
+              <a:t>12.09.2023</a:t>
             </a:fld>
             <a:endParaRPr lang="tr-TR"/>
           </a:p>
@@ -5699,7 +5724,7 @@
           <a:p>
             <a:fld id="{1778D8B3-7438-4766-93E9-18E85ADA547E}" type="datetimeFigureOut">
               <a:rPr lang="tr-TR" smtClean="0"/>
-              <a:t>11.09.2023</a:t>
+              <a:t>12.09.2023</a:t>
             </a:fld>
             <a:endParaRPr lang="tr-TR"/>
           </a:p>
@@ -6203,6 +6228,1733 @@
 </p:sld>
 </file>
 
+<file path=ppt/slides/slide10.xml><?xml version="1.0" encoding="utf-8"?>
+<p:sld xmlns:a="http://schemas.openxmlformats.org/drawingml/2006/main" xmlns:r="http://schemas.openxmlformats.org/officeDocument/2006/relationships" xmlns:p="http://schemas.openxmlformats.org/presentationml/2006/main">
+  <p:cSld>
+    <p:spTree>
+      <p:nvGrpSpPr>
+        <p:cNvPr id="1" name=""/>
+        <p:cNvGrpSpPr/>
+        <p:nvPr/>
+      </p:nvGrpSpPr>
+      <p:grpSpPr>
+        <a:xfrm>
+          <a:off x="0" y="0"/>
+          <a:ext cx="0" cy="0"/>
+          <a:chOff x="0" y="0"/>
+          <a:chExt cx="0" cy="0"/>
+        </a:xfrm>
+      </p:grpSpPr>
+      <p:sp>
+        <p:nvSpPr>
+          <p:cNvPr id="2" name="Başlık 1">
+            <a:extLst>
+              <a:ext uri="{FF2B5EF4-FFF2-40B4-BE49-F238E27FC236}">
+                <a16:creationId xmlns:a16="http://schemas.microsoft.com/office/drawing/2014/main" id="{A38F8469-C441-DFF3-1727-BCC237055F29}"/>
+              </a:ext>
+            </a:extLst>
+          </p:cNvPr>
+          <p:cNvSpPr>
+            <a:spLocks noGrp="1"/>
+          </p:cNvSpPr>
+          <p:nvPr>
+            <p:ph type="title"/>
+          </p:nvPr>
+        </p:nvSpPr>
+        <p:spPr>
+          <a:xfrm>
+            <a:off x="792333" y="2277035"/>
+            <a:ext cx="10396882" cy="1151965"/>
+          </a:xfrm>
+        </p:spPr>
+        <p:txBody>
+          <a:bodyPr>
+            <a:normAutofit/>
+          </a:bodyPr>
+          <a:lstStyle/>
+          <a:p>
+            <a:r>
+              <a:rPr lang="tr-TR" sz="4000" dirty="0" err="1"/>
+              <a:t>Wındows</a:t>
+            </a:r>
+            <a:r>
+              <a:rPr lang="tr-TR" sz="4000" dirty="0"/>
+              <a:t> (</a:t>
+            </a:r>
+            <a:r>
+              <a:rPr lang="tr-TR" sz="4000" dirty="0" err="1"/>
+              <a:t>Locals</a:t>
+            </a:r>
+            <a:r>
+              <a:rPr lang="tr-TR" sz="4000" dirty="0"/>
+              <a:t>, </a:t>
+            </a:r>
+            <a:r>
+              <a:rPr lang="tr-TR" sz="4000" dirty="0" err="1"/>
+              <a:t>autos</a:t>
+            </a:r>
+            <a:r>
+              <a:rPr lang="tr-TR" sz="4000" dirty="0"/>
+              <a:t>, </a:t>
+            </a:r>
+            <a:r>
+              <a:rPr lang="tr-TR" sz="4000" dirty="0" err="1"/>
+              <a:t>watch</a:t>
+            </a:r>
+            <a:r>
+              <a:rPr lang="tr-TR" sz="4000" dirty="0"/>
+              <a:t>, </a:t>
+            </a:r>
+            <a:r>
+              <a:rPr lang="tr-TR" sz="4000" dirty="0" err="1"/>
+              <a:t>ımmedıate</a:t>
+            </a:r>
+            <a:r>
+              <a:rPr lang="tr-TR" sz="4000" dirty="0"/>
+              <a:t>)</a:t>
+            </a:r>
+          </a:p>
+        </p:txBody>
+      </p:sp>
+    </p:spTree>
+    <p:extLst>
+      <p:ext uri="{BB962C8B-B14F-4D97-AF65-F5344CB8AC3E}">
+        <p14:creationId xmlns:p14="http://schemas.microsoft.com/office/powerpoint/2010/main" val="234763089"/>
+      </p:ext>
+    </p:extLst>
+  </p:cSld>
+  <p:clrMapOvr>
+    <a:masterClrMapping/>
+  </p:clrMapOvr>
+</p:sld>
+</file>
+
+<file path=ppt/slides/slide11.xml><?xml version="1.0" encoding="utf-8"?>
+<p:sld xmlns:a="http://schemas.openxmlformats.org/drawingml/2006/main" xmlns:r="http://schemas.openxmlformats.org/officeDocument/2006/relationships" xmlns:p="http://schemas.openxmlformats.org/presentationml/2006/main">
+  <p:cSld>
+    <p:spTree>
+      <p:nvGrpSpPr>
+        <p:cNvPr id="1" name=""/>
+        <p:cNvGrpSpPr/>
+        <p:nvPr/>
+      </p:nvGrpSpPr>
+      <p:grpSpPr>
+        <a:xfrm>
+          <a:off x="0" y="0"/>
+          <a:ext cx="0" cy="0"/>
+          <a:chOff x="0" y="0"/>
+          <a:chExt cx="0" cy="0"/>
+        </a:xfrm>
+      </p:grpSpPr>
+      <p:sp>
+        <p:nvSpPr>
+          <p:cNvPr id="2" name="Başlık 1">
+            <a:extLst>
+              <a:ext uri="{FF2B5EF4-FFF2-40B4-BE49-F238E27FC236}">
+                <a16:creationId xmlns:a16="http://schemas.microsoft.com/office/drawing/2014/main" id="{6DB97821-5E85-5819-20B0-BA042414AE9B}"/>
+              </a:ext>
+            </a:extLst>
+          </p:cNvPr>
+          <p:cNvSpPr>
+            <a:spLocks noGrp="1"/>
+          </p:cNvSpPr>
+          <p:nvPr>
+            <p:ph type="title"/>
+          </p:nvPr>
+        </p:nvSpPr>
+        <p:spPr/>
+        <p:txBody>
+          <a:bodyPr/>
+          <a:lstStyle/>
+          <a:p>
+            <a:r>
+              <a:rPr lang="tr-TR" dirty="0" err="1"/>
+              <a:t>locals</a:t>
+            </a:r>
+            <a:r>
+              <a:rPr lang="tr-TR" dirty="0"/>
+              <a:t> </a:t>
+            </a:r>
+            <a:r>
+              <a:rPr lang="tr-TR" dirty="0" err="1"/>
+              <a:t>wındow</a:t>
+            </a:r>
+            <a:endParaRPr lang="tr-TR" dirty="0"/>
+          </a:p>
+        </p:txBody>
+      </p:sp>
+      <p:sp>
+        <p:nvSpPr>
+          <p:cNvPr id="3" name="İçerik Yer Tutucusu 2">
+            <a:extLst>
+              <a:ext uri="{FF2B5EF4-FFF2-40B4-BE49-F238E27FC236}">
+                <a16:creationId xmlns:a16="http://schemas.microsoft.com/office/drawing/2014/main" id="{FE3BA8D4-110C-8EE4-2BC6-39A05D2C5973}"/>
+              </a:ext>
+            </a:extLst>
+          </p:cNvPr>
+          <p:cNvSpPr>
+            <a:spLocks noGrp="1"/>
+          </p:cNvSpPr>
+          <p:nvPr>
+            <p:ph sz="quarter" idx="13"/>
+          </p:nvPr>
+        </p:nvSpPr>
+        <p:spPr/>
+        <p:txBody>
+          <a:bodyPr/>
+          <a:lstStyle/>
+          <a:p>
+            <a:r>
+              <a:rPr lang="tr-TR" cap="none" dirty="0">
+                <a:latin typeface="Calibri" panose="020F0502020204030204" pitchFamily="34" charset="0"/>
+                <a:cs typeface="Calibri" panose="020F0502020204030204" pitchFamily="34" charset="0"/>
+              </a:rPr>
+              <a:t>Programın belirlediğiniz kısmındaki değişkenleri otomatik bir şekilde takip eder.</a:t>
+            </a:r>
+          </a:p>
+          <a:p>
+            <a:r>
+              <a:rPr lang="tr-TR" cap="none" dirty="0">
+                <a:latin typeface="Calibri" panose="020F0502020204030204" pitchFamily="34" charset="0"/>
+                <a:cs typeface="Calibri" panose="020F0502020204030204" pitchFamily="34" charset="0"/>
+              </a:rPr>
+              <a:t>Blok içerisindeki değişkenleri vs. izler.</a:t>
+            </a:r>
+          </a:p>
+        </p:txBody>
+      </p:sp>
+    </p:spTree>
+    <p:extLst>
+      <p:ext uri="{BB962C8B-B14F-4D97-AF65-F5344CB8AC3E}">
+        <p14:creationId xmlns:p14="http://schemas.microsoft.com/office/powerpoint/2010/main" val="655286085"/>
+      </p:ext>
+    </p:extLst>
+  </p:cSld>
+  <p:clrMapOvr>
+    <a:masterClrMapping/>
+  </p:clrMapOvr>
+</p:sld>
+</file>
+
+<file path=ppt/slides/slide12.xml><?xml version="1.0" encoding="utf-8"?>
+<p:sld xmlns:a="http://schemas.openxmlformats.org/drawingml/2006/main" xmlns:r="http://schemas.openxmlformats.org/officeDocument/2006/relationships" xmlns:p="http://schemas.openxmlformats.org/presentationml/2006/main">
+  <p:cSld>
+    <p:spTree>
+      <p:nvGrpSpPr>
+        <p:cNvPr id="1" name=""/>
+        <p:cNvGrpSpPr/>
+        <p:nvPr/>
+      </p:nvGrpSpPr>
+      <p:grpSpPr>
+        <a:xfrm>
+          <a:off x="0" y="0"/>
+          <a:ext cx="0" cy="0"/>
+          <a:chOff x="0" y="0"/>
+          <a:chExt cx="0" cy="0"/>
+        </a:xfrm>
+      </p:grpSpPr>
+      <p:sp>
+        <p:nvSpPr>
+          <p:cNvPr id="2" name="Başlık 1">
+            <a:extLst>
+              <a:ext uri="{FF2B5EF4-FFF2-40B4-BE49-F238E27FC236}">
+                <a16:creationId xmlns:a16="http://schemas.microsoft.com/office/drawing/2014/main" id="{6DB97821-5E85-5819-20B0-BA042414AE9B}"/>
+              </a:ext>
+            </a:extLst>
+          </p:cNvPr>
+          <p:cNvSpPr>
+            <a:spLocks noGrp="1"/>
+          </p:cNvSpPr>
+          <p:nvPr>
+            <p:ph type="title"/>
+          </p:nvPr>
+        </p:nvSpPr>
+        <p:spPr/>
+        <p:txBody>
+          <a:bodyPr/>
+          <a:lstStyle/>
+          <a:p>
+            <a:r>
+              <a:rPr lang="tr-TR" dirty="0" err="1"/>
+              <a:t>autos</a:t>
+            </a:r>
+            <a:endParaRPr lang="tr-TR" dirty="0"/>
+          </a:p>
+        </p:txBody>
+      </p:sp>
+      <p:sp>
+        <p:nvSpPr>
+          <p:cNvPr id="3" name="İçerik Yer Tutucusu 2">
+            <a:extLst>
+              <a:ext uri="{FF2B5EF4-FFF2-40B4-BE49-F238E27FC236}">
+                <a16:creationId xmlns:a16="http://schemas.microsoft.com/office/drawing/2014/main" id="{FE3BA8D4-110C-8EE4-2BC6-39A05D2C5973}"/>
+              </a:ext>
+            </a:extLst>
+          </p:cNvPr>
+          <p:cNvSpPr>
+            <a:spLocks noGrp="1"/>
+          </p:cNvSpPr>
+          <p:nvPr>
+            <p:ph sz="quarter" idx="13"/>
+          </p:nvPr>
+        </p:nvSpPr>
+        <p:spPr>
+          <a:xfrm>
+            <a:off x="687976" y="2017363"/>
+            <a:ext cx="10394707" cy="1915266"/>
+          </a:xfrm>
+        </p:spPr>
+        <p:txBody>
+          <a:bodyPr/>
+          <a:lstStyle/>
+          <a:p>
+            <a:r>
+              <a:rPr lang="tr-TR" b="0" i="0" cap="none" dirty="0">
+                <a:solidFill>
+                  <a:srgbClr val="242424"/>
+                </a:solidFill>
+                <a:effectLst/>
+                <a:latin typeface="source-serif-pro"/>
+              </a:rPr>
+              <a:t>Bu pencere </a:t>
+            </a:r>
+            <a:r>
+              <a:rPr lang="tr-TR" b="0" i="0" cap="none" dirty="0" err="1">
+                <a:solidFill>
+                  <a:srgbClr val="242424"/>
+                </a:solidFill>
+                <a:effectLst/>
+                <a:latin typeface="source-serif-pro"/>
+              </a:rPr>
+              <a:t>locals</a:t>
+            </a:r>
+            <a:r>
+              <a:rPr lang="tr-TR" b="0" i="0" cap="none" dirty="0">
+                <a:solidFill>
+                  <a:srgbClr val="242424"/>
+                </a:solidFill>
+                <a:effectLst/>
+                <a:latin typeface="source-serif-pro"/>
+              </a:rPr>
+              <a:t> penceresi ile hemen hemen aynı işi yapmaktadır. Tek ayrımı </a:t>
+            </a:r>
+            <a:r>
+              <a:rPr lang="tr-TR" b="0" i="0" cap="none" dirty="0" err="1">
+                <a:solidFill>
+                  <a:srgbClr val="242424"/>
+                </a:solidFill>
+                <a:effectLst/>
+                <a:latin typeface="source-serif-pro"/>
+              </a:rPr>
+              <a:t>locals</a:t>
+            </a:r>
+            <a:r>
+              <a:rPr lang="tr-TR" cap="none" dirty="0" err="1">
+                <a:solidFill>
+                  <a:srgbClr val="242424"/>
+                </a:solidFill>
+                <a:latin typeface="source-serif-pro"/>
+              </a:rPr>
+              <a:t>’t</a:t>
+            </a:r>
+            <a:r>
+              <a:rPr lang="tr-TR" b="0" i="0" cap="none" dirty="0" err="1">
+                <a:solidFill>
+                  <a:srgbClr val="242424"/>
+                </a:solidFill>
+                <a:effectLst/>
+                <a:latin typeface="source-serif-pro"/>
+              </a:rPr>
+              <a:t>e</a:t>
+            </a:r>
+            <a:r>
+              <a:rPr lang="tr-TR" b="0" i="0" cap="none" dirty="0">
+                <a:solidFill>
+                  <a:srgbClr val="242424"/>
+                </a:solidFill>
+                <a:effectLst/>
+                <a:latin typeface="source-serif-pro"/>
+              </a:rPr>
+              <a:t> değişken ve değerleri her zaman gösterilirken </a:t>
+            </a:r>
+            <a:r>
+              <a:rPr lang="tr-TR" b="0" i="0" cap="none" dirty="0" err="1">
+                <a:solidFill>
+                  <a:srgbClr val="242424"/>
+                </a:solidFill>
+                <a:effectLst/>
+                <a:latin typeface="source-serif-pro"/>
+              </a:rPr>
+              <a:t>autos</a:t>
+            </a:r>
+            <a:r>
+              <a:rPr lang="tr-TR" b="0" i="0" cap="none" dirty="0">
+                <a:solidFill>
+                  <a:srgbClr val="242424"/>
+                </a:solidFill>
+                <a:effectLst/>
+                <a:latin typeface="source-serif-pro"/>
+              </a:rPr>
+              <a:t> penceresi o an önemli olan değişken ve değerini ekrana yansıtmaktadır.</a:t>
+            </a:r>
+            <a:endParaRPr lang="tr-TR" cap="none" dirty="0">
+              <a:latin typeface="Calibri" panose="020F0502020204030204" pitchFamily="34" charset="0"/>
+              <a:cs typeface="Calibri" panose="020F0502020204030204" pitchFamily="34" charset="0"/>
+            </a:endParaRPr>
+          </a:p>
+        </p:txBody>
+      </p:sp>
+    </p:spTree>
+    <p:extLst>
+      <p:ext uri="{BB962C8B-B14F-4D97-AF65-F5344CB8AC3E}">
+        <p14:creationId xmlns:p14="http://schemas.microsoft.com/office/powerpoint/2010/main" val="241662615"/>
+      </p:ext>
+    </p:extLst>
+  </p:cSld>
+  <p:clrMapOvr>
+    <a:masterClrMapping/>
+  </p:clrMapOvr>
+</p:sld>
+</file>
+
+<file path=ppt/slides/slide13.xml><?xml version="1.0" encoding="utf-8"?>
+<p:sld xmlns:a="http://schemas.openxmlformats.org/drawingml/2006/main" xmlns:r="http://schemas.openxmlformats.org/officeDocument/2006/relationships" xmlns:p="http://schemas.openxmlformats.org/presentationml/2006/main">
+  <p:cSld>
+    <p:spTree>
+      <p:nvGrpSpPr>
+        <p:cNvPr id="1" name=""/>
+        <p:cNvGrpSpPr/>
+        <p:nvPr/>
+      </p:nvGrpSpPr>
+      <p:grpSpPr>
+        <a:xfrm>
+          <a:off x="0" y="0"/>
+          <a:ext cx="0" cy="0"/>
+          <a:chOff x="0" y="0"/>
+          <a:chExt cx="0" cy="0"/>
+        </a:xfrm>
+      </p:grpSpPr>
+      <p:sp>
+        <p:nvSpPr>
+          <p:cNvPr id="2" name="Başlık 1">
+            <a:extLst>
+              <a:ext uri="{FF2B5EF4-FFF2-40B4-BE49-F238E27FC236}">
+                <a16:creationId xmlns:a16="http://schemas.microsoft.com/office/drawing/2014/main" id="{6DB97821-5E85-5819-20B0-BA042414AE9B}"/>
+              </a:ext>
+            </a:extLst>
+          </p:cNvPr>
+          <p:cNvSpPr>
+            <a:spLocks noGrp="1"/>
+          </p:cNvSpPr>
+          <p:nvPr>
+            <p:ph type="title"/>
+          </p:nvPr>
+        </p:nvSpPr>
+        <p:spPr/>
+        <p:txBody>
+          <a:bodyPr/>
+          <a:lstStyle/>
+          <a:p>
+            <a:r>
+              <a:rPr lang="tr-TR" dirty="0"/>
+              <a:t>Watch </a:t>
+            </a:r>
+            <a:r>
+              <a:rPr lang="tr-TR" dirty="0" err="1"/>
+              <a:t>wındow</a:t>
+            </a:r>
+            <a:endParaRPr lang="tr-TR" dirty="0"/>
+          </a:p>
+        </p:txBody>
+      </p:sp>
+      <p:sp>
+        <p:nvSpPr>
+          <p:cNvPr id="3" name="İçerik Yer Tutucusu 2">
+            <a:extLst>
+              <a:ext uri="{FF2B5EF4-FFF2-40B4-BE49-F238E27FC236}">
+                <a16:creationId xmlns:a16="http://schemas.microsoft.com/office/drawing/2014/main" id="{FE3BA8D4-110C-8EE4-2BC6-39A05D2C5973}"/>
+              </a:ext>
+            </a:extLst>
+          </p:cNvPr>
+          <p:cNvSpPr>
+            <a:spLocks noGrp="1"/>
+          </p:cNvSpPr>
+          <p:nvPr>
+            <p:ph sz="quarter" idx="13"/>
+          </p:nvPr>
+        </p:nvSpPr>
+        <p:spPr/>
+        <p:txBody>
+          <a:bodyPr/>
+          <a:lstStyle/>
+          <a:p>
+            <a:r>
+              <a:rPr lang="tr-TR" cap="none" dirty="0">
+                <a:latin typeface="Calibri" panose="020F0502020204030204" pitchFamily="34" charset="0"/>
+                <a:cs typeface="Calibri" panose="020F0502020204030204" pitchFamily="34" charset="0"/>
+              </a:rPr>
+              <a:t>Programın farklı farklı yerlerindeki değişkenleri buraya atıp izleyebiliriz.</a:t>
+            </a:r>
+          </a:p>
+          <a:p>
+            <a:r>
+              <a:rPr lang="tr-TR" cap="none" dirty="0">
+                <a:latin typeface="Calibri" panose="020F0502020204030204" pitchFamily="34" charset="0"/>
+                <a:cs typeface="Calibri" panose="020F0502020204030204" pitchFamily="34" charset="0"/>
+              </a:rPr>
+              <a:t>Kendi seçtiğimiz değişkenleri izleriz.</a:t>
+            </a:r>
+          </a:p>
+          <a:p>
+            <a:endParaRPr lang="tr-TR" cap="none" dirty="0">
+              <a:latin typeface="Calibri" panose="020F0502020204030204" pitchFamily="34" charset="0"/>
+              <a:cs typeface="Calibri" panose="020F0502020204030204" pitchFamily="34" charset="0"/>
+            </a:endParaRPr>
+          </a:p>
+        </p:txBody>
+      </p:sp>
+    </p:spTree>
+    <p:extLst>
+      <p:ext uri="{BB962C8B-B14F-4D97-AF65-F5344CB8AC3E}">
+        <p14:creationId xmlns:p14="http://schemas.microsoft.com/office/powerpoint/2010/main" val="3369767732"/>
+      </p:ext>
+    </p:extLst>
+  </p:cSld>
+  <p:clrMapOvr>
+    <a:masterClrMapping/>
+  </p:clrMapOvr>
+</p:sld>
+</file>
+
+<file path=ppt/slides/slide14.xml><?xml version="1.0" encoding="utf-8"?>
+<p:sld xmlns:a="http://schemas.openxmlformats.org/drawingml/2006/main" xmlns:r="http://schemas.openxmlformats.org/officeDocument/2006/relationships" xmlns:p="http://schemas.openxmlformats.org/presentationml/2006/main">
+  <p:cSld>
+    <p:spTree>
+      <p:nvGrpSpPr>
+        <p:cNvPr id="1" name=""/>
+        <p:cNvGrpSpPr/>
+        <p:nvPr/>
+      </p:nvGrpSpPr>
+      <p:grpSpPr>
+        <a:xfrm>
+          <a:off x="0" y="0"/>
+          <a:ext cx="0" cy="0"/>
+          <a:chOff x="0" y="0"/>
+          <a:chExt cx="0" cy="0"/>
+        </a:xfrm>
+      </p:grpSpPr>
+      <p:sp>
+        <p:nvSpPr>
+          <p:cNvPr id="2" name="Başlık 1">
+            <a:extLst>
+              <a:ext uri="{FF2B5EF4-FFF2-40B4-BE49-F238E27FC236}">
+                <a16:creationId xmlns:a16="http://schemas.microsoft.com/office/drawing/2014/main" id="{6DB97821-5E85-5819-20B0-BA042414AE9B}"/>
+              </a:ext>
+            </a:extLst>
+          </p:cNvPr>
+          <p:cNvSpPr>
+            <a:spLocks noGrp="1"/>
+          </p:cNvSpPr>
+          <p:nvPr>
+            <p:ph type="title"/>
+          </p:nvPr>
+        </p:nvSpPr>
+        <p:spPr/>
+        <p:txBody>
+          <a:bodyPr/>
+          <a:lstStyle/>
+          <a:p>
+            <a:r>
+              <a:rPr lang="tr-TR" dirty="0" err="1"/>
+              <a:t>Make</a:t>
+            </a:r>
+            <a:r>
+              <a:rPr lang="tr-TR" dirty="0"/>
+              <a:t> </a:t>
+            </a:r>
+            <a:r>
+              <a:rPr lang="tr-TR" dirty="0" err="1"/>
+              <a:t>object</a:t>
+            </a:r>
+            <a:r>
+              <a:rPr lang="tr-TR" dirty="0"/>
+              <a:t> </a:t>
+            </a:r>
+            <a:r>
+              <a:rPr lang="tr-TR" dirty="0" err="1"/>
+              <a:t>ıd</a:t>
+            </a:r>
+            <a:endParaRPr lang="tr-TR" dirty="0"/>
+          </a:p>
+        </p:txBody>
+      </p:sp>
+      <p:sp>
+        <p:nvSpPr>
+          <p:cNvPr id="3" name="İçerik Yer Tutucusu 2">
+            <a:extLst>
+              <a:ext uri="{FF2B5EF4-FFF2-40B4-BE49-F238E27FC236}">
+                <a16:creationId xmlns:a16="http://schemas.microsoft.com/office/drawing/2014/main" id="{FE3BA8D4-110C-8EE4-2BC6-39A05D2C5973}"/>
+              </a:ext>
+            </a:extLst>
+          </p:cNvPr>
+          <p:cNvSpPr>
+            <a:spLocks noGrp="1"/>
+          </p:cNvSpPr>
+          <p:nvPr>
+            <p:ph sz="quarter" idx="13"/>
+          </p:nvPr>
+        </p:nvSpPr>
+        <p:spPr/>
+        <p:txBody>
+          <a:bodyPr/>
+          <a:lstStyle/>
+          <a:p>
+            <a:r>
+              <a:rPr lang="tr-TR" b="0" i="0" cap="none" dirty="0">
+                <a:solidFill>
+                  <a:srgbClr val="242424"/>
+                </a:solidFill>
+                <a:effectLst/>
+                <a:latin typeface="source-serif-pro"/>
+              </a:rPr>
+              <a:t>Bu özellik bir objeyi içinde bulunduğu parantezler dışında da takip edebilmemize olanak sağlar.</a:t>
+            </a:r>
+            <a:endParaRPr lang="tr-TR" cap="none" dirty="0">
+              <a:latin typeface="Calibri" panose="020F0502020204030204" pitchFamily="34" charset="0"/>
+              <a:cs typeface="Calibri" panose="020F0502020204030204" pitchFamily="34" charset="0"/>
+            </a:endParaRPr>
+          </a:p>
+        </p:txBody>
+      </p:sp>
+    </p:spTree>
+    <p:extLst>
+      <p:ext uri="{BB962C8B-B14F-4D97-AF65-F5344CB8AC3E}">
+        <p14:creationId xmlns:p14="http://schemas.microsoft.com/office/powerpoint/2010/main" val="3848467657"/>
+      </p:ext>
+    </p:extLst>
+  </p:cSld>
+  <p:clrMapOvr>
+    <a:masterClrMapping/>
+  </p:clrMapOvr>
+</p:sld>
+</file>
+
+<file path=ppt/slides/slide15.xml><?xml version="1.0" encoding="utf-8"?>
+<p:sld xmlns:a="http://schemas.openxmlformats.org/drawingml/2006/main" xmlns:r="http://schemas.openxmlformats.org/officeDocument/2006/relationships" xmlns:p="http://schemas.openxmlformats.org/presentationml/2006/main">
+  <p:cSld>
+    <p:bg>
+      <p:bgPr>
+        <a:blipFill>
+          <a:blip r:embed="rId2">
+            <a:duotone>
+              <a:schemeClr val="bg1">
+                <a:shade val="48000"/>
+                <a:satMod val="110000"/>
+                <a:lumMod val="40000"/>
+              </a:schemeClr>
+              <a:schemeClr val="bg1">
+                <a:tint val="90000"/>
+                <a:lumMod val="106000"/>
+              </a:schemeClr>
+            </a:duotone>
+          </a:blip>
+          <a:stretch/>
+        </a:blipFill>
+        <a:effectLst/>
+      </p:bgPr>
+    </p:bg>
+    <p:spTree>
+      <p:nvGrpSpPr>
+        <p:cNvPr id="1" name=""/>
+        <p:cNvGrpSpPr/>
+        <p:nvPr/>
+      </p:nvGrpSpPr>
+      <p:grpSpPr>
+        <a:xfrm>
+          <a:off x="0" y="0"/>
+          <a:ext cx="0" cy="0"/>
+          <a:chOff x="0" y="0"/>
+          <a:chExt cx="0" cy="0"/>
+        </a:xfrm>
+      </p:grpSpPr>
+      <p:sp>
+        <p:nvSpPr>
+          <p:cNvPr id="2" name="Başlık 1">
+            <a:extLst>
+              <a:ext uri="{FF2B5EF4-FFF2-40B4-BE49-F238E27FC236}">
+                <a16:creationId xmlns:a16="http://schemas.microsoft.com/office/drawing/2014/main" id="{6DB97821-5E85-5819-20B0-BA042414AE9B}"/>
+              </a:ext>
+            </a:extLst>
+          </p:cNvPr>
+          <p:cNvSpPr>
+            <a:spLocks noGrp="1"/>
+          </p:cNvSpPr>
+          <p:nvPr>
+            <p:ph type="title"/>
+          </p:nvPr>
+        </p:nvSpPr>
+        <p:spPr>
+          <a:xfrm>
+            <a:off x="8009812" y="685800"/>
+            <a:ext cx="3072869" cy="1151965"/>
+          </a:xfrm>
+        </p:spPr>
+        <p:txBody>
+          <a:bodyPr>
+            <a:normAutofit/>
+          </a:bodyPr>
+          <a:lstStyle/>
+          <a:p>
+            <a:r>
+              <a:rPr lang="tr-TR" sz="4400"/>
+              <a:t>ımmedıate</a:t>
+            </a:r>
+          </a:p>
+        </p:txBody>
+      </p:sp>
+      <p:sp>
+        <p:nvSpPr>
+          <p:cNvPr id="1031" name="Rectangle 1030">
+            <a:extLst>
+              <a:ext uri="{FF2B5EF4-FFF2-40B4-BE49-F238E27FC236}">
+                <a16:creationId xmlns:a16="http://schemas.microsoft.com/office/drawing/2014/main" id="{40EBDF3C-61A6-450C-8532-9276D9A1EB04}"/>
+              </a:ext>
+              <a:ext uri="{C183D7F6-B498-43B3-948B-1728B52AA6E4}">
+                <adec:decorative xmlns:adec="http://schemas.microsoft.com/office/drawing/2017/decorative" val="1"/>
+              </a:ext>
+            </a:extLst>
+          </p:cNvPr>
+          <p:cNvSpPr>
+            <a:spLocks noGrp="1" noRot="1" noChangeAspect="1" noMove="1" noResize="1" noEditPoints="1" noAdjustHandles="1" noChangeArrowheads="1" noChangeShapeType="1" noTextEdit="1"/>
+          </p:cNvSpPr>
+          <p:nvPr>
+            <p:extLst>
+              <p:ext uri="{386F3935-93C4-4BCD-93E2-E3B085C9AB24}">
+                <p16:designElem xmlns:p16="http://schemas.microsoft.com/office/powerpoint/2015/main" val="1"/>
+              </p:ext>
+            </p:extLst>
+          </p:nvPr>
+        </p:nvSpPr>
+        <p:spPr>
+          <a:xfrm>
+            <a:off x="500240" y="457200"/>
+            <a:ext cx="7045932" cy="4686138"/>
+          </a:xfrm>
+          <a:prstGeom prst="rect">
+            <a:avLst/>
+          </a:prstGeom>
+          <a:solidFill>
+            <a:schemeClr val="bg1"/>
+          </a:solidFill>
+          <a:ln w="57150" cmpd="thinThick">
+            <a:solidFill>
+              <a:schemeClr val="bg1">
+                <a:lumMod val="50000"/>
+              </a:schemeClr>
+            </a:solidFill>
+            <a:miter lim="800000"/>
+          </a:ln>
+        </p:spPr>
+        <p:style>
+          <a:lnRef idx="2">
+            <a:schemeClr val="accent1">
+              <a:shade val="50000"/>
+            </a:schemeClr>
+          </a:lnRef>
+          <a:fillRef idx="1">
+            <a:schemeClr val="accent1"/>
+          </a:fillRef>
+          <a:effectRef idx="0">
+            <a:schemeClr val="accent1"/>
+          </a:effectRef>
+          <a:fontRef idx="minor">
+            <a:schemeClr val="lt1"/>
+          </a:fontRef>
+        </p:style>
+        <p:txBody>
+          <a:bodyPr rtlCol="0" anchor="ctr"/>
+          <a:lstStyle/>
+          <a:p>
+            <a:pPr algn="ctr"/>
+            <a:endParaRPr lang="en-US"/>
+          </a:p>
+        </p:txBody>
+      </p:sp>
+      <p:pic>
+        <p:nvPicPr>
+          <p:cNvPr id="1026" name="Picture 2" descr="metin, elektronik donanım, ekran, görüntüleme, ekran görüntüsü içeren bir resim&#10;&#10;Açıklama otomatik olarak oluşturuldu">
+            <a:extLst>
+              <a:ext uri="{FF2B5EF4-FFF2-40B4-BE49-F238E27FC236}">
+                <a16:creationId xmlns:a16="http://schemas.microsoft.com/office/drawing/2014/main" id="{17CEFE53-2632-A684-2D8E-4595F0C99AEB}"/>
+              </a:ext>
+            </a:extLst>
+          </p:cNvPr>
+          <p:cNvPicPr>
+            <a:picLocks noChangeAspect="1" noChangeArrowheads="1"/>
+          </p:cNvPicPr>
+          <p:nvPr/>
+        </p:nvPicPr>
+        <p:blipFill>
+          <a:blip r:embed="rId3">
+            <a:extLst>
+              <a:ext uri="{28A0092B-C50C-407E-A947-70E740481C1C}">
+                <a14:useLocalDpi xmlns:a14="http://schemas.microsoft.com/office/drawing/2010/main" val="0"/>
+              </a:ext>
+            </a:extLst>
+          </a:blip>
+          <a:stretch>
+            <a:fillRect/>
+          </a:stretch>
+        </p:blipFill>
+        <p:spPr bwMode="auto">
+          <a:xfrm>
+            <a:off x="1401224" y="689358"/>
+            <a:ext cx="5256862" cy="4219634"/>
+          </a:xfrm>
+          <a:prstGeom prst="rect">
+            <a:avLst/>
+          </a:prstGeom>
+          <a:noFill/>
+          <a:extLst>
+            <a:ext uri="{909E8E84-426E-40DD-AFC4-6F175D3DCCD1}">
+              <a14:hiddenFill xmlns:a14="http://schemas.microsoft.com/office/drawing/2010/main">
+                <a:solidFill>
+                  <a:srgbClr val="FFFFFF"/>
+                </a:solidFill>
+              </a14:hiddenFill>
+            </a:ext>
+          </a:extLst>
+        </p:spPr>
+      </p:pic>
+      <p:sp>
+        <p:nvSpPr>
+          <p:cNvPr id="3" name="İçerik Yer Tutucusu 2">
+            <a:extLst>
+              <a:ext uri="{FF2B5EF4-FFF2-40B4-BE49-F238E27FC236}">
+                <a16:creationId xmlns:a16="http://schemas.microsoft.com/office/drawing/2014/main" id="{FE3BA8D4-110C-8EE4-2BC6-39A05D2C5973}"/>
+              </a:ext>
+            </a:extLst>
+          </p:cNvPr>
+          <p:cNvSpPr>
+            <a:spLocks noGrp="1"/>
+          </p:cNvSpPr>
+          <p:nvPr>
+            <p:ph sz="quarter" idx="13"/>
+          </p:nvPr>
+        </p:nvSpPr>
+        <p:spPr>
+          <a:xfrm>
+            <a:off x="8006592" y="2071048"/>
+            <a:ext cx="3076090" cy="3072290"/>
+          </a:xfrm>
+        </p:spPr>
+        <p:txBody>
+          <a:bodyPr anchor="t">
+            <a:normAutofit/>
+          </a:bodyPr>
+          <a:lstStyle/>
+          <a:p>
+            <a:r>
+              <a:rPr lang="tr-TR" sz="1800" cap="none">
+                <a:latin typeface="Calibri" panose="020F0502020204030204" pitchFamily="34" charset="0"/>
+                <a:cs typeface="Calibri" panose="020F0502020204030204" pitchFamily="34" charset="0"/>
+              </a:rPr>
+              <a:t>Bu pencerede kod yazıp, değişkenleri görüp, değerlerini değiştirebiliriz.</a:t>
+            </a:r>
+          </a:p>
+        </p:txBody>
+      </p:sp>
+    </p:spTree>
+    <p:extLst>
+      <p:ext uri="{BB962C8B-B14F-4D97-AF65-F5344CB8AC3E}">
+        <p14:creationId xmlns:p14="http://schemas.microsoft.com/office/powerpoint/2010/main" val="1891939784"/>
+      </p:ext>
+    </p:extLst>
+  </p:cSld>
+  <p:clrMapOvr>
+    <a:masterClrMapping/>
+  </p:clrMapOvr>
+</p:sld>
+</file>
+
+<file path=ppt/slides/slide16.xml><?xml version="1.0" encoding="utf-8"?>
+<p:sld xmlns:a="http://schemas.openxmlformats.org/drawingml/2006/main" xmlns:r="http://schemas.openxmlformats.org/officeDocument/2006/relationships" xmlns:p="http://schemas.openxmlformats.org/presentationml/2006/main">
+  <p:cSld>
+    <p:spTree>
+      <p:nvGrpSpPr>
+        <p:cNvPr id="1" name=""/>
+        <p:cNvGrpSpPr/>
+        <p:nvPr/>
+      </p:nvGrpSpPr>
+      <p:grpSpPr>
+        <a:xfrm>
+          <a:off x="0" y="0"/>
+          <a:ext cx="0" cy="0"/>
+          <a:chOff x="0" y="0"/>
+          <a:chExt cx="0" cy="0"/>
+        </a:xfrm>
+      </p:grpSpPr>
+      <p:sp>
+        <p:nvSpPr>
+          <p:cNvPr id="2" name="Başlık 1">
+            <a:extLst>
+              <a:ext uri="{FF2B5EF4-FFF2-40B4-BE49-F238E27FC236}">
+                <a16:creationId xmlns:a16="http://schemas.microsoft.com/office/drawing/2014/main" id="{6DB97821-5E85-5819-20B0-BA042414AE9B}"/>
+              </a:ext>
+            </a:extLst>
+          </p:cNvPr>
+          <p:cNvSpPr>
+            <a:spLocks noGrp="1"/>
+          </p:cNvSpPr>
+          <p:nvPr>
+            <p:ph type="title"/>
+          </p:nvPr>
+        </p:nvSpPr>
+        <p:spPr/>
+        <p:txBody>
+          <a:bodyPr/>
+          <a:lstStyle/>
+          <a:p>
+            <a:r>
+              <a:rPr lang="tr-TR" dirty="0"/>
+              <a:t>Call </a:t>
+            </a:r>
+            <a:r>
+              <a:rPr lang="tr-TR" dirty="0" err="1"/>
+              <a:t>stack</a:t>
+            </a:r>
+            <a:endParaRPr lang="tr-TR" dirty="0"/>
+          </a:p>
+        </p:txBody>
+      </p:sp>
+      <p:sp>
+        <p:nvSpPr>
+          <p:cNvPr id="3" name="İçerik Yer Tutucusu 2">
+            <a:extLst>
+              <a:ext uri="{FF2B5EF4-FFF2-40B4-BE49-F238E27FC236}">
+                <a16:creationId xmlns:a16="http://schemas.microsoft.com/office/drawing/2014/main" id="{FE3BA8D4-110C-8EE4-2BC6-39A05D2C5973}"/>
+              </a:ext>
+            </a:extLst>
+          </p:cNvPr>
+          <p:cNvSpPr>
+            <a:spLocks noGrp="1"/>
+          </p:cNvSpPr>
+          <p:nvPr>
+            <p:ph sz="quarter" idx="13"/>
+          </p:nvPr>
+        </p:nvSpPr>
+        <p:spPr/>
+        <p:txBody>
+          <a:bodyPr/>
+          <a:lstStyle/>
+          <a:p>
+            <a:r>
+              <a:rPr lang="tr-TR" b="0" i="0" cap="none" dirty="0">
+                <a:solidFill>
+                  <a:srgbClr val="242424"/>
+                </a:solidFill>
+                <a:effectLst/>
+                <a:latin typeface="source-serif-pro"/>
+              </a:rPr>
+              <a:t>Bir metodun nerden çağrıldığını gösteren penceredir.</a:t>
+            </a:r>
+            <a:endParaRPr lang="tr-TR" cap="none" dirty="0">
+              <a:latin typeface="Calibri" panose="020F0502020204030204" pitchFamily="34" charset="0"/>
+              <a:cs typeface="Calibri" panose="020F0502020204030204" pitchFamily="34" charset="0"/>
+            </a:endParaRPr>
+          </a:p>
+        </p:txBody>
+      </p:sp>
+      <p:pic>
+        <p:nvPicPr>
+          <p:cNvPr id="2052" name="Picture 4">
+            <a:extLst>
+              <a:ext uri="{FF2B5EF4-FFF2-40B4-BE49-F238E27FC236}">
+                <a16:creationId xmlns:a16="http://schemas.microsoft.com/office/drawing/2014/main" id="{B9B6F67A-F6C2-BA0F-27CA-BC4E87D79870}"/>
+              </a:ext>
+            </a:extLst>
+          </p:cNvPr>
+          <p:cNvPicPr>
+            <a:picLocks noChangeAspect="1" noChangeArrowheads="1"/>
+          </p:cNvPicPr>
+          <p:nvPr/>
+        </p:nvPicPr>
+        <p:blipFill>
+          <a:blip r:embed="rId2">
+            <a:extLst>
+              <a:ext uri="{28A0092B-C50C-407E-A947-70E740481C1C}">
+                <a14:useLocalDpi xmlns:a14="http://schemas.microsoft.com/office/drawing/2010/main" val="0"/>
+              </a:ext>
+            </a:extLst>
+          </a:blip>
+          <a:srcRect/>
+          <a:stretch>
+            <a:fillRect/>
+          </a:stretch>
+        </p:blipFill>
+        <p:spPr bwMode="auto">
+          <a:xfrm>
+            <a:off x="6664000" y="1007340"/>
+            <a:ext cx="4842199" cy="4248344"/>
+          </a:xfrm>
+          <a:prstGeom prst="rect">
+            <a:avLst/>
+          </a:prstGeom>
+          <a:noFill/>
+          <a:extLst>
+            <a:ext uri="{909E8E84-426E-40DD-AFC4-6F175D3DCCD1}">
+              <a14:hiddenFill xmlns:a14="http://schemas.microsoft.com/office/drawing/2010/main">
+                <a:solidFill>
+                  <a:srgbClr val="FFFFFF"/>
+                </a:solidFill>
+              </a14:hiddenFill>
+            </a:ext>
+          </a:extLst>
+        </p:spPr>
+      </p:pic>
+    </p:spTree>
+    <p:extLst>
+      <p:ext uri="{BB962C8B-B14F-4D97-AF65-F5344CB8AC3E}">
+        <p14:creationId xmlns:p14="http://schemas.microsoft.com/office/powerpoint/2010/main" val="189135652"/>
+      </p:ext>
+    </p:extLst>
+  </p:cSld>
+  <p:clrMapOvr>
+    <a:masterClrMapping/>
+  </p:clrMapOvr>
+</p:sld>
+</file>
+
+<file path=ppt/slides/slide17.xml><?xml version="1.0" encoding="utf-8"?>
+<p:sld xmlns:a="http://schemas.openxmlformats.org/drawingml/2006/main" xmlns:r="http://schemas.openxmlformats.org/officeDocument/2006/relationships" xmlns:p="http://schemas.openxmlformats.org/presentationml/2006/main">
+  <p:cSld>
+    <p:spTree>
+      <p:nvGrpSpPr>
+        <p:cNvPr id="1" name=""/>
+        <p:cNvGrpSpPr/>
+        <p:nvPr/>
+      </p:nvGrpSpPr>
+      <p:grpSpPr>
+        <a:xfrm>
+          <a:off x="0" y="0"/>
+          <a:ext cx="0" cy="0"/>
+          <a:chOff x="0" y="0"/>
+          <a:chExt cx="0" cy="0"/>
+        </a:xfrm>
+      </p:grpSpPr>
+      <p:sp>
+        <p:nvSpPr>
+          <p:cNvPr id="2" name="Başlık 1">
+            <a:extLst>
+              <a:ext uri="{FF2B5EF4-FFF2-40B4-BE49-F238E27FC236}">
+                <a16:creationId xmlns:a16="http://schemas.microsoft.com/office/drawing/2014/main" id="{6DB97821-5E85-5819-20B0-BA042414AE9B}"/>
+              </a:ext>
+            </a:extLst>
+          </p:cNvPr>
+          <p:cNvSpPr>
+            <a:spLocks noGrp="1"/>
+          </p:cNvSpPr>
+          <p:nvPr>
+            <p:ph type="title"/>
+          </p:nvPr>
+        </p:nvSpPr>
+        <p:spPr/>
+        <p:txBody>
+          <a:bodyPr/>
+          <a:lstStyle/>
+          <a:p>
+            <a:r>
+              <a:rPr lang="tr-TR" dirty="0" err="1"/>
+              <a:t>Thread</a:t>
+            </a:r>
+            <a:r>
+              <a:rPr lang="tr-TR" dirty="0"/>
+              <a:t> </a:t>
+            </a:r>
+            <a:r>
+              <a:rPr lang="tr-TR" dirty="0" err="1"/>
+              <a:t>wındow</a:t>
+            </a:r>
+            <a:endParaRPr lang="tr-TR" dirty="0"/>
+          </a:p>
+        </p:txBody>
+      </p:sp>
+      <p:sp>
+        <p:nvSpPr>
+          <p:cNvPr id="3" name="İçerik Yer Tutucusu 2">
+            <a:extLst>
+              <a:ext uri="{FF2B5EF4-FFF2-40B4-BE49-F238E27FC236}">
+                <a16:creationId xmlns:a16="http://schemas.microsoft.com/office/drawing/2014/main" id="{FE3BA8D4-110C-8EE4-2BC6-39A05D2C5973}"/>
+              </a:ext>
+            </a:extLst>
+          </p:cNvPr>
+          <p:cNvSpPr>
+            <a:spLocks noGrp="1"/>
+          </p:cNvSpPr>
+          <p:nvPr>
+            <p:ph sz="quarter" idx="13"/>
+          </p:nvPr>
+        </p:nvSpPr>
+        <p:spPr>
+          <a:xfrm>
+            <a:off x="685801" y="2063396"/>
+            <a:ext cx="4222102" cy="3311189"/>
+          </a:xfrm>
+        </p:spPr>
+        <p:txBody>
+          <a:bodyPr/>
+          <a:lstStyle/>
+          <a:p>
+            <a:r>
+              <a:rPr lang="tr-TR" b="0" i="0" cap="none" dirty="0">
+                <a:solidFill>
+                  <a:srgbClr val="242424"/>
+                </a:solidFill>
+                <a:effectLst/>
+                <a:latin typeface="source-serif-pro"/>
+              </a:rPr>
+              <a:t>Programda kullanılan </a:t>
+            </a:r>
+            <a:r>
+              <a:rPr lang="tr-TR" b="0" i="0" cap="none" dirty="0" err="1">
+                <a:solidFill>
+                  <a:srgbClr val="242424"/>
+                </a:solidFill>
+                <a:effectLst/>
+                <a:latin typeface="source-serif-pro"/>
+              </a:rPr>
+              <a:t>thread’lerin</a:t>
+            </a:r>
+            <a:r>
+              <a:rPr lang="tr-TR" b="0" i="0" cap="none" dirty="0">
+                <a:solidFill>
+                  <a:srgbClr val="242424"/>
+                </a:solidFill>
+                <a:effectLst/>
+                <a:latin typeface="source-serif-pro"/>
+              </a:rPr>
+              <a:t> takip edilmesinde kullanılmaktadır.</a:t>
+            </a:r>
+          </a:p>
+          <a:p>
+            <a:r>
+              <a:rPr lang="tr-TR" b="0" i="0" cap="none" dirty="0">
+                <a:solidFill>
+                  <a:srgbClr val="242424"/>
+                </a:solidFill>
+                <a:effectLst/>
+                <a:latin typeface="source-serif-pro"/>
+              </a:rPr>
+              <a:t>Çalışan metodun hangi </a:t>
+            </a:r>
+            <a:r>
+              <a:rPr lang="tr-TR" b="0" i="0" cap="none" dirty="0" err="1">
+                <a:solidFill>
+                  <a:srgbClr val="242424"/>
+                </a:solidFill>
+                <a:effectLst/>
+                <a:latin typeface="source-serif-pro"/>
+              </a:rPr>
+              <a:t>thread’den</a:t>
+            </a:r>
+            <a:r>
+              <a:rPr lang="tr-TR" b="0" i="0" cap="none" dirty="0">
+                <a:solidFill>
+                  <a:srgbClr val="242424"/>
+                </a:solidFill>
+                <a:effectLst/>
+                <a:latin typeface="source-serif-pro"/>
+              </a:rPr>
+              <a:t> çağrıldığını görebilir, istediğimiz </a:t>
+            </a:r>
+            <a:r>
+              <a:rPr lang="tr-TR" b="0" i="0" cap="none" dirty="0" err="1">
+                <a:solidFill>
+                  <a:srgbClr val="242424"/>
+                </a:solidFill>
+                <a:effectLst/>
+                <a:latin typeface="source-serif-pro"/>
+              </a:rPr>
+              <a:t>thread’i</a:t>
+            </a:r>
+            <a:r>
+              <a:rPr lang="tr-TR" b="0" i="0" cap="none" dirty="0">
+                <a:solidFill>
+                  <a:srgbClr val="242424"/>
+                </a:solidFill>
+                <a:effectLst/>
+                <a:latin typeface="source-serif-pro"/>
+              </a:rPr>
+              <a:t> dondurabiliriz. </a:t>
+            </a:r>
+          </a:p>
+          <a:p>
+            <a:r>
+              <a:rPr lang="tr-TR" b="0" i="0" cap="none" dirty="0">
+                <a:solidFill>
+                  <a:srgbClr val="242424"/>
+                </a:solidFill>
+                <a:effectLst/>
+                <a:latin typeface="source-serif-pro"/>
+              </a:rPr>
+              <a:t>Yine “</a:t>
+            </a:r>
+            <a:r>
+              <a:rPr lang="tr-TR" b="0" i="0" cap="none" dirty="0" err="1">
+                <a:solidFill>
+                  <a:srgbClr val="242424"/>
+                </a:solidFill>
+                <a:effectLst/>
+                <a:latin typeface="source-serif-pro"/>
+              </a:rPr>
+              <a:t>debug</a:t>
+            </a:r>
+            <a:r>
+              <a:rPr lang="tr-TR" b="0" i="0" cap="none" dirty="0">
+                <a:solidFill>
+                  <a:srgbClr val="242424"/>
+                </a:solidFill>
+                <a:effectLst/>
+                <a:latin typeface="source-serif-pro"/>
+              </a:rPr>
+              <a:t>” &gt; “</a:t>
+            </a:r>
+            <a:r>
+              <a:rPr lang="tr-TR" b="0" i="0" cap="none" dirty="0" err="1">
+                <a:solidFill>
+                  <a:srgbClr val="242424"/>
+                </a:solidFill>
+                <a:effectLst/>
+                <a:latin typeface="source-serif-pro"/>
+              </a:rPr>
+              <a:t>windows</a:t>
+            </a:r>
+            <a:r>
+              <a:rPr lang="tr-TR" b="0" i="0" cap="none" dirty="0">
+                <a:solidFill>
+                  <a:srgbClr val="242424"/>
+                </a:solidFill>
+                <a:effectLst/>
+                <a:latin typeface="source-serif-pro"/>
+              </a:rPr>
+              <a:t>” sekmelerini takip ederek pencereyi açabiliriz.</a:t>
+            </a:r>
+            <a:endParaRPr lang="tr-TR" cap="none" dirty="0">
+              <a:latin typeface="Calibri" panose="020F0502020204030204" pitchFamily="34" charset="0"/>
+              <a:cs typeface="Calibri" panose="020F0502020204030204" pitchFamily="34" charset="0"/>
+            </a:endParaRPr>
+          </a:p>
+        </p:txBody>
+      </p:sp>
+      <p:pic>
+        <p:nvPicPr>
+          <p:cNvPr id="3074" name="Picture 2">
+            <a:extLst>
+              <a:ext uri="{FF2B5EF4-FFF2-40B4-BE49-F238E27FC236}">
+                <a16:creationId xmlns:a16="http://schemas.microsoft.com/office/drawing/2014/main" id="{29644EDE-8768-EBA8-2B57-F6A73EF055A4}"/>
+              </a:ext>
+            </a:extLst>
+          </p:cNvPr>
+          <p:cNvPicPr>
+            <a:picLocks noChangeAspect="1" noChangeArrowheads="1"/>
+          </p:cNvPicPr>
+          <p:nvPr/>
+        </p:nvPicPr>
+        <p:blipFill>
+          <a:blip r:embed="rId2">
+            <a:extLst>
+              <a:ext uri="{28A0092B-C50C-407E-A947-70E740481C1C}">
+                <a14:useLocalDpi xmlns:a14="http://schemas.microsoft.com/office/drawing/2010/main" val="0"/>
+              </a:ext>
+            </a:extLst>
+          </a:blip>
+          <a:srcRect/>
+          <a:stretch>
+            <a:fillRect/>
+          </a:stretch>
+        </p:blipFill>
+        <p:spPr bwMode="auto">
+          <a:xfrm>
+            <a:off x="5295898" y="1663278"/>
+            <a:ext cx="6210301" cy="3806027"/>
+          </a:xfrm>
+          <a:prstGeom prst="rect">
+            <a:avLst/>
+          </a:prstGeom>
+          <a:noFill/>
+          <a:extLst>
+            <a:ext uri="{909E8E84-426E-40DD-AFC4-6F175D3DCCD1}">
+              <a14:hiddenFill xmlns:a14="http://schemas.microsoft.com/office/drawing/2010/main">
+                <a:solidFill>
+                  <a:srgbClr val="FFFFFF"/>
+                </a:solidFill>
+              </a14:hiddenFill>
+            </a:ext>
+          </a:extLst>
+        </p:spPr>
+      </p:pic>
+    </p:spTree>
+    <p:extLst>
+      <p:ext uri="{BB962C8B-B14F-4D97-AF65-F5344CB8AC3E}">
+        <p14:creationId xmlns:p14="http://schemas.microsoft.com/office/powerpoint/2010/main" val="3218685255"/>
+      </p:ext>
+    </p:extLst>
+  </p:cSld>
+  <p:clrMapOvr>
+    <a:masterClrMapping/>
+  </p:clrMapOvr>
+</p:sld>
+</file>
+
+<file path=ppt/slides/slide18.xml><?xml version="1.0" encoding="utf-8"?>
+<p:sld xmlns:a="http://schemas.openxmlformats.org/drawingml/2006/main" xmlns:r="http://schemas.openxmlformats.org/officeDocument/2006/relationships" xmlns:p="http://schemas.openxmlformats.org/presentationml/2006/main" showMasterSp="0">
+  <p:cSld>
+    <p:spTree>
+      <p:nvGrpSpPr>
+        <p:cNvPr id="1" name=""/>
+        <p:cNvGrpSpPr/>
+        <p:nvPr/>
+      </p:nvGrpSpPr>
+      <p:grpSpPr>
+        <a:xfrm>
+          <a:off x="0" y="0"/>
+          <a:ext cx="0" cy="0"/>
+          <a:chOff x="0" y="0"/>
+          <a:chExt cx="0" cy="0"/>
+        </a:xfrm>
+      </p:grpSpPr>
+      <p:sp>
+        <p:nvSpPr>
+          <p:cNvPr id="2" name="Başlık 1">
+            <a:extLst>
+              <a:ext uri="{FF2B5EF4-FFF2-40B4-BE49-F238E27FC236}">
+                <a16:creationId xmlns:a16="http://schemas.microsoft.com/office/drawing/2014/main" id="{DEDF9F73-0598-0E3B-79F8-6FFCBC10B911}"/>
+              </a:ext>
+            </a:extLst>
+          </p:cNvPr>
+          <p:cNvSpPr>
+            <a:spLocks noGrp="1"/>
+          </p:cNvSpPr>
+          <p:nvPr>
+            <p:ph type="title"/>
+          </p:nvPr>
+        </p:nvSpPr>
+        <p:spPr>
+          <a:xfrm>
+            <a:off x="681450" y="610212"/>
+            <a:ext cx="10396882" cy="1151965"/>
+          </a:xfrm>
+        </p:spPr>
+        <p:txBody>
+          <a:bodyPr/>
+          <a:lstStyle/>
+          <a:p>
+            <a:r>
+              <a:rPr lang="tr-TR" dirty="0" err="1"/>
+              <a:t>Thread</a:t>
+            </a:r>
+            <a:r>
+              <a:rPr lang="tr-TR" dirty="0"/>
+              <a:t> </a:t>
+            </a:r>
+            <a:r>
+              <a:rPr lang="tr-TR" dirty="0" err="1"/>
+              <a:t>wındow</a:t>
+            </a:r>
+            <a:endParaRPr lang="tr-TR" dirty="0"/>
+          </a:p>
+        </p:txBody>
+      </p:sp>
+      <p:sp>
+        <p:nvSpPr>
+          <p:cNvPr id="3" name="İçerik Yer Tutucusu 2">
+            <a:extLst>
+              <a:ext uri="{FF2B5EF4-FFF2-40B4-BE49-F238E27FC236}">
+                <a16:creationId xmlns:a16="http://schemas.microsoft.com/office/drawing/2014/main" id="{E4279344-008F-DA02-2D9D-8845265BA47E}"/>
+              </a:ext>
+            </a:extLst>
+          </p:cNvPr>
+          <p:cNvSpPr>
+            <a:spLocks noGrp="1"/>
+          </p:cNvSpPr>
+          <p:nvPr>
+            <p:ph sz="quarter" idx="13"/>
+          </p:nvPr>
+        </p:nvSpPr>
+        <p:spPr>
+          <a:xfrm>
+            <a:off x="683625" y="1762177"/>
+            <a:ext cx="10394707" cy="1771757"/>
+          </a:xfrm>
+        </p:spPr>
+        <p:txBody>
+          <a:bodyPr/>
+          <a:lstStyle/>
+          <a:p>
+            <a:r>
+              <a:rPr lang="tr-TR" b="0" i="0" cap="none" dirty="0">
+                <a:solidFill>
+                  <a:srgbClr val="242424"/>
+                </a:solidFill>
+                <a:effectLst/>
+                <a:latin typeface="source-serif-pro"/>
+              </a:rPr>
+              <a:t>Sadece özel bir </a:t>
+            </a:r>
+            <a:r>
+              <a:rPr lang="tr-TR" b="0" i="0" cap="none" dirty="0" err="1">
+                <a:solidFill>
+                  <a:srgbClr val="242424"/>
+                </a:solidFill>
+                <a:effectLst/>
+                <a:latin typeface="source-serif-pro"/>
+              </a:rPr>
+              <a:t>thread</a:t>
+            </a:r>
+            <a:r>
+              <a:rPr lang="tr-TR" b="0" i="0" cap="none" dirty="0">
+                <a:solidFill>
+                  <a:srgbClr val="242424"/>
+                </a:solidFill>
+                <a:effectLst/>
+                <a:latin typeface="source-serif-pro"/>
+              </a:rPr>
+              <a:t> üzerinde </a:t>
+            </a:r>
+            <a:r>
+              <a:rPr lang="tr-TR" b="0" i="0" cap="none" dirty="0" err="1">
+                <a:solidFill>
+                  <a:srgbClr val="242424"/>
+                </a:solidFill>
+                <a:effectLst/>
+                <a:latin typeface="source-serif-pro"/>
+              </a:rPr>
+              <a:t>debugging</a:t>
+            </a:r>
+            <a:r>
+              <a:rPr lang="tr-TR" b="0" i="0" cap="none" dirty="0">
+                <a:solidFill>
+                  <a:srgbClr val="242424"/>
+                </a:solidFill>
+                <a:effectLst/>
+                <a:latin typeface="source-serif-pro"/>
+              </a:rPr>
+              <a:t> yapılmak istenirse </a:t>
+            </a:r>
+            <a:r>
+              <a:rPr lang="tr-TR" b="0" i="0" cap="none" dirty="0" err="1">
+                <a:solidFill>
+                  <a:srgbClr val="242424"/>
+                </a:solidFill>
+                <a:effectLst/>
+                <a:latin typeface="source-serif-pro"/>
+              </a:rPr>
+              <a:t>breakpoint</a:t>
+            </a:r>
+            <a:r>
+              <a:rPr lang="tr-TR" b="0" i="0" cap="none" dirty="0">
+                <a:solidFill>
+                  <a:srgbClr val="242424"/>
+                </a:solidFill>
+                <a:effectLst/>
+                <a:latin typeface="source-serif-pro"/>
+              </a:rPr>
+              <a:t> </a:t>
+            </a:r>
+            <a:r>
+              <a:rPr lang="tr-TR" b="0" i="0" cap="none" dirty="0" err="1">
+                <a:solidFill>
+                  <a:srgbClr val="242424"/>
+                </a:solidFill>
+                <a:effectLst/>
+                <a:latin typeface="source-serif-pro"/>
+              </a:rPr>
+              <a:t>condition’a</a:t>
+            </a:r>
+            <a:r>
+              <a:rPr lang="tr-TR" b="0" i="0" cap="none" dirty="0">
+                <a:solidFill>
+                  <a:srgbClr val="242424"/>
+                </a:solidFill>
+                <a:effectLst/>
+                <a:latin typeface="source-serif-pro"/>
+              </a:rPr>
+              <a:t> tanımlanır. Bu sayede sadece “</a:t>
+            </a:r>
+            <a:r>
+              <a:rPr lang="tr-TR" b="0" i="0" cap="none" dirty="0" err="1">
+                <a:solidFill>
+                  <a:srgbClr val="242424"/>
+                </a:solidFill>
+                <a:effectLst/>
+                <a:latin typeface="source-serif-pro"/>
+              </a:rPr>
+              <a:t>thread</a:t>
+            </a:r>
+            <a:r>
+              <a:rPr lang="tr-TR" b="0" i="0" cap="none" dirty="0">
+                <a:solidFill>
+                  <a:srgbClr val="242424"/>
+                </a:solidFill>
+                <a:effectLst/>
+                <a:latin typeface="source-serif-pro"/>
+              </a:rPr>
+              <a:t> 2” </a:t>
+            </a:r>
+            <a:r>
+              <a:rPr lang="tr-TR" b="0" i="0" cap="none" dirty="0" err="1">
+                <a:solidFill>
+                  <a:srgbClr val="242424"/>
+                </a:solidFill>
+                <a:effectLst/>
+                <a:latin typeface="source-serif-pro"/>
+              </a:rPr>
+              <a:t>nin</a:t>
+            </a:r>
+            <a:r>
+              <a:rPr lang="tr-TR" b="0" i="0" cap="none" dirty="0">
+                <a:solidFill>
+                  <a:srgbClr val="242424"/>
+                </a:solidFill>
+                <a:effectLst/>
+                <a:latin typeface="source-serif-pro"/>
+              </a:rPr>
+              <a:t> metodu çağırmasında proje durur. Aşağıdaki gibi koşul verilebilir.</a:t>
+            </a:r>
+            <a:endParaRPr lang="tr-TR" cap="none" dirty="0"/>
+          </a:p>
+        </p:txBody>
+      </p:sp>
+      <p:pic>
+        <p:nvPicPr>
+          <p:cNvPr id="4098" name="Picture 2">
+            <a:extLst>
+              <a:ext uri="{FF2B5EF4-FFF2-40B4-BE49-F238E27FC236}">
+                <a16:creationId xmlns:a16="http://schemas.microsoft.com/office/drawing/2014/main" id="{5BD4E869-8D69-1BCD-1C86-F7DB8394271F}"/>
+              </a:ext>
+            </a:extLst>
+          </p:cNvPr>
+          <p:cNvPicPr>
+            <a:picLocks noChangeAspect="1" noChangeArrowheads="1"/>
+          </p:cNvPicPr>
+          <p:nvPr/>
+        </p:nvPicPr>
+        <p:blipFill>
+          <a:blip r:embed="rId2">
+            <a:extLst>
+              <a:ext uri="{28A0092B-C50C-407E-A947-70E740481C1C}">
+                <a14:useLocalDpi xmlns:a14="http://schemas.microsoft.com/office/drawing/2010/main" val="0"/>
+              </a:ext>
+            </a:extLst>
+          </a:blip>
+          <a:srcRect/>
+          <a:stretch>
+            <a:fillRect/>
+          </a:stretch>
+        </p:blipFill>
+        <p:spPr bwMode="auto">
+          <a:xfrm>
+            <a:off x="2596003" y="3716120"/>
+            <a:ext cx="5295406" cy="2531668"/>
+          </a:xfrm>
+          <a:prstGeom prst="rect">
+            <a:avLst/>
+          </a:prstGeom>
+          <a:noFill/>
+          <a:extLst>
+            <a:ext uri="{909E8E84-426E-40DD-AFC4-6F175D3DCCD1}">
+              <a14:hiddenFill xmlns:a14="http://schemas.microsoft.com/office/drawing/2010/main">
+                <a:solidFill>
+                  <a:srgbClr val="FFFFFF"/>
+                </a:solidFill>
+              </a14:hiddenFill>
+            </a:ext>
+          </a:extLst>
+        </p:spPr>
+      </p:pic>
+    </p:spTree>
+    <p:extLst>
+      <p:ext uri="{BB962C8B-B14F-4D97-AF65-F5344CB8AC3E}">
+        <p14:creationId xmlns:p14="http://schemas.microsoft.com/office/powerpoint/2010/main" val="14047574"/>
+      </p:ext>
+    </p:extLst>
+  </p:cSld>
+  <p:clrMapOvr>
+    <a:masterClrMapping/>
+  </p:clrMapOvr>
+</p:sld>
+</file>
+
+<file path=ppt/slides/slide19.xml><?xml version="1.0" encoding="utf-8"?>
+<p:sld xmlns:a="http://schemas.openxmlformats.org/drawingml/2006/main" xmlns:r="http://schemas.openxmlformats.org/officeDocument/2006/relationships" xmlns:p="http://schemas.openxmlformats.org/presentationml/2006/main" showMasterSp="0">
+  <p:cSld>
+    <p:spTree>
+      <p:nvGrpSpPr>
+        <p:cNvPr id="1" name=""/>
+        <p:cNvGrpSpPr/>
+        <p:nvPr/>
+      </p:nvGrpSpPr>
+      <p:grpSpPr>
+        <a:xfrm>
+          <a:off x="0" y="0"/>
+          <a:ext cx="0" cy="0"/>
+          <a:chOff x="0" y="0"/>
+          <a:chExt cx="0" cy="0"/>
+        </a:xfrm>
+      </p:grpSpPr>
+      <p:sp>
+        <p:nvSpPr>
+          <p:cNvPr id="2" name="Başlık 1">
+            <a:extLst>
+              <a:ext uri="{FF2B5EF4-FFF2-40B4-BE49-F238E27FC236}">
+                <a16:creationId xmlns:a16="http://schemas.microsoft.com/office/drawing/2014/main" id="{89555205-8B55-80BF-BE48-267E12502EBF}"/>
+              </a:ext>
+            </a:extLst>
+          </p:cNvPr>
+          <p:cNvSpPr>
+            <a:spLocks noGrp="1"/>
+          </p:cNvSpPr>
+          <p:nvPr>
+            <p:ph type="title"/>
+          </p:nvPr>
+        </p:nvSpPr>
+        <p:spPr>
+          <a:xfrm>
+            <a:off x="683624" y="1108039"/>
+            <a:ext cx="10396882" cy="1151965"/>
+          </a:xfrm>
+        </p:spPr>
+        <p:txBody>
+          <a:bodyPr/>
+          <a:lstStyle/>
+          <a:p>
+            <a:r>
+              <a:rPr lang="tr-TR" dirty="0" err="1"/>
+              <a:t>ıntellıtrace</a:t>
+            </a:r>
+            <a:endParaRPr lang="tr-TR" dirty="0"/>
+          </a:p>
+        </p:txBody>
+      </p:sp>
+      <p:sp>
+        <p:nvSpPr>
+          <p:cNvPr id="3" name="İçerik Yer Tutucusu 2">
+            <a:extLst>
+              <a:ext uri="{FF2B5EF4-FFF2-40B4-BE49-F238E27FC236}">
+                <a16:creationId xmlns:a16="http://schemas.microsoft.com/office/drawing/2014/main" id="{CC2D46CB-9143-0DD2-E289-482940B813B0}"/>
+              </a:ext>
+            </a:extLst>
+          </p:cNvPr>
+          <p:cNvSpPr>
+            <a:spLocks noGrp="1"/>
+          </p:cNvSpPr>
+          <p:nvPr>
+            <p:ph sz="quarter" idx="13"/>
+          </p:nvPr>
+        </p:nvSpPr>
+        <p:spPr>
+          <a:xfrm>
+            <a:off x="685799" y="2260004"/>
+            <a:ext cx="10394707" cy="937256"/>
+          </a:xfrm>
+        </p:spPr>
+        <p:txBody>
+          <a:bodyPr/>
+          <a:lstStyle/>
+          <a:p>
+            <a:r>
+              <a:rPr lang="tr-TR" b="0" i="0" cap="none" dirty="0">
+                <a:solidFill>
+                  <a:srgbClr val="242424"/>
+                </a:solidFill>
+                <a:effectLst/>
+                <a:latin typeface="source-serif-pro"/>
+              </a:rPr>
+              <a:t>Önceki bütün </a:t>
+            </a:r>
+            <a:r>
+              <a:rPr lang="tr-TR" b="0" i="0" cap="none" dirty="0" err="1">
+                <a:solidFill>
+                  <a:srgbClr val="242424"/>
+                </a:solidFill>
+                <a:effectLst/>
+                <a:latin typeface="source-serif-pro"/>
+              </a:rPr>
+              <a:t>debug</a:t>
+            </a:r>
+            <a:r>
+              <a:rPr lang="tr-TR" b="0" i="0" cap="none" dirty="0">
+                <a:solidFill>
+                  <a:srgbClr val="242424"/>
+                </a:solidFill>
+                <a:effectLst/>
+                <a:latin typeface="source-serif-pro"/>
+              </a:rPr>
+              <a:t> işlemlerini kayıt eder.</a:t>
+            </a:r>
+          </a:p>
+        </p:txBody>
+      </p:sp>
+      <p:pic>
+        <p:nvPicPr>
+          <p:cNvPr id="5122" name="Picture 2">
+            <a:extLst>
+              <a:ext uri="{FF2B5EF4-FFF2-40B4-BE49-F238E27FC236}">
+                <a16:creationId xmlns:a16="http://schemas.microsoft.com/office/drawing/2014/main" id="{CE100B39-2A28-5249-A61C-7A973215EDF6}"/>
+              </a:ext>
+            </a:extLst>
+          </p:cNvPr>
+          <p:cNvPicPr>
+            <a:picLocks noChangeAspect="1" noChangeArrowheads="1"/>
+          </p:cNvPicPr>
+          <p:nvPr/>
+        </p:nvPicPr>
+        <p:blipFill>
+          <a:blip r:embed="rId2">
+            <a:extLst>
+              <a:ext uri="{28A0092B-C50C-407E-A947-70E740481C1C}">
+                <a14:useLocalDpi xmlns:a14="http://schemas.microsoft.com/office/drawing/2010/main" val="0"/>
+              </a:ext>
+            </a:extLst>
+          </a:blip>
+          <a:srcRect/>
+          <a:stretch>
+            <a:fillRect/>
+          </a:stretch>
+        </p:blipFill>
+        <p:spPr bwMode="auto">
+          <a:xfrm>
+            <a:off x="1803679" y="3639468"/>
+            <a:ext cx="6667500" cy="2552700"/>
+          </a:xfrm>
+          <a:prstGeom prst="rect">
+            <a:avLst/>
+          </a:prstGeom>
+          <a:noFill/>
+          <a:extLst>
+            <a:ext uri="{909E8E84-426E-40DD-AFC4-6F175D3DCCD1}">
+              <a14:hiddenFill xmlns:a14="http://schemas.microsoft.com/office/drawing/2010/main">
+                <a:solidFill>
+                  <a:srgbClr val="FFFFFF"/>
+                </a:solidFill>
+              </a14:hiddenFill>
+            </a:ext>
+          </a:extLst>
+        </p:spPr>
+      </p:pic>
+    </p:spTree>
+    <p:extLst>
+      <p:ext uri="{BB962C8B-B14F-4D97-AF65-F5344CB8AC3E}">
+        <p14:creationId xmlns:p14="http://schemas.microsoft.com/office/powerpoint/2010/main" val="4248762975"/>
+      </p:ext>
+    </p:extLst>
+  </p:cSld>
+  <p:clrMapOvr>
+    <a:masterClrMapping/>
+  </p:clrMapOvr>
+</p:sld>
+</file>
+
 <file path=ppt/slides/slide2.xml><?xml version="1.0" encoding="utf-8"?>
 <p:sld xmlns:a="http://schemas.openxmlformats.org/drawingml/2006/main" xmlns:r="http://schemas.openxmlformats.org/officeDocument/2006/relationships" xmlns:p="http://schemas.openxmlformats.org/presentationml/2006/main">
   <p:cSld>
@@ -6391,7 +8143,7 @@
         </p:spPr>
         <p:txBody>
           <a:bodyPr>
-            <a:normAutofit fontScale="92500" lnSpcReduction="20000"/>
+            <a:normAutofit/>
           </a:bodyPr>
           <a:lstStyle/>
           <a:p>
@@ -6406,15 +8158,6 @@
               <a:latin typeface="Calibri" panose="020F0502020204030204" pitchFamily="34" charset="0"/>
               <a:cs typeface="Calibri" panose="020F0502020204030204" pitchFamily="34" charset="0"/>
             </a:endParaRPr>
-          </a:p>
-          <a:p>
-            <a:r>
-              <a:rPr lang="tr-TR" cap="none" dirty="0">
-                <a:latin typeface="Calibri" panose="020F0502020204030204" pitchFamily="34" charset="0"/>
-                <a:cs typeface="Calibri" panose="020F0502020204030204" pitchFamily="34" charset="0"/>
-              </a:rPr>
-              <a:t>Semantik hatalar</a:t>
-            </a:r>
           </a:p>
           <a:p>
             <a:r>
@@ -7398,6 +9141,289 @@
     <p:extLst>
       <p:ext uri="{BB962C8B-B14F-4D97-AF65-F5344CB8AC3E}">
         <p14:creationId xmlns:p14="http://schemas.microsoft.com/office/powerpoint/2010/main" val="189568381"/>
+      </p:ext>
+    </p:extLst>
+  </p:cSld>
+  <p:clrMapOvr>
+    <a:masterClrMapping/>
+  </p:clrMapOvr>
+</p:sld>
+</file>
+
+<file path=ppt/slides/slide9.xml><?xml version="1.0" encoding="utf-8"?>
+<p:sld xmlns:a="http://schemas.openxmlformats.org/drawingml/2006/main" xmlns:r="http://schemas.openxmlformats.org/officeDocument/2006/relationships" xmlns:p="http://schemas.openxmlformats.org/presentationml/2006/main">
+  <p:cSld>
+    <p:spTree>
+      <p:nvGrpSpPr>
+        <p:cNvPr id="1" name=""/>
+        <p:cNvGrpSpPr/>
+        <p:nvPr/>
+      </p:nvGrpSpPr>
+      <p:grpSpPr>
+        <a:xfrm>
+          <a:off x="0" y="0"/>
+          <a:ext cx="0" cy="0"/>
+          <a:chOff x="0" y="0"/>
+          <a:chExt cx="0" cy="0"/>
+        </a:xfrm>
+      </p:grpSpPr>
+      <p:sp>
+        <p:nvSpPr>
+          <p:cNvPr id="2" name="Başlık 1">
+            <a:extLst>
+              <a:ext uri="{FF2B5EF4-FFF2-40B4-BE49-F238E27FC236}">
+                <a16:creationId xmlns:a16="http://schemas.microsoft.com/office/drawing/2014/main" id="{4B2AD487-F96F-08A5-D4A4-DA6C41E9C3E7}"/>
+              </a:ext>
+            </a:extLst>
+          </p:cNvPr>
+          <p:cNvSpPr>
+            <a:spLocks noGrp="1"/>
+          </p:cNvSpPr>
+          <p:nvPr>
+            <p:ph type="title"/>
+          </p:nvPr>
+        </p:nvSpPr>
+        <p:spPr/>
+        <p:txBody>
+          <a:bodyPr/>
+          <a:lstStyle/>
+          <a:p>
+            <a:r>
+              <a:rPr lang="tr-TR" dirty="0" err="1"/>
+              <a:t>Breakpoınt</a:t>
+            </a:r>
+            <a:endParaRPr lang="tr-TR" dirty="0"/>
+          </a:p>
+        </p:txBody>
+      </p:sp>
+      <p:sp>
+        <p:nvSpPr>
+          <p:cNvPr id="3" name="İçerik Yer Tutucusu 2">
+            <a:extLst>
+              <a:ext uri="{FF2B5EF4-FFF2-40B4-BE49-F238E27FC236}">
+                <a16:creationId xmlns:a16="http://schemas.microsoft.com/office/drawing/2014/main" id="{42365694-E03F-0E99-30AE-ED2F9349A929}"/>
+              </a:ext>
+            </a:extLst>
+          </p:cNvPr>
+          <p:cNvSpPr>
+            <a:spLocks noGrp="1"/>
+          </p:cNvSpPr>
+          <p:nvPr>
+            <p:ph sz="quarter" idx="13"/>
+          </p:nvPr>
+        </p:nvSpPr>
+        <p:spPr/>
+        <p:txBody>
+          <a:bodyPr/>
+          <a:lstStyle/>
+          <a:p>
+            <a:r>
+              <a:rPr lang="tr-TR" b="0" i="0" cap="none" dirty="0" err="1">
+                <a:solidFill>
+                  <a:srgbClr val="242424"/>
+                </a:solidFill>
+                <a:effectLst/>
+                <a:latin typeface="source-serif-pro"/>
+              </a:rPr>
+              <a:t>Breakpoint</a:t>
+            </a:r>
+            <a:r>
+              <a:rPr lang="tr-TR" b="0" i="0" cap="none" dirty="0">
+                <a:solidFill>
+                  <a:srgbClr val="242424"/>
+                </a:solidFill>
+                <a:effectLst/>
+                <a:latin typeface="source-serif-pro"/>
+              </a:rPr>
+              <a:t> işaretlendiği satırda programın durmasını sağlar. Bu sayede geliştirici o anda programdaki hatayı daha kolay bulabilir. </a:t>
+            </a:r>
+          </a:p>
+          <a:p>
+            <a:r>
+              <a:rPr lang="tr-TR" b="0" i="0" cap="none" dirty="0" err="1">
+                <a:solidFill>
+                  <a:srgbClr val="242424"/>
+                </a:solidFill>
+                <a:effectLst/>
+                <a:latin typeface="source-serif-pro"/>
+              </a:rPr>
+              <a:t>Breakpointleri</a:t>
+            </a:r>
+            <a:r>
+              <a:rPr lang="tr-TR" b="0" i="0" cap="none" dirty="0">
+                <a:solidFill>
+                  <a:srgbClr val="242424"/>
+                </a:solidFill>
+                <a:effectLst/>
+                <a:latin typeface="source-serif-pro"/>
+              </a:rPr>
+              <a:t> </a:t>
+            </a:r>
+            <a:r>
+              <a:rPr lang="tr-TR" b="1" i="0" cap="none" dirty="0">
+                <a:solidFill>
+                  <a:srgbClr val="242424"/>
+                </a:solidFill>
+                <a:effectLst/>
+                <a:latin typeface="source-serif-pro"/>
+              </a:rPr>
+              <a:t>isim</a:t>
+            </a:r>
+            <a:r>
+              <a:rPr lang="tr-TR" b="1" cap="none" dirty="0">
+                <a:solidFill>
+                  <a:srgbClr val="242424"/>
+                </a:solidFill>
+                <a:latin typeface="source-serif-pro"/>
+              </a:rPr>
+              <a:t>lendirebiliriz.</a:t>
+            </a:r>
+          </a:p>
+          <a:p>
+            <a:r>
+              <a:rPr lang="tr-TR" b="0" i="0" cap="none" dirty="0" err="1">
+                <a:solidFill>
+                  <a:srgbClr val="242424"/>
+                </a:solidFill>
+                <a:effectLst/>
+                <a:latin typeface="source-serif-pro"/>
+              </a:rPr>
+              <a:t>Breakpointleri</a:t>
+            </a:r>
+            <a:r>
+              <a:rPr lang="tr-TR" b="0" i="0" cap="none" dirty="0">
+                <a:solidFill>
+                  <a:srgbClr val="242424"/>
+                </a:solidFill>
+                <a:effectLst/>
+                <a:latin typeface="source-serif-pro"/>
+              </a:rPr>
+              <a:t> </a:t>
+            </a:r>
+            <a:r>
+              <a:rPr lang="tr-TR" b="1" i="0" cap="none" dirty="0" err="1">
+                <a:solidFill>
+                  <a:srgbClr val="242424"/>
+                </a:solidFill>
+                <a:effectLst/>
+                <a:latin typeface="source-serif-pro"/>
+              </a:rPr>
+              <a:t>import</a:t>
+            </a:r>
+            <a:r>
+              <a:rPr lang="tr-TR" b="0" i="0" cap="none" dirty="0">
+                <a:solidFill>
+                  <a:srgbClr val="242424"/>
+                </a:solidFill>
+                <a:effectLst/>
+                <a:latin typeface="source-serif-pro"/>
+              </a:rPr>
+              <a:t> ve </a:t>
+            </a:r>
+            <a:r>
+              <a:rPr lang="tr-TR" b="1" i="0" cap="none" dirty="0" err="1">
+                <a:solidFill>
+                  <a:srgbClr val="242424"/>
+                </a:solidFill>
+                <a:effectLst/>
+                <a:latin typeface="source-serif-pro"/>
+              </a:rPr>
+              <a:t>export</a:t>
+            </a:r>
+            <a:r>
+              <a:rPr lang="tr-TR" b="0" i="0" cap="none" dirty="0">
+                <a:solidFill>
+                  <a:srgbClr val="242424"/>
+                </a:solidFill>
+                <a:effectLst/>
+                <a:latin typeface="source-serif-pro"/>
+              </a:rPr>
+              <a:t> edebiliriz.</a:t>
+            </a:r>
+          </a:p>
+          <a:p>
+            <a:r>
+              <a:rPr lang="tr-TR" b="1" i="0" cap="none" dirty="0" err="1">
+                <a:solidFill>
+                  <a:srgbClr val="242424"/>
+                </a:solidFill>
+                <a:effectLst/>
+                <a:latin typeface="source-serif-pro"/>
+              </a:rPr>
+              <a:t>Breakpoint</a:t>
+            </a:r>
+            <a:r>
+              <a:rPr lang="tr-TR" b="1" i="0" cap="none" dirty="0">
+                <a:solidFill>
+                  <a:srgbClr val="242424"/>
+                </a:solidFill>
+                <a:effectLst/>
+                <a:latin typeface="source-serif-pro"/>
+              </a:rPr>
+              <a:t> hit </a:t>
+            </a:r>
+            <a:r>
+              <a:rPr lang="tr-TR" b="1" i="0" cap="none" dirty="0" err="1">
+                <a:solidFill>
+                  <a:srgbClr val="242424"/>
+                </a:solidFill>
+                <a:effectLst/>
+                <a:latin typeface="source-serif-pro"/>
+              </a:rPr>
+              <a:t>count</a:t>
+            </a:r>
+            <a:r>
+              <a:rPr lang="tr-TR" cap="none" dirty="0">
+                <a:solidFill>
+                  <a:srgbClr val="242424"/>
+                </a:solidFill>
+                <a:latin typeface="source-serif-pro"/>
+              </a:rPr>
+              <a:t> ile kaçıncı seferde duracağını söyleyebiliriz.</a:t>
+            </a:r>
+          </a:p>
+          <a:p>
+            <a:r>
+              <a:rPr lang="tr-TR" b="1" cap="none" dirty="0" err="1">
+                <a:solidFill>
+                  <a:srgbClr val="242424"/>
+                </a:solidFill>
+                <a:latin typeface="source-serif-pro"/>
+              </a:rPr>
+              <a:t>When</a:t>
+            </a:r>
+            <a:r>
+              <a:rPr lang="tr-TR" b="1" cap="none" dirty="0">
+                <a:solidFill>
+                  <a:srgbClr val="242424"/>
+                </a:solidFill>
+                <a:latin typeface="source-serif-pro"/>
+              </a:rPr>
+              <a:t> hit </a:t>
+            </a:r>
+            <a:r>
+              <a:rPr lang="tr-TR" cap="none" dirty="0">
+                <a:solidFill>
+                  <a:srgbClr val="242424"/>
+                </a:solidFill>
+                <a:latin typeface="source-serif-pro"/>
+              </a:rPr>
+              <a:t>ile çıktıya istediğimizi yazdırabiliriz.</a:t>
+            </a:r>
+            <a:endParaRPr lang="tr-TR" i="0" cap="none" dirty="0">
+              <a:solidFill>
+                <a:srgbClr val="242424"/>
+              </a:solidFill>
+              <a:effectLst/>
+              <a:latin typeface="source-serif-pro"/>
+            </a:endParaRPr>
+          </a:p>
+        </p:txBody>
+      </p:sp>
+    </p:spTree>
+    <p:extLst>
+      <p:ext uri="{BB962C8B-B14F-4D97-AF65-F5344CB8AC3E}">
+        <p14:creationId xmlns:p14="http://schemas.microsoft.com/office/powerpoint/2010/main" val="3656834288"/>
       </p:ext>
     </p:extLst>
   </p:cSld>

--- a/debug.pptx
+++ b/debug.pptx
@@ -4,6 +4,9 @@
   <p:sldMasterIdLst>
     <p:sldMasterId id="2147483730" r:id="rId1"/>
   </p:sldMasterIdLst>
+  <p:notesMasterIdLst>
+    <p:notesMasterId r:id="rId21"/>
+  </p:notesMasterIdLst>
   <p:sldIdLst>
     <p:sldId id="256" r:id="rId2"/>
     <p:sldId id="257" r:id="rId3"/>
@@ -12,14 +15,14 @@
     <p:sldId id="260" r:id="rId6"/>
     <p:sldId id="261" r:id="rId7"/>
     <p:sldId id="262" r:id="rId8"/>
-    <p:sldId id="263" r:id="rId9"/>
-    <p:sldId id="266" r:id="rId10"/>
+    <p:sldId id="266" r:id="rId9"/>
+    <p:sldId id="263" r:id="rId10"/>
     <p:sldId id="267" r:id="rId11"/>
     <p:sldId id="265" r:id="rId12"/>
     <p:sldId id="268" r:id="rId13"/>
     <p:sldId id="264" r:id="rId14"/>
-    <p:sldId id="269" r:id="rId15"/>
-    <p:sldId id="270" r:id="rId16"/>
+    <p:sldId id="270" r:id="rId15"/>
+    <p:sldId id="269" r:id="rId16"/>
     <p:sldId id="271" r:id="rId17"/>
     <p:sldId id="272" r:id="rId18"/>
     <p:sldId id="273" r:id="rId19"/>
@@ -134,14 +137,14 @@
             <p14:sldId id="260"/>
             <p14:sldId id="261"/>
             <p14:sldId id="262"/>
+            <p14:sldId id="266"/>
             <p14:sldId id="263"/>
-            <p14:sldId id="266"/>
             <p14:sldId id="267"/>
             <p14:sldId id="265"/>
             <p14:sldId id="268"/>
             <p14:sldId id="264"/>
+            <p14:sldId id="270"/>
             <p14:sldId id="269"/>
-            <p14:sldId id="270"/>
             <p14:sldId id="271"/>
             <p14:sldId id="272"/>
             <p14:sldId id="273"/>
@@ -155,6 +158,439 @@
     </p:ext>
   </p:extLst>
 </p:presentation>
+</file>
+
+<file path=ppt/notesMasters/notesMaster1.xml><?xml version="1.0" encoding="utf-8"?>
+<p:notesMaster xmlns:a="http://schemas.openxmlformats.org/drawingml/2006/main" xmlns:r="http://schemas.openxmlformats.org/officeDocument/2006/relationships" xmlns:p="http://schemas.openxmlformats.org/presentationml/2006/main">
+  <p:cSld>
+    <p:bg>
+      <p:bgRef idx="1001">
+        <a:schemeClr val="bg1"/>
+      </p:bgRef>
+    </p:bg>
+    <p:spTree>
+      <p:nvGrpSpPr>
+        <p:cNvPr id="1" name=""/>
+        <p:cNvGrpSpPr/>
+        <p:nvPr/>
+      </p:nvGrpSpPr>
+      <p:grpSpPr>
+        <a:xfrm>
+          <a:off x="0" y="0"/>
+          <a:ext cx="0" cy="0"/>
+          <a:chOff x="0" y="0"/>
+          <a:chExt cx="0" cy="0"/>
+        </a:xfrm>
+      </p:grpSpPr>
+      <p:sp>
+        <p:nvSpPr>
+          <p:cNvPr id="2" name="Üst Bilgi Yer Tutucusu 1"/>
+          <p:cNvSpPr>
+            <a:spLocks noGrp="1"/>
+          </p:cNvSpPr>
+          <p:nvPr>
+            <p:ph type="hdr" sz="quarter"/>
+          </p:nvPr>
+        </p:nvSpPr>
+        <p:spPr>
+          <a:xfrm>
+            <a:off x="0" y="0"/>
+            <a:ext cx="2971800" cy="458788"/>
+          </a:xfrm>
+          <a:prstGeom prst="rect">
+            <a:avLst/>
+          </a:prstGeom>
+        </p:spPr>
+        <p:txBody>
+          <a:bodyPr vert="horz" lIns="91440" tIns="45720" rIns="91440" bIns="45720" rtlCol="0"/>
+          <a:lstStyle>
+            <a:lvl1pPr algn="l">
+              <a:defRPr sz="1200"/>
+            </a:lvl1pPr>
+          </a:lstStyle>
+          <a:p>
+            <a:endParaRPr lang="tr-TR"/>
+          </a:p>
+        </p:txBody>
+      </p:sp>
+      <p:sp>
+        <p:nvSpPr>
+          <p:cNvPr id="3" name="Veri Yer Tutucusu 2"/>
+          <p:cNvSpPr>
+            <a:spLocks noGrp="1"/>
+          </p:cNvSpPr>
+          <p:nvPr>
+            <p:ph type="dt" idx="1"/>
+          </p:nvPr>
+        </p:nvSpPr>
+        <p:spPr>
+          <a:xfrm>
+            <a:off x="3884613" y="0"/>
+            <a:ext cx="2971800" cy="458788"/>
+          </a:xfrm>
+          <a:prstGeom prst="rect">
+            <a:avLst/>
+          </a:prstGeom>
+        </p:spPr>
+        <p:txBody>
+          <a:bodyPr vert="horz" lIns="91440" tIns="45720" rIns="91440" bIns="45720" rtlCol="0"/>
+          <a:lstStyle>
+            <a:lvl1pPr algn="r">
+              <a:defRPr sz="1200"/>
+            </a:lvl1pPr>
+          </a:lstStyle>
+          <a:p>
+            <a:fld id="{3A6D1C15-5582-4E65-8583-F9CA5042E30B}" type="datetimeFigureOut">
+              <a:rPr lang="tr-TR" smtClean="0"/>
+              <a:t>12.09.2023</a:t>
+            </a:fld>
+            <a:endParaRPr lang="tr-TR"/>
+          </a:p>
+        </p:txBody>
+      </p:sp>
+      <p:sp>
+        <p:nvSpPr>
+          <p:cNvPr id="4" name="Slayt Resmi Yer Tutucusu 3"/>
+          <p:cNvSpPr>
+            <a:spLocks noGrp="1" noRot="1" noChangeAspect="1"/>
+          </p:cNvSpPr>
+          <p:nvPr>
+            <p:ph type="sldImg" idx="2"/>
+          </p:nvPr>
+        </p:nvSpPr>
+        <p:spPr>
+          <a:xfrm>
+            <a:off x="685800" y="1143000"/>
+            <a:ext cx="5486400" cy="3086100"/>
+          </a:xfrm>
+          <a:prstGeom prst="rect">
+            <a:avLst/>
+          </a:prstGeom>
+          <a:noFill/>
+          <a:ln w="12700">
+            <a:solidFill>
+              <a:prstClr val="black"/>
+            </a:solidFill>
+          </a:ln>
+        </p:spPr>
+        <p:txBody>
+          <a:bodyPr vert="horz" lIns="91440" tIns="45720" rIns="91440" bIns="45720" rtlCol="0" anchor="ctr"/>
+          <a:lstStyle/>
+          <a:p>
+            <a:endParaRPr lang="tr-TR"/>
+          </a:p>
+        </p:txBody>
+      </p:sp>
+      <p:sp>
+        <p:nvSpPr>
+          <p:cNvPr id="5" name="Not Yer Tutucusu 4"/>
+          <p:cNvSpPr>
+            <a:spLocks noGrp="1"/>
+          </p:cNvSpPr>
+          <p:nvPr>
+            <p:ph type="body" sz="quarter" idx="3"/>
+          </p:nvPr>
+        </p:nvSpPr>
+        <p:spPr>
+          <a:xfrm>
+            <a:off x="685800" y="4400550"/>
+            <a:ext cx="5486400" cy="3600450"/>
+          </a:xfrm>
+          <a:prstGeom prst="rect">
+            <a:avLst/>
+          </a:prstGeom>
+        </p:spPr>
+        <p:txBody>
+          <a:bodyPr vert="horz" lIns="91440" tIns="45720" rIns="91440" bIns="45720" rtlCol="0"/>
+          <a:lstStyle/>
+          <a:p>
+            <a:pPr lvl="0"/>
+            <a:r>
+              <a:rPr lang="tr-TR"/>
+              <a:t>Asıl metin stillerini düzenlemek için tıklayın</a:t>
+            </a:r>
+          </a:p>
+          <a:p>
+            <a:pPr lvl="1"/>
+            <a:r>
+              <a:rPr lang="tr-TR"/>
+              <a:t>İkinci düzey</a:t>
+            </a:r>
+          </a:p>
+          <a:p>
+            <a:pPr lvl="2"/>
+            <a:r>
+              <a:rPr lang="tr-TR"/>
+              <a:t>Üçüncü düzey</a:t>
+            </a:r>
+          </a:p>
+          <a:p>
+            <a:pPr lvl="3"/>
+            <a:r>
+              <a:rPr lang="tr-TR"/>
+              <a:t>Dördüncü düzey</a:t>
+            </a:r>
+          </a:p>
+          <a:p>
+            <a:pPr lvl="4"/>
+            <a:r>
+              <a:rPr lang="tr-TR"/>
+              <a:t>Beşinci düzey</a:t>
+            </a:r>
+          </a:p>
+        </p:txBody>
+      </p:sp>
+      <p:sp>
+        <p:nvSpPr>
+          <p:cNvPr id="6" name="Alt Bilgi Yer Tutucusu 5"/>
+          <p:cNvSpPr>
+            <a:spLocks noGrp="1"/>
+          </p:cNvSpPr>
+          <p:nvPr>
+            <p:ph type="ftr" sz="quarter" idx="4"/>
+          </p:nvPr>
+        </p:nvSpPr>
+        <p:spPr>
+          <a:xfrm>
+            <a:off x="0" y="8685213"/>
+            <a:ext cx="2971800" cy="458787"/>
+          </a:xfrm>
+          <a:prstGeom prst="rect">
+            <a:avLst/>
+          </a:prstGeom>
+        </p:spPr>
+        <p:txBody>
+          <a:bodyPr vert="horz" lIns="91440" tIns="45720" rIns="91440" bIns="45720" rtlCol="0" anchor="b"/>
+          <a:lstStyle>
+            <a:lvl1pPr algn="l">
+              <a:defRPr sz="1200"/>
+            </a:lvl1pPr>
+          </a:lstStyle>
+          <a:p>
+            <a:endParaRPr lang="tr-TR"/>
+          </a:p>
+        </p:txBody>
+      </p:sp>
+      <p:sp>
+        <p:nvSpPr>
+          <p:cNvPr id="7" name="Slayt Numarası Yer Tutucusu 6"/>
+          <p:cNvSpPr>
+            <a:spLocks noGrp="1"/>
+          </p:cNvSpPr>
+          <p:nvPr>
+            <p:ph type="sldNum" sz="quarter" idx="5"/>
+          </p:nvPr>
+        </p:nvSpPr>
+        <p:spPr>
+          <a:xfrm>
+            <a:off x="3884613" y="8685213"/>
+            <a:ext cx="2971800" cy="458787"/>
+          </a:xfrm>
+          <a:prstGeom prst="rect">
+            <a:avLst/>
+          </a:prstGeom>
+        </p:spPr>
+        <p:txBody>
+          <a:bodyPr vert="horz" lIns="91440" tIns="45720" rIns="91440" bIns="45720" rtlCol="0" anchor="b"/>
+          <a:lstStyle>
+            <a:lvl1pPr algn="r">
+              <a:defRPr sz="1200"/>
+            </a:lvl1pPr>
+          </a:lstStyle>
+          <a:p>
+            <a:fld id="{5BDD7996-907C-4B3E-8BF2-55E2D6CE1CD2}" type="slidenum">
+              <a:rPr lang="tr-TR" smtClean="0"/>
+              <a:t>‹#›</a:t>
+            </a:fld>
+            <a:endParaRPr lang="tr-TR"/>
+          </a:p>
+        </p:txBody>
+      </p:sp>
+    </p:spTree>
+    <p:extLst>
+      <p:ext uri="{BB962C8B-B14F-4D97-AF65-F5344CB8AC3E}">
+        <p14:creationId xmlns:p14="http://schemas.microsoft.com/office/powerpoint/2010/main" val="3953793280"/>
+      </p:ext>
+    </p:extLst>
+  </p:cSld>
+  <p:clrMap bg1="lt1" tx1="dk1" bg2="lt2" tx2="dk2" accent1="accent1" accent2="accent2" accent3="accent3" accent4="accent4" accent5="accent5" accent6="accent6" hlink="hlink" folHlink="folHlink"/>
+  <p:notesStyle>
+    <a:lvl1pPr marL="0" algn="l" defTabSz="914400" rtl="0" eaLnBrk="1" latinLnBrk="0" hangingPunct="1">
+      <a:defRPr sz="1200" kern="1200">
+        <a:solidFill>
+          <a:schemeClr val="tx1"/>
+        </a:solidFill>
+        <a:latin typeface="+mn-lt"/>
+        <a:ea typeface="+mn-ea"/>
+        <a:cs typeface="+mn-cs"/>
+      </a:defRPr>
+    </a:lvl1pPr>
+    <a:lvl2pPr marL="457200" algn="l" defTabSz="914400" rtl="0" eaLnBrk="1" latinLnBrk="0" hangingPunct="1">
+      <a:defRPr sz="1200" kern="1200">
+        <a:solidFill>
+          <a:schemeClr val="tx1"/>
+        </a:solidFill>
+        <a:latin typeface="+mn-lt"/>
+        <a:ea typeface="+mn-ea"/>
+        <a:cs typeface="+mn-cs"/>
+      </a:defRPr>
+    </a:lvl2pPr>
+    <a:lvl3pPr marL="914400" algn="l" defTabSz="914400" rtl="0" eaLnBrk="1" latinLnBrk="0" hangingPunct="1">
+      <a:defRPr sz="1200" kern="1200">
+        <a:solidFill>
+          <a:schemeClr val="tx1"/>
+        </a:solidFill>
+        <a:latin typeface="+mn-lt"/>
+        <a:ea typeface="+mn-ea"/>
+        <a:cs typeface="+mn-cs"/>
+      </a:defRPr>
+    </a:lvl3pPr>
+    <a:lvl4pPr marL="1371600" algn="l" defTabSz="914400" rtl="0" eaLnBrk="1" latinLnBrk="0" hangingPunct="1">
+      <a:defRPr sz="1200" kern="1200">
+        <a:solidFill>
+          <a:schemeClr val="tx1"/>
+        </a:solidFill>
+        <a:latin typeface="+mn-lt"/>
+        <a:ea typeface="+mn-ea"/>
+        <a:cs typeface="+mn-cs"/>
+      </a:defRPr>
+    </a:lvl4pPr>
+    <a:lvl5pPr marL="1828800" algn="l" defTabSz="914400" rtl="0" eaLnBrk="1" latinLnBrk="0" hangingPunct="1">
+      <a:defRPr sz="1200" kern="1200">
+        <a:solidFill>
+          <a:schemeClr val="tx1"/>
+        </a:solidFill>
+        <a:latin typeface="+mn-lt"/>
+        <a:ea typeface="+mn-ea"/>
+        <a:cs typeface="+mn-cs"/>
+      </a:defRPr>
+    </a:lvl5pPr>
+    <a:lvl6pPr marL="2286000" algn="l" defTabSz="914400" rtl="0" eaLnBrk="1" latinLnBrk="0" hangingPunct="1">
+      <a:defRPr sz="1200" kern="1200">
+        <a:solidFill>
+          <a:schemeClr val="tx1"/>
+        </a:solidFill>
+        <a:latin typeface="+mn-lt"/>
+        <a:ea typeface="+mn-ea"/>
+        <a:cs typeface="+mn-cs"/>
+      </a:defRPr>
+    </a:lvl6pPr>
+    <a:lvl7pPr marL="2743200" algn="l" defTabSz="914400" rtl="0" eaLnBrk="1" latinLnBrk="0" hangingPunct="1">
+      <a:defRPr sz="1200" kern="1200">
+        <a:solidFill>
+          <a:schemeClr val="tx1"/>
+        </a:solidFill>
+        <a:latin typeface="+mn-lt"/>
+        <a:ea typeface="+mn-ea"/>
+        <a:cs typeface="+mn-cs"/>
+      </a:defRPr>
+    </a:lvl7pPr>
+    <a:lvl8pPr marL="3200400" algn="l" defTabSz="914400" rtl="0" eaLnBrk="1" latinLnBrk="0" hangingPunct="1">
+      <a:defRPr sz="1200" kern="1200">
+        <a:solidFill>
+          <a:schemeClr val="tx1"/>
+        </a:solidFill>
+        <a:latin typeface="+mn-lt"/>
+        <a:ea typeface="+mn-ea"/>
+        <a:cs typeface="+mn-cs"/>
+      </a:defRPr>
+    </a:lvl8pPr>
+    <a:lvl9pPr marL="3657600" algn="l" defTabSz="914400" rtl="0" eaLnBrk="1" latinLnBrk="0" hangingPunct="1">
+      <a:defRPr sz="1200" kern="1200">
+        <a:solidFill>
+          <a:schemeClr val="tx1"/>
+        </a:solidFill>
+        <a:latin typeface="+mn-lt"/>
+        <a:ea typeface="+mn-ea"/>
+        <a:cs typeface="+mn-cs"/>
+      </a:defRPr>
+    </a:lvl9pPr>
+  </p:notesStyle>
+</p:notesMaster>
+</file>
+
+<file path=ppt/notesSlides/notesSlide1.xml><?xml version="1.0" encoding="utf-8"?>
+<p:notes xmlns:a="http://schemas.openxmlformats.org/drawingml/2006/main" xmlns:r="http://schemas.openxmlformats.org/officeDocument/2006/relationships" xmlns:p="http://schemas.openxmlformats.org/presentationml/2006/main">
+  <p:cSld>
+    <p:spTree>
+      <p:nvGrpSpPr>
+        <p:cNvPr id="1" name=""/>
+        <p:cNvGrpSpPr/>
+        <p:nvPr/>
+      </p:nvGrpSpPr>
+      <p:grpSpPr>
+        <a:xfrm>
+          <a:off x="0" y="0"/>
+          <a:ext cx="0" cy="0"/>
+          <a:chOff x="0" y="0"/>
+          <a:chExt cx="0" cy="0"/>
+        </a:xfrm>
+      </p:grpSpPr>
+      <p:sp>
+        <p:nvSpPr>
+          <p:cNvPr id="2" name="Slayt Resmi Yer Tutucusu 1"/>
+          <p:cNvSpPr>
+            <a:spLocks noGrp="1" noRot="1" noChangeAspect="1"/>
+          </p:cNvSpPr>
+          <p:nvPr>
+            <p:ph type="sldImg"/>
+          </p:nvPr>
+        </p:nvSpPr>
+        <p:spPr/>
+      </p:sp>
+      <p:sp>
+        <p:nvSpPr>
+          <p:cNvPr id="3" name="Not Yer Tutucusu 2"/>
+          <p:cNvSpPr>
+            <a:spLocks noGrp="1"/>
+          </p:cNvSpPr>
+          <p:nvPr>
+            <p:ph type="body" idx="1"/>
+          </p:nvPr>
+        </p:nvSpPr>
+        <p:spPr/>
+        <p:txBody>
+          <a:bodyPr/>
+          <a:lstStyle/>
+          <a:p>
+            <a:endParaRPr lang="tr-TR" dirty="0"/>
+          </a:p>
+        </p:txBody>
+      </p:sp>
+      <p:sp>
+        <p:nvSpPr>
+          <p:cNvPr id="4" name="Slayt Numarası Yer Tutucusu 3"/>
+          <p:cNvSpPr>
+            <a:spLocks noGrp="1"/>
+          </p:cNvSpPr>
+          <p:nvPr>
+            <p:ph type="sldNum" sz="quarter" idx="5"/>
+          </p:nvPr>
+        </p:nvSpPr>
+        <p:spPr/>
+        <p:txBody>
+          <a:bodyPr/>
+          <a:lstStyle/>
+          <a:p>
+            <a:fld id="{5BDD7996-907C-4B3E-8BF2-55E2D6CE1CD2}" type="slidenum">
+              <a:rPr lang="tr-TR" smtClean="0"/>
+              <a:t>9</a:t>
+            </a:fld>
+            <a:endParaRPr lang="tr-TR"/>
+          </a:p>
+        </p:txBody>
+      </p:sp>
+    </p:spTree>
+    <p:extLst>
+      <p:ext uri="{BB962C8B-B14F-4D97-AF65-F5344CB8AC3E}">
+        <p14:creationId xmlns:p14="http://schemas.microsoft.com/office/powerpoint/2010/main" val="1225613104"/>
+      </p:ext>
+    </p:extLst>
+  </p:cSld>
+  <p:clrMapOvr>
+    <a:masterClrMapping/>
+  </p:clrMapOvr>
+</p:notes>
 </file>
 
 <file path=ppt/slideLayouts/slideLayout1.xml><?xml version="1.0" encoding="utf-8"?>
@@ -6729,119 +7165,6 @@
 <file path=ppt/slides/slide14.xml><?xml version="1.0" encoding="utf-8"?>
 <p:sld xmlns:a="http://schemas.openxmlformats.org/drawingml/2006/main" xmlns:r="http://schemas.openxmlformats.org/officeDocument/2006/relationships" xmlns:p="http://schemas.openxmlformats.org/presentationml/2006/main">
   <p:cSld>
-    <p:spTree>
-      <p:nvGrpSpPr>
-        <p:cNvPr id="1" name=""/>
-        <p:cNvGrpSpPr/>
-        <p:nvPr/>
-      </p:nvGrpSpPr>
-      <p:grpSpPr>
-        <a:xfrm>
-          <a:off x="0" y="0"/>
-          <a:ext cx="0" cy="0"/>
-          <a:chOff x="0" y="0"/>
-          <a:chExt cx="0" cy="0"/>
-        </a:xfrm>
-      </p:grpSpPr>
-      <p:sp>
-        <p:nvSpPr>
-          <p:cNvPr id="2" name="Başlık 1">
-            <a:extLst>
-              <a:ext uri="{FF2B5EF4-FFF2-40B4-BE49-F238E27FC236}">
-                <a16:creationId xmlns:a16="http://schemas.microsoft.com/office/drawing/2014/main" id="{6DB97821-5E85-5819-20B0-BA042414AE9B}"/>
-              </a:ext>
-            </a:extLst>
-          </p:cNvPr>
-          <p:cNvSpPr>
-            <a:spLocks noGrp="1"/>
-          </p:cNvSpPr>
-          <p:nvPr>
-            <p:ph type="title"/>
-          </p:nvPr>
-        </p:nvSpPr>
-        <p:spPr/>
-        <p:txBody>
-          <a:bodyPr/>
-          <a:lstStyle/>
-          <a:p>
-            <a:r>
-              <a:rPr lang="tr-TR" dirty="0" err="1"/>
-              <a:t>Make</a:t>
-            </a:r>
-            <a:r>
-              <a:rPr lang="tr-TR" dirty="0"/>
-              <a:t> </a:t>
-            </a:r>
-            <a:r>
-              <a:rPr lang="tr-TR" dirty="0" err="1"/>
-              <a:t>object</a:t>
-            </a:r>
-            <a:r>
-              <a:rPr lang="tr-TR" dirty="0"/>
-              <a:t> </a:t>
-            </a:r>
-            <a:r>
-              <a:rPr lang="tr-TR" dirty="0" err="1"/>
-              <a:t>ıd</a:t>
-            </a:r>
-            <a:endParaRPr lang="tr-TR" dirty="0"/>
-          </a:p>
-        </p:txBody>
-      </p:sp>
-      <p:sp>
-        <p:nvSpPr>
-          <p:cNvPr id="3" name="İçerik Yer Tutucusu 2">
-            <a:extLst>
-              <a:ext uri="{FF2B5EF4-FFF2-40B4-BE49-F238E27FC236}">
-                <a16:creationId xmlns:a16="http://schemas.microsoft.com/office/drawing/2014/main" id="{FE3BA8D4-110C-8EE4-2BC6-39A05D2C5973}"/>
-              </a:ext>
-            </a:extLst>
-          </p:cNvPr>
-          <p:cNvSpPr>
-            <a:spLocks noGrp="1"/>
-          </p:cNvSpPr>
-          <p:nvPr>
-            <p:ph sz="quarter" idx="13"/>
-          </p:nvPr>
-        </p:nvSpPr>
-        <p:spPr/>
-        <p:txBody>
-          <a:bodyPr/>
-          <a:lstStyle/>
-          <a:p>
-            <a:r>
-              <a:rPr lang="tr-TR" b="0" i="0" cap="none" dirty="0">
-                <a:solidFill>
-                  <a:srgbClr val="242424"/>
-                </a:solidFill>
-                <a:effectLst/>
-                <a:latin typeface="source-serif-pro"/>
-              </a:rPr>
-              <a:t>Bu özellik bir objeyi içinde bulunduğu parantezler dışında da takip edebilmemize olanak sağlar.</a:t>
-            </a:r>
-            <a:endParaRPr lang="tr-TR" cap="none" dirty="0">
-              <a:latin typeface="Calibri" panose="020F0502020204030204" pitchFamily="34" charset="0"/>
-              <a:cs typeface="Calibri" panose="020F0502020204030204" pitchFamily="34" charset="0"/>
-            </a:endParaRPr>
-          </a:p>
-        </p:txBody>
-      </p:sp>
-    </p:spTree>
-    <p:extLst>
-      <p:ext uri="{BB962C8B-B14F-4D97-AF65-F5344CB8AC3E}">
-        <p14:creationId xmlns:p14="http://schemas.microsoft.com/office/powerpoint/2010/main" val="3848467657"/>
-      </p:ext>
-    </p:extLst>
-  </p:cSld>
-  <p:clrMapOvr>
-    <a:masterClrMapping/>
-  </p:clrMapOvr>
-</p:sld>
-</file>
-
-<file path=ppt/slides/slide15.xml><?xml version="1.0" encoding="utf-8"?>
-<p:sld xmlns:a="http://schemas.openxmlformats.org/drawingml/2006/main" xmlns:r="http://schemas.openxmlformats.org/officeDocument/2006/relationships" xmlns:p="http://schemas.openxmlformats.org/presentationml/2006/main">
-  <p:cSld>
     <p:bg>
       <p:bgPr>
         <a:blipFill>
@@ -7068,6 +7391,119 @@
     <p:extLst>
       <p:ext uri="{BB962C8B-B14F-4D97-AF65-F5344CB8AC3E}">
         <p14:creationId xmlns:p14="http://schemas.microsoft.com/office/powerpoint/2010/main" val="1891939784"/>
+      </p:ext>
+    </p:extLst>
+  </p:cSld>
+  <p:clrMapOvr>
+    <a:masterClrMapping/>
+  </p:clrMapOvr>
+</p:sld>
+</file>
+
+<file path=ppt/slides/slide15.xml><?xml version="1.0" encoding="utf-8"?>
+<p:sld xmlns:a="http://schemas.openxmlformats.org/drawingml/2006/main" xmlns:r="http://schemas.openxmlformats.org/officeDocument/2006/relationships" xmlns:p="http://schemas.openxmlformats.org/presentationml/2006/main">
+  <p:cSld>
+    <p:spTree>
+      <p:nvGrpSpPr>
+        <p:cNvPr id="1" name=""/>
+        <p:cNvGrpSpPr/>
+        <p:nvPr/>
+      </p:nvGrpSpPr>
+      <p:grpSpPr>
+        <a:xfrm>
+          <a:off x="0" y="0"/>
+          <a:ext cx="0" cy="0"/>
+          <a:chOff x="0" y="0"/>
+          <a:chExt cx="0" cy="0"/>
+        </a:xfrm>
+      </p:grpSpPr>
+      <p:sp>
+        <p:nvSpPr>
+          <p:cNvPr id="2" name="Başlık 1">
+            <a:extLst>
+              <a:ext uri="{FF2B5EF4-FFF2-40B4-BE49-F238E27FC236}">
+                <a16:creationId xmlns:a16="http://schemas.microsoft.com/office/drawing/2014/main" id="{6DB97821-5E85-5819-20B0-BA042414AE9B}"/>
+              </a:ext>
+            </a:extLst>
+          </p:cNvPr>
+          <p:cNvSpPr>
+            <a:spLocks noGrp="1"/>
+          </p:cNvSpPr>
+          <p:nvPr>
+            <p:ph type="title"/>
+          </p:nvPr>
+        </p:nvSpPr>
+        <p:spPr/>
+        <p:txBody>
+          <a:bodyPr/>
+          <a:lstStyle/>
+          <a:p>
+            <a:r>
+              <a:rPr lang="tr-TR" dirty="0" err="1"/>
+              <a:t>Make</a:t>
+            </a:r>
+            <a:r>
+              <a:rPr lang="tr-TR" dirty="0"/>
+              <a:t> </a:t>
+            </a:r>
+            <a:r>
+              <a:rPr lang="tr-TR" dirty="0" err="1"/>
+              <a:t>object</a:t>
+            </a:r>
+            <a:r>
+              <a:rPr lang="tr-TR" dirty="0"/>
+              <a:t> </a:t>
+            </a:r>
+            <a:r>
+              <a:rPr lang="tr-TR" dirty="0" err="1"/>
+              <a:t>ıd</a:t>
+            </a:r>
+            <a:endParaRPr lang="tr-TR" dirty="0"/>
+          </a:p>
+        </p:txBody>
+      </p:sp>
+      <p:sp>
+        <p:nvSpPr>
+          <p:cNvPr id="3" name="İçerik Yer Tutucusu 2">
+            <a:extLst>
+              <a:ext uri="{FF2B5EF4-FFF2-40B4-BE49-F238E27FC236}">
+                <a16:creationId xmlns:a16="http://schemas.microsoft.com/office/drawing/2014/main" id="{FE3BA8D4-110C-8EE4-2BC6-39A05D2C5973}"/>
+              </a:ext>
+            </a:extLst>
+          </p:cNvPr>
+          <p:cNvSpPr>
+            <a:spLocks noGrp="1"/>
+          </p:cNvSpPr>
+          <p:nvPr>
+            <p:ph sz="quarter" idx="13"/>
+          </p:nvPr>
+        </p:nvSpPr>
+        <p:spPr/>
+        <p:txBody>
+          <a:bodyPr/>
+          <a:lstStyle/>
+          <a:p>
+            <a:r>
+              <a:rPr lang="tr-TR" b="0" i="0" cap="none" dirty="0">
+                <a:solidFill>
+                  <a:srgbClr val="242424"/>
+                </a:solidFill>
+                <a:effectLst/>
+                <a:latin typeface="source-serif-pro"/>
+              </a:rPr>
+              <a:t>Bu özellik bir objeyi içinde bulunduğu parantezler dışında da takip edebilmemize olanak sağlar.</a:t>
+            </a:r>
+            <a:endParaRPr lang="tr-TR" cap="none" dirty="0">
+              <a:latin typeface="Calibri" panose="020F0502020204030204" pitchFamily="34" charset="0"/>
+              <a:cs typeface="Calibri" panose="020F0502020204030204" pitchFamily="34" charset="0"/>
+            </a:endParaRPr>
+          </a:p>
+        </p:txBody>
+      </p:sp>
+    </p:spTree>
+    <p:extLst>
+      <p:ext uri="{BB962C8B-B14F-4D97-AF65-F5344CB8AC3E}">
+        <p14:creationId xmlns:p14="http://schemas.microsoft.com/office/powerpoint/2010/main" val="3848467657"/>
       </p:ext>
     </p:extLst>
   </p:cSld>
@@ -8938,6 +9374,319 @@
 </file>
 
 <file path=ppt/slides/slide8.xml><?xml version="1.0" encoding="utf-8"?>
+<p:sld xmlns:a="http://schemas.openxmlformats.org/drawingml/2006/main" xmlns:r="http://schemas.openxmlformats.org/officeDocument/2006/relationships" xmlns:p="http://schemas.openxmlformats.org/presentationml/2006/main">
+  <p:cSld>
+    <p:spTree>
+      <p:nvGrpSpPr>
+        <p:cNvPr id="1" name=""/>
+        <p:cNvGrpSpPr/>
+        <p:nvPr/>
+      </p:nvGrpSpPr>
+      <p:grpSpPr>
+        <a:xfrm>
+          <a:off x="0" y="0"/>
+          <a:ext cx="0" cy="0"/>
+          <a:chOff x="0" y="0"/>
+          <a:chExt cx="0" cy="0"/>
+        </a:xfrm>
+      </p:grpSpPr>
+      <p:sp>
+        <p:nvSpPr>
+          <p:cNvPr id="2" name="Başlık 1">
+            <a:extLst>
+              <a:ext uri="{FF2B5EF4-FFF2-40B4-BE49-F238E27FC236}">
+                <a16:creationId xmlns:a16="http://schemas.microsoft.com/office/drawing/2014/main" id="{4B2AD487-F96F-08A5-D4A4-DA6C41E9C3E7}"/>
+              </a:ext>
+            </a:extLst>
+          </p:cNvPr>
+          <p:cNvSpPr>
+            <a:spLocks noGrp="1"/>
+          </p:cNvSpPr>
+          <p:nvPr>
+            <p:ph type="title"/>
+          </p:nvPr>
+        </p:nvSpPr>
+        <p:spPr/>
+        <p:txBody>
+          <a:bodyPr/>
+          <a:lstStyle/>
+          <a:p>
+            <a:r>
+              <a:rPr lang="tr-TR" dirty="0" err="1"/>
+              <a:t>Breakpoınt</a:t>
+            </a:r>
+            <a:endParaRPr lang="tr-TR" dirty="0"/>
+          </a:p>
+        </p:txBody>
+      </p:sp>
+      <p:sp>
+        <p:nvSpPr>
+          <p:cNvPr id="3" name="İçerik Yer Tutucusu 2">
+            <a:extLst>
+              <a:ext uri="{FF2B5EF4-FFF2-40B4-BE49-F238E27FC236}">
+                <a16:creationId xmlns:a16="http://schemas.microsoft.com/office/drawing/2014/main" id="{42365694-E03F-0E99-30AE-ED2F9349A929}"/>
+              </a:ext>
+            </a:extLst>
+          </p:cNvPr>
+          <p:cNvSpPr>
+            <a:spLocks noGrp="1"/>
+          </p:cNvSpPr>
+          <p:nvPr>
+            <p:ph sz="quarter" idx="13"/>
+          </p:nvPr>
+        </p:nvSpPr>
+        <p:spPr/>
+        <p:txBody>
+          <a:bodyPr/>
+          <a:lstStyle/>
+          <a:p>
+            <a:r>
+              <a:rPr lang="tr-TR" b="0" i="0" cap="none" dirty="0" err="1">
+                <a:solidFill>
+                  <a:srgbClr val="242424"/>
+                </a:solidFill>
+                <a:effectLst/>
+                <a:latin typeface="source-serif-pro"/>
+              </a:rPr>
+              <a:t>Breakpoint</a:t>
+            </a:r>
+            <a:r>
+              <a:rPr lang="tr-TR" b="0" i="0" cap="none" dirty="0">
+                <a:solidFill>
+                  <a:srgbClr val="242424"/>
+                </a:solidFill>
+                <a:effectLst/>
+                <a:latin typeface="source-serif-pro"/>
+              </a:rPr>
+              <a:t> işaretlendiği satırda programın durmasını sağlar. Bu sayede geliştirici o anda programdaki hatayı daha kolay bulabilir. </a:t>
+            </a:r>
+          </a:p>
+          <a:p>
+            <a:r>
+              <a:rPr lang="tr-TR" b="0" i="0" cap="none" dirty="0" err="1">
+                <a:solidFill>
+                  <a:srgbClr val="242424"/>
+                </a:solidFill>
+                <a:effectLst/>
+                <a:latin typeface="source-serif-pro"/>
+              </a:rPr>
+              <a:t>Breakpointleri</a:t>
+            </a:r>
+            <a:r>
+              <a:rPr lang="tr-TR" b="0" i="0" cap="none" dirty="0">
+                <a:solidFill>
+                  <a:srgbClr val="242424"/>
+                </a:solidFill>
+                <a:effectLst/>
+                <a:latin typeface="source-serif-pro"/>
+              </a:rPr>
+              <a:t> </a:t>
+            </a:r>
+            <a:r>
+              <a:rPr lang="tr-TR" b="1" i="0" cap="none" dirty="0">
+                <a:solidFill>
+                  <a:srgbClr val="242424"/>
+                </a:solidFill>
+                <a:effectLst/>
+                <a:latin typeface="source-serif-pro"/>
+              </a:rPr>
+              <a:t>isim</a:t>
+            </a:r>
+            <a:r>
+              <a:rPr lang="tr-TR" b="1" cap="none" dirty="0">
+                <a:solidFill>
+                  <a:srgbClr val="242424"/>
+                </a:solidFill>
+                <a:latin typeface="source-serif-pro"/>
+              </a:rPr>
+              <a:t>lendirebiliriz.</a:t>
+            </a:r>
+          </a:p>
+          <a:p>
+            <a:r>
+              <a:rPr lang="tr-TR" b="0" i="0" cap="none" dirty="0" err="1">
+                <a:solidFill>
+                  <a:srgbClr val="242424"/>
+                </a:solidFill>
+                <a:effectLst/>
+                <a:latin typeface="source-serif-pro"/>
+              </a:rPr>
+              <a:t>Breakpointleri</a:t>
+            </a:r>
+            <a:r>
+              <a:rPr lang="tr-TR" b="0" i="0" cap="none" dirty="0">
+                <a:solidFill>
+                  <a:srgbClr val="242424"/>
+                </a:solidFill>
+                <a:effectLst/>
+                <a:latin typeface="source-serif-pro"/>
+              </a:rPr>
+              <a:t> </a:t>
+            </a:r>
+            <a:r>
+              <a:rPr lang="tr-TR" b="1" i="0" cap="none" dirty="0" err="1">
+                <a:solidFill>
+                  <a:srgbClr val="242424"/>
+                </a:solidFill>
+                <a:effectLst/>
+                <a:latin typeface="source-serif-pro"/>
+              </a:rPr>
+              <a:t>import</a:t>
+            </a:r>
+            <a:r>
+              <a:rPr lang="tr-TR" b="0" i="0" cap="none" dirty="0">
+                <a:solidFill>
+                  <a:srgbClr val="242424"/>
+                </a:solidFill>
+                <a:effectLst/>
+                <a:latin typeface="source-serif-pro"/>
+              </a:rPr>
+              <a:t> ve </a:t>
+            </a:r>
+            <a:r>
+              <a:rPr lang="tr-TR" b="1" i="0" cap="none" dirty="0" err="1">
+                <a:solidFill>
+                  <a:srgbClr val="242424"/>
+                </a:solidFill>
+                <a:effectLst/>
+                <a:latin typeface="source-serif-pro"/>
+              </a:rPr>
+              <a:t>export</a:t>
+            </a:r>
+            <a:r>
+              <a:rPr lang="tr-TR" b="0" i="0" cap="none" dirty="0">
+                <a:solidFill>
+                  <a:srgbClr val="242424"/>
+                </a:solidFill>
+                <a:effectLst/>
+                <a:latin typeface="source-serif-pro"/>
+              </a:rPr>
+              <a:t> edebiliriz.</a:t>
+            </a:r>
+          </a:p>
+          <a:p>
+            <a:r>
+              <a:rPr lang="tr-TR" b="1" i="0" cap="none" dirty="0" err="1">
+                <a:solidFill>
+                  <a:srgbClr val="242424"/>
+                </a:solidFill>
+                <a:effectLst/>
+                <a:latin typeface="source-serif-pro"/>
+              </a:rPr>
+              <a:t>Breakpoint</a:t>
+            </a:r>
+            <a:r>
+              <a:rPr lang="tr-TR" b="1" i="0" cap="none" dirty="0">
+                <a:solidFill>
+                  <a:srgbClr val="242424"/>
+                </a:solidFill>
+                <a:effectLst/>
+                <a:latin typeface="source-serif-pro"/>
+              </a:rPr>
+              <a:t> hit </a:t>
+            </a:r>
+            <a:r>
+              <a:rPr lang="tr-TR" b="1" i="0" cap="none" dirty="0" err="1">
+                <a:solidFill>
+                  <a:srgbClr val="242424"/>
+                </a:solidFill>
+                <a:effectLst/>
+                <a:latin typeface="source-serif-pro"/>
+              </a:rPr>
+              <a:t>count</a:t>
+            </a:r>
+            <a:r>
+              <a:rPr lang="tr-TR" cap="none" dirty="0">
+                <a:solidFill>
+                  <a:srgbClr val="242424"/>
+                </a:solidFill>
+                <a:latin typeface="source-serif-pro"/>
+              </a:rPr>
+              <a:t> ile kaçıncı seferde duracağını söyleyebiliriz.</a:t>
+            </a:r>
+          </a:p>
+          <a:p>
+            <a:r>
+              <a:rPr lang="tr-TR" b="1" cap="none" dirty="0" err="1">
+                <a:solidFill>
+                  <a:srgbClr val="242424"/>
+                </a:solidFill>
+                <a:latin typeface="source-serif-pro"/>
+              </a:rPr>
+              <a:t>When</a:t>
+            </a:r>
+            <a:r>
+              <a:rPr lang="tr-TR" b="1" cap="none" dirty="0">
+                <a:solidFill>
+                  <a:srgbClr val="242424"/>
+                </a:solidFill>
+                <a:latin typeface="source-serif-pro"/>
+              </a:rPr>
+              <a:t> hit </a:t>
+            </a:r>
+            <a:r>
+              <a:rPr lang="tr-TR" cap="none" dirty="0">
+                <a:solidFill>
+                  <a:srgbClr val="242424"/>
+                </a:solidFill>
+                <a:latin typeface="source-serif-pro"/>
+              </a:rPr>
+              <a:t>ile çıktıya istediğimizi yazdırabiliriz.</a:t>
+            </a:r>
+            <a:endParaRPr lang="tr-TR" i="0" cap="none" dirty="0">
+              <a:solidFill>
+                <a:srgbClr val="242424"/>
+              </a:solidFill>
+              <a:effectLst/>
+              <a:latin typeface="source-serif-pro"/>
+            </a:endParaRPr>
+          </a:p>
+        </p:txBody>
+      </p:sp>
+      <p:pic>
+        <p:nvPicPr>
+          <p:cNvPr id="5" name="Resim 4">
+            <a:extLst>
+              <a:ext uri="{FF2B5EF4-FFF2-40B4-BE49-F238E27FC236}">
+                <a16:creationId xmlns:a16="http://schemas.microsoft.com/office/drawing/2014/main" id="{B4884748-4618-9B48-D457-53E302FDA64F}"/>
+              </a:ext>
+            </a:extLst>
+          </p:cNvPr>
+          <p:cNvPicPr>
+            <a:picLocks noChangeAspect="1"/>
+          </p:cNvPicPr>
+          <p:nvPr/>
+        </p:nvPicPr>
+        <p:blipFill>
+          <a:blip r:embed="rId2"/>
+          <a:stretch>
+            <a:fillRect/>
+          </a:stretch>
+        </p:blipFill>
+        <p:spPr>
+          <a:xfrm>
+            <a:off x="8976049" y="2883514"/>
+            <a:ext cx="2292140" cy="2203697"/>
+          </a:xfrm>
+          <a:prstGeom prst="rect">
+            <a:avLst/>
+          </a:prstGeom>
+        </p:spPr>
+      </p:pic>
+    </p:spTree>
+    <p:extLst>
+      <p:ext uri="{BB962C8B-B14F-4D97-AF65-F5344CB8AC3E}">
+        <p14:creationId xmlns:p14="http://schemas.microsoft.com/office/powerpoint/2010/main" val="3656834288"/>
+      </p:ext>
+    </p:extLst>
+  </p:cSld>
+  <p:clrMapOvr>
+    <a:masterClrMapping/>
+  </p:clrMapOvr>
+</p:sld>
+</file>
+
+<file path=ppt/slides/slide9.xml><?xml version="1.0" encoding="utf-8"?>
 <p:sld xmlns:a="http://schemas.openxmlformats.org/drawingml/2006/main" xmlns:r="http://schemas.openxmlformats.org/officeDocument/2006/relationships" xmlns:p="http://schemas.openxmlformats.org/presentationml/2006/main" showMasterSp="0">
   <p:cSld>
     <p:spTree>
@@ -9027,7 +9776,7 @@
           </p:nvPr>
         </p:nvPicPr>
         <p:blipFill>
-          <a:blip r:embed="rId2"/>
+          <a:blip r:embed="rId3"/>
           <a:stretch>
             <a:fillRect/>
           </a:stretch>
@@ -9092,7 +9841,7 @@
           <p:nvPr/>
         </p:nvPicPr>
         <p:blipFill>
-          <a:blip r:embed="rId3"/>
+          <a:blip r:embed="rId4"/>
           <a:stretch>
             <a:fillRect/>
           </a:stretch>
@@ -9122,7 +9871,7 @@
           <p:nvPr/>
         </p:nvPicPr>
         <p:blipFill>
-          <a:blip r:embed="rId4"/>
+          <a:blip r:embed="rId5"/>
           <a:stretch>
             <a:fillRect/>
           </a:stretch>
@@ -9141,289 +9890,6 @@
     <p:extLst>
       <p:ext uri="{BB962C8B-B14F-4D97-AF65-F5344CB8AC3E}">
         <p14:creationId xmlns:p14="http://schemas.microsoft.com/office/powerpoint/2010/main" val="189568381"/>
-      </p:ext>
-    </p:extLst>
-  </p:cSld>
-  <p:clrMapOvr>
-    <a:masterClrMapping/>
-  </p:clrMapOvr>
-</p:sld>
-</file>
-
-<file path=ppt/slides/slide9.xml><?xml version="1.0" encoding="utf-8"?>
-<p:sld xmlns:a="http://schemas.openxmlformats.org/drawingml/2006/main" xmlns:r="http://schemas.openxmlformats.org/officeDocument/2006/relationships" xmlns:p="http://schemas.openxmlformats.org/presentationml/2006/main">
-  <p:cSld>
-    <p:spTree>
-      <p:nvGrpSpPr>
-        <p:cNvPr id="1" name=""/>
-        <p:cNvGrpSpPr/>
-        <p:nvPr/>
-      </p:nvGrpSpPr>
-      <p:grpSpPr>
-        <a:xfrm>
-          <a:off x="0" y="0"/>
-          <a:ext cx="0" cy="0"/>
-          <a:chOff x="0" y="0"/>
-          <a:chExt cx="0" cy="0"/>
-        </a:xfrm>
-      </p:grpSpPr>
-      <p:sp>
-        <p:nvSpPr>
-          <p:cNvPr id="2" name="Başlık 1">
-            <a:extLst>
-              <a:ext uri="{FF2B5EF4-FFF2-40B4-BE49-F238E27FC236}">
-                <a16:creationId xmlns:a16="http://schemas.microsoft.com/office/drawing/2014/main" id="{4B2AD487-F96F-08A5-D4A4-DA6C41E9C3E7}"/>
-              </a:ext>
-            </a:extLst>
-          </p:cNvPr>
-          <p:cNvSpPr>
-            <a:spLocks noGrp="1"/>
-          </p:cNvSpPr>
-          <p:nvPr>
-            <p:ph type="title"/>
-          </p:nvPr>
-        </p:nvSpPr>
-        <p:spPr/>
-        <p:txBody>
-          <a:bodyPr/>
-          <a:lstStyle/>
-          <a:p>
-            <a:r>
-              <a:rPr lang="tr-TR" dirty="0" err="1"/>
-              <a:t>Breakpoınt</a:t>
-            </a:r>
-            <a:endParaRPr lang="tr-TR" dirty="0"/>
-          </a:p>
-        </p:txBody>
-      </p:sp>
-      <p:sp>
-        <p:nvSpPr>
-          <p:cNvPr id="3" name="İçerik Yer Tutucusu 2">
-            <a:extLst>
-              <a:ext uri="{FF2B5EF4-FFF2-40B4-BE49-F238E27FC236}">
-                <a16:creationId xmlns:a16="http://schemas.microsoft.com/office/drawing/2014/main" id="{42365694-E03F-0E99-30AE-ED2F9349A929}"/>
-              </a:ext>
-            </a:extLst>
-          </p:cNvPr>
-          <p:cNvSpPr>
-            <a:spLocks noGrp="1"/>
-          </p:cNvSpPr>
-          <p:nvPr>
-            <p:ph sz="quarter" idx="13"/>
-          </p:nvPr>
-        </p:nvSpPr>
-        <p:spPr/>
-        <p:txBody>
-          <a:bodyPr/>
-          <a:lstStyle/>
-          <a:p>
-            <a:r>
-              <a:rPr lang="tr-TR" b="0" i="0" cap="none" dirty="0" err="1">
-                <a:solidFill>
-                  <a:srgbClr val="242424"/>
-                </a:solidFill>
-                <a:effectLst/>
-                <a:latin typeface="source-serif-pro"/>
-              </a:rPr>
-              <a:t>Breakpoint</a:t>
-            </a:r>
-            <a:r>
-              <a:rPr lang="tr-TR" b="0" i="0" cap="none" dirty="0">
-                <a:solidFill>
-                  <a:srgbClr val="242424"/>
-                </a:solidFill>
-                <a:effectLst/>
-                <a:latin typeface="source-serif-pro"/>
-              </a:rPr>
-              <a:t> işaretlendiği satırda programın durmasını sağlar. Bu sayede geliştirici o anda programdaki hatayı daha kolay bulabilir. </a:t>
-            </a:r>
-          </a:p>
-          <a:p>
-            <a:r>
-              <a:rPr lang="tr-TR" b="0" i="0" cap="none" dirty="0" err="1">
-                <a:solidFill>
-                  <a:srgbClr val="242424"/>
-                </a:solidFill>
-                <a:effectLst/>
-                <a:latin typeface="source-serif-pro"/>
-              </a:rPr>
-              <a:t>Breakpointleri</a:t>
-            </a:r>
-            <a:r>
-              <a:rPr lang="tr-TR" b="0" i="0" cap="none" dirty="0">
-                <a:solidFill>
-                  <a:srgbClr val="242424"/>
-                </a:solidFill>
-                <a:effectLst/>
-                <a:latin typeface="source-serif-pro"/>
-              </a:rPr>
-              <a:t> </a:t>
-            </a:r>
-            <a:r>
-              <a:rPr lang="tr-TR" b="1" i="0" cap="none" dirty="0">
-                <a:solidFill>
-                  <a:srgbClr val="242424"/>
-                </a:solidFill>
-                <a:effectLst/>
-                <a:latin typeface="source-serif-pro"/>
-              </a:rPr>
-              <a:t>isim</a:t>
-            </a:r>
-            <a:r>
-              <a:rPr lang="tr-TR" b="1" cap="none" dirty="0">
-                <a:solidFill>
-                  <a:srgbClr val="242424"/>
-                </a:solidFill>
-                <a:latin typeface="source-serif-pro"/>
-              </a:rPr>
-              <a:t>lendirebiliriz.</a:t>
-            </a:r>
-          </a:p>
-          <a:p>
-            <a:r>
-              <a:rPr lang="tr-TR" b="0" i="0" cap="none" dirty="0" err="1">
-                <a:solidFill>
-                  <a:srgbClr val="242424"/>
-                </a:solidFill>
-                <a:effectLst/>
-                <a:latin typeface="source-serif-pro"/>
-              </a:rPr>
-              <a:t>Breakpointleri</a:t>
-            </a:r>
-            <a:r>
-              <a:rPr lang="tr-TR" b="0" i="0" cap="none" dirty="0">
-                <a:solidFill>
-                  <a:srgbClr val="242424"/>
-                </a:solidFill>
-                <a:effectLst/>
-                <a:latin typeface="source-serif-pro"/>
-              </a:rPr>
-              <a:t> </a:t>
-            </a:r>
-            <a:r>
-              <a:rPr lang="tr-TR" b="1" i="0" cap="none" dirty="0" err="1">
-                <a:solidFill>
-                  <a:srgbClr val="242424"/>
-                </a:solidFill>
-                <a:effectLst/>
-                <a:latin typeface="source-serif-pro"/>
-              </a:rPr>
-              <a:t>import</a:t>
-            </a:r>
-            <a:r>
-              <a:rPr lang="tr-TR" b="0" i="0" cap="none" dirty="0">
-                <a:solidFill>
-                  <a:srgbClr val="242424"/>
-                </a:solidFill>
-                <a:effectLst/>
-                <a:latin typeface="source-serif-pro"/>
-              </a:rPr>
-              <a:t> ve </a:t>
-            </a:r>
-            <a:r>
-              <a:rPr lang="tr-TR" b="1" i="0" cap="none" dirty="0" err="1">
-                <a:solidFill>
-                  <a:srgbClr val="242424"/>
-                </a:solidFill>
-                <a:effectLst/>
-                <a:latin typeface="source-serif-pro"/>
-              </a:rPr>
-              <a:t>export</a:t>
-            </a:r>
-            <a:r>
-              <a:rPr lang="tr-TR" b="0" i="0" cap="none" dirty="0">
-                <a:solidFill>
-                  <a:srgbClr val="242424"/>
-                </a:solidFill>
-                <a:effectLst/>
-                <a:latin typeface="source-serif-pro"/>
-              </a:rPr>
-              <a:t> edebiliriz.</a:t>
-            </a:r>
-          </a:p>
-          <a:p>
-            <a:r>
-              <a:rPr lang="tr-TR" b="1" i="0" cap="none" dirty="0" err="1">
-                <a:solidFill>
-                  <a:srgbClr val="242424"/>
-                </a:solidFill>
-                <a:effectLst/>
-                <a:latin typeface="source-serif-pro"/>
-              </a:rPr>
-              <a:t>Breakpoint</a:t>
-            </a:r>
-            <a:r>
-              <a:rPr lang="tr-TR" b="1" i="0" cap="none" dirty="0">
-                <a:solidFill>
-                  <a:srgbClr val="242424"/>
-                </a:solidFill>
-                <a:effectLst/>
-                <a:latin typeface="source-serif-pro"/>
-              </a:rPr>
-              <a:t> hit </a:t>
-            </a:r>
-            <a:r>
-              <a:rPr lang="tr-TR" b="1" i="0" cap="none" dirty="0" err="1">
-                <a:solidFill>
-                  <a:srgbClr val="242424"/>
-                </a:solidFill>
-                <a:effectLst/>
-                <a:latin typeface="source-serif-pro"/>
-              </a:rPr>
-              <a:t>count</a:t>
-            </a:r>
-            <a:r>
-              <a:rPr lang="tr-TR" cap="none" dirty="0">
-                <a:solidFill>
-                  <a:srgbClr val="242424"/>
-                </a:solidFill>
-                <a:latin typeface="source-serif-pro"/>
-              </a:rPr>
-              <a:t> ile kaçıncı seferde duracağını söyleyebiliriz.</a:t>
-            </a:r>
-          </a:p>
-          <a:p>
-            <a:r>
-              <a:rPr lang="tr-TR" b="1" cap="none" dirty="0" err="1">
-                <a:solidFill>
-                  <a:srgbClr val="242424"/>
-                </a:solidFill>
-                <a:latin typeface="source-serif-pro"/>
-              </a:rPr>
-              <a:t>When</a:t>
-            </a:r>
-            <a:r>
-              <a:rPr lang="tr-TR" b="1" cap="none" dirty="0">
-                <a:solidFill>
-                  <a:srgbClr val="242424"/>
-                </a:solidFill>
-                <a:latin typeface="source-serif-pro"/>
-              </a:rPr>
-              <a:t> hit </a:t>
-            </a:r>
-            <a:r>
-              <a:rPr lang="tr-TR" cap="none" dirty="0">
-                <a:solidFill>
-                  <a:srgbClr val="242424"/>
-                </a:solidFill>
-                <a:latin typeface="source-serif-pro"/>
-              </a:rPr>
-              <a:t>ile çıktıya istediğimizi yazdırabiliriz.</a:t>
-            </a:r>
-            <a:endParaRPr lang="tr-TR" i="0" cap="none" dirty="0">
-              <a:solidFill>
-                <a:srgbClr val="242424"/>
-              </a:solidFill>
-              <a:effectLst/>
-              <a:latin typeface="source-serif-pro"/>
-            </a:endParaRPr>
-          </a:p>
-        </p:txBody>
-      </p:sp>
-    </p:spTree>
-    <p:extLst>
-      <p:ext uri="{BB962C8B-B14F-4D97-AF65-F5344CB8AC3E}">
-        <p14:creationId xmlns:p14="http://schemas.microsoft.com/office/powerpoint/2010/main" val="3656834288"/>
       </p:ext>
     </p:extLst>
   </p:cSld>
@@ -9658,4 +10124,299 @@
     </a:ext>
   </a:extLst>
 </a:theme>
+</file>
+
+<file path=ppt/theme/theme2.xml><?xml version="1.0" encoding="utf-8"?>
+<a:theme xmlns:a="http://schemas.openxmlformats.org/drawingml/2006/main" name="Office Teması">
+  <a:themeElements>
+    <a:clrScheme name="Office">
+      <a:dk1>
+        <a:sysClr val="windowText" lastClr="000000"/>
+      </a:dk1>
+      <a:lt1>
+        <a:sysClr val="window" lastClr="FFFFFF"/>
+      </a:lt1>
+      <a:dk2>
+        <a:srgbClr val="44546A"/>
+      </a:dk2>
+      <a:lt2>
+        <a:srgbClr val="E7E6E6"/>
+      </a:lt2>
+      <a:accent1>
+        <a:srgbClr val="4472C4"/>
+      </a:accent1>
+      <a:accent2>
+        <a:srgbClr val="ED7D31"/>
+      </a:accent2>
+      <a:accent3>
+        <a:srgbClr val="A5A5A5"/>
+      </a:accent3>
+      <a:accent4>
+        <a:srgbClr val="FFC000"/>
+      </a:accent4>
+      <a:accent5>
+        <a:srgbClr val="5B9BD5"/>
+      </a:accent5>
+      <a:accent6>
+        <a:srgbClr val="70AD47"/>
+      </a:accent6>
+      <a:hlink>
+        <a:srgbClr val="0563C1"/>
+      </a:hlink>
+      <a:folHlink>
+        <a:srgbClr val="954F72"/>
+      </a:folHlink>
+    </a:clrScheme>
+    <a:fontScheme name="Office">
+      <a:majorFont>
+        <a:latin typeface="Calibri Light" panose="020F0302020204030204"/>
+        <a:ea typeface=""/>
+        <a:cs typeface=""/>
+        <a:font script="Jpan" typeface="游ゴシック Light"/>
+        <a:font script="Hang" typeface="맑은 고딕"/>
+        <a:font script="Hans" typeface="等线 Light"/>
+        <a:font script="Hant" typeface="新細明體"/>
+        <a:font script="Arab" typeface="Times New Roman"/>
+        <a:font script="Hebr" typeface="Times New Roman"/>
+        <a:font script="Thai" typeface="Angsana New"/>
+        <a:font script="Ethi" typeface="Nyala"/>
+        <a:font script="Beng" typeface="Vrinda"/>
+        <a:font script="Gujr" typeface="Shruti"/>
+        <a:font script="Khmr" typeface="MoolBoran"/>
+        <a:font script="Knda" typeface="Tunga"/>
+        <a:font script="Guru" typeface="Raavi"/>
+        <a:font script="Cans" typeface="Euphemia"/>
+        <a:font script="Cher" typeface="Plantagenet Cherokee"/>
+        <a:font script="Yiii" typeface="Microsoft Yi Baiti"/>
+        <a:font script="Tibt" typeface="Microsoft Himalaya"/>
+        <a:font script="Thaa" typeface="MV Boli"/>
+        <a:font script="Deva" typeface="Mangal"/>
+        <a:font script="Telu" typeface="Gautami"/>
+        <a:font script="Taml" typeface="Latha"/>
+        <a:font script="Syrc" typeface="Estrangelo Edessa"/>
+        <a:font script="Orya" typeface="Kalinga"/>
+        <a:font script="Mlym" typeface="Kartika"/>
+        <a:font script="Laoo" typeface="DokChampa"/>
+        <a:font script="Sinh" typeface="Iskoola Pota"/>
+        <a:font script="Mong" typeface="Mongolian Baiti"/>
+        <a:font script="Viet" typeface="Times New Roman"/>
+        <a:font script="Uigh" typeface="Microsoft Uighur"/>
+        <a:font script="Geor" typeface="Sylfaen"/>
+        <a:font script="Armn" typeface="Arial"/>
+        <a:font script="Bugi" typeface="Leelawadee UI"/>
+        <a:font script="Bopo" typeface="Microsoft JhengHei"/>
+        <a:font script="Java" typeface="Javanese Text"/>
+        <a:font script="Lisu" typeface="Segoe UI"/>
+        <a:font script="Mymr" typeface="Myanmar Text"/>
+        <a:font script="Nkoo" typeface="Ebrima"/>
+        <a:font script="Olck" typeface="Nirmala UI"/>
+        <a:font script="Osma" typeface="Ebrima"/>
+        <a:font script="Phag" typeface="Phagspa"/>
+        <a:font script="Syrn" typeface="Estrangelo Edessa"/>
+        <a:font script="Syrj" typeface="Estrangelo Edessa"/>
+        <a:font script="Syre" typeface="Estrangelo Edessa"/>
+        <a:font script="Sora" typeface="Nirmala UI"/>
+        <a:font script="Tale" typeface="Microsoft Tai Le"/>
+        <a:font script="Talu" typeface="Microsoft New Tai Lue"/>
+        <a:font script="Tfng" typeface="Ebrima"/>
+      </a:majorFont>
+      <a:minorFont>
+        <a:latin typeface="Calibri" panose="020F0502020204030204"/>
+        <a:ea typeface=""/>
+        <a:cs typeface=""/>
+        <a:font script="Jpan" typeface="游ゴシック"/>
+        <a:font script="Hang" typeface="맑은 고딕"/>
+        <a:font script="Hans" typeface="等线"/>
+        <a:font script="Hant" typeface="新細明體"/>
+        <a:font script="Arab" typeface="Arial"/>
+        <a:font script="Hebr" typeface="Arial"/>
+        <a:font script="Thai" typeface="Cordia New"/>
+        <a:font script="Ethi" typeface="Nyala"/>
+        <a:font script="Beng" typeface="Vrinda"/>
+        <a:font script="Gujr" typeface="Shruti"/>
+        <a:font script="Khmr" typeface="DaunPenh"/>
+        <a:font script="Knda" typeface="Tunga"/>
+        <a:font script="Guru" typeface="Raavi"/>
+        <a:font script="Cans" typeface="Euphemia"/>
+        <a:font script="Cher" typeface="Plantagenet Cherokee"/>
+        <a:font script="Yiii" typeface="Microsoft Yi Baiti"/>
+        <a:font script="Tibt" typeface="Microsoft Himalaya"/>
+        <a:font script="Thaa" typeface="MV Boli"/>
+        <a:font script="Deva" typeface="Mangal"/>
+        <a:font script="Telu" typeface="Gautami"/>
+        <a:font script="Taml" typeface="Latha"/>
+        <a:font script="Syrc" typeface="Estrangelo Edessa"/>
+        <a:font script="Orya" typeface="Kalinga"/>
+        <a:font script="Mlym" typeface="Kartika"/>
+        <a:font script="Laoo" typeface="DokChampa"/>
+        <a:font script="Sinh" typeface="Iskoola Pota"/>
+        <a:font script="Mong" typeface="Mongolian Baiti"/>
+        <a:font script="Viet" typeface="Arial"/>
+        <a:font script="Uigh" typeface="Microsoft Uighur"/>
+        <a:font script="Geor" typeface="Sylfaen"/>
+        <a:font script="Armn" typeface="Arial"/>
+        <a:font script="Bugi" typeface="Leelawadee UI"/>
+        <a:font script="Bopo" typeface="Microsoft JhengHei"/>
+        <a:font script="Java" typeface="Javanese Text"/>
+        <a:font script="Lisu" typeface="Segoe UI"/>
+        <a:font script="Mymr" typeface="Myanmar Text"/>
+        <a:font script="Nkoo" typeface="Ebrima"/>
+        <a:font script="Olck" typeface="Nirmala UI"/>
+        <a:font script="Osma" typeface="Ebrima"/>
+        <a:font script="Phag" typeface="Phagspa"/>
+        <a:font script="Syrn" typeface="Estrangelo Edessa"/>
+        <a:font script="Syrj" typeface="Estrangelo Edessa"/>
+        <a:font script="Syre" typeface="Estrangelo Edessa"/>
+        <a:font script="Sora" typeface="Nirmala UI"/>
+        <a:font script="Tale" typeface="Microsoft Tai Le"/>
+        <a:font script="Talu" typeface="Microsoft New Tai Lue"/>
+        <a:font script="Tfng" typeface="Ebrima"/>
+      </a:minorFont>
+    </a:fontScheme>
+    <a:fmtScheme name="Office">
+      <a:fillStyleLst>
+        <a:solidFill>
+          <a:schemeClr val="phClr"/>
+        </a:solidFill>
+        <a:gradFill rotWithShape="1">
+          <a:gsLst>
+            <a:gs pos="0">
+              <a:schemeClr val="phClr">
+                <a:lumMod val="110000"/>
+                <a:satMod val="105000"/>
+                <a:tint val="67000"/>
+              </a:schemeClr>
+            </a:gs>
+            <a:gs pos="50000">
+              <a:schemeClr val="phClr">
+                <a:lumMod val="105000"/>
+                <a:satMod val="103000"/>
+                <a:tint val="73000"/>
+              </a:schemeClr>
+            </a:gs>
+            <a:gs pos="100000">
+              <a:schemeClr val="phClr">
+                <a:lumMod val="105000"/>
+                <a:satMod val="109000"/>
+                <a:tint val="81000"/>
+              </a:schemeClr>
+            </a:gs>
+          </a:gsLst>
+          <a:lin ang="5400000" scaled="0"/>
+        </a:gradFill>
+        <a:gradFill rotWithShape="1">
+          <a:gsLst>
+            <a:gs pos="0">
+              <a:schemeClr val="phClr">
+                <a:satMod val="103000"/>
+                <a:lumMod val="102000"/>
+                <a:tint val="94000"/>
+              </a:schemeClr>
+            </a:gs>
+            <a:gs pos="50000">
+              <a:schemeClr val="phClr">
+                <a:satMod val="110000"/>
+                <a:lumMod val="100000"/>
+                <a:shade val="100000"/>
+              </a:schemeClr>
+            </a:gs>
+            <a:gs pos="100000">
+              <a:schemeClr val="phClr">
+                <a:lumMod val="99000"/>
+                <a:satMod val="120000"/>
+                <a:shade val="78000"/>
+              </a:schemeClr>
+            </a:gs>
+          </a:gsLst>
+          <a:lin ang="5400000" scaled="0"/>
+        </a:gradFill>
+      </a:fillStyleLst>
+      <a:lnStyleLst>
+        <a:ln w="6350" cap="flat" cmpd="sng" algn="ctr">
+          <a:solidFill>
+            <a:schemeClr val="phClr"/>
+          </a:solidFill>
+          <a:prstDash val="solid"/>
+          <a:miter lim="800000"/>
+        </a:ln>
+        <a:ln w="12700" cap="flat" cmpd="sng" algn="ctr">
+          <a:solidFill>
+            <a:schemeClr val="phClr"/>
+          </a:solidFill>
+          <a:prstDash val="solid"/>
+          <a:miter lim="800000"/>
+        </a:ln>
+        <a:ln w="19050" cap="flat" cmpd="sng" algn="ctr">
+          <a:solidFill>
+            <a:schemeClr val="phClr"/>
+          </a:solidFill>
+          <a:prstDash val="solid"/>
+          <a:miter lim="800000"/>
+        </a:ln>
+      </a:lnStyleLst>
+      <a:effectStyleLst>
+        <a:effectStyle>
+          <a:effectLst/>
+        </a:effectStyle>
+        <a:effectStyle>
+          <a:effectLst/>
+        </a:effectStyle>
+        <a:effectStyle>
+          <a:effectLst>
+            <a:outerShdw blurRad="57150" dist="19050" dir="5400000" algn="ctr" rotWithShape="0">
+              <a:srgbClr val="000000">
+                <a:alpha val="63000"/>
+              </a:srgbClr>
+            </a:outerShdw>
+          </a:effectLst>
+        </a:effectStyle>
+      </a:effectStyleLst>
+      <a:bgFillStyleLst>
+        <a:solidFill>
+          <a:schemeClr val="phClr"/>
+        </a:solidFill>
+        <a:solidFill>
+          <a:schemeClr val="phClr">
+            <a:tint val="95000"/>
+            <a:satMod val="170000"/>
+          </a:schemeClr>
+        </a:solidFill>
+        <a:gradFill rotWithShape="1">
+          <a:gsLst>
+            <a:gs pos="0">
+              <a:schemeClr val="phClr">
+                <a:tint val="93000"/>
+                <a:satMod val="150000"/>
+                <a:shade val="98000"/>
+                <a:lumMod val="102000"/>
+              </a:schemeClr>
+            </a:gs>
+            <a:gs pos="50000">
+              <a:schemeClr val="phClr">
+                <a:tint val="98000"/>
+                <a:satMod val="130000"/>
+                <a:shade val="90000"/>
+                <a:lumMod val="103000"/>
+              </a:schemeClr>
+            </a:gs>
+            <a:gs pos="100000">
+              <a:schemeClr val="phClr">
+                <a:shade val="63000"/>
+                <a:satMod val="120000"/>
+              </a:schemeClr>
+            </a:gs>
+          </a:gsLst>
+          <a:lin ang="5400000" scaled="0"/>
+        </a:gradFill>
+      </a:bgFillStyleLst>
+    </a:fmtScheme>
+  </a:themeElements>
+  <a:objectDefaults/>
+  <a:extraClrSchemeLst/>
+  <a:extLst>
+    <a:ext uri="{05A4C25C-085E-4340-85A3-A5531E510DB2}">
+      <thm15:themeFamily xmlns:thm15="http://schemas.microsoft.com/office/thememl/2012/main" name="Office Theme" id="{62F939B6-93AF-4DB8-9C6B-D6C7DFDC589F}" vid="{4A3C46E8-61CC-4603-A589-7422A47A8E4A}"/>
+    </a:ext>
+  </a:extLst>
+</a:theme>
 </file>
--- a/debug.pptx
+++ b/debug.pptx
@@ -5,28 +5,27 @@
     <p:sldMasterId id="2147483730" r:id="rId1"/>
   </p:sldMasterIdLst>
   <p:notesMasterIdLst>
-    <p:notesMasterId r:id="rId21"/>
+    <p:notesMasterId r:id="rId20"/>
   </p:notesMasterIdLst>
   <p:sldIdLst>
     <p:sldId id="256" r:id="rId2"/>
     <p:sldId id="257" r:id="rId3"/>
     <p:sldId id="258" r:id="rId4"/>
-    <p:sldId id="259" r:id="rId5"/>
-    <p:sldId id="260" r:id="rId6"/>
-    <p:sldId id="261" r:id="rId7"/>
-    <p:sldId id="262" r:id="rId8"/>
-    <p:sldId id="266" r:id="rId9"/>
-    <p:sldId id="263" r:id="rId10"/>
-    <p:sldId id="267" r:id="rId11"/>
-    <p:sldId id="265" r:id="rId12"/>
-    <p:sldId id="268" r:id="rId13"/>
-    <p:sldId id="264" r:id="rId14"/>
-    <p:sldId id="270" r:id="rId15"/>
-    <p:sldId id="269" r:id="rId16"/>
-    <p:sldId id="271" r:id="rId17"/>
-    <p:sldId id="272" r:id="rId18"/>
-    <p:sldId id="273" r:id="rId19"/>
-    <p:sldId id="274" r:id="rId20"/>
+    <p:sldId id="260" r:id="rId5"/>
+    <p:sldId id="261" r:id="rId6"/>
+    <p:sldId id="262" r:id="rId7"/>
+    <p:sldId id="266" r:id="rId8"/>
+    <p:sldId id="263" r:id="rId9"/>
+    <p:sldId id="267" r:id="rId10"/>
+    <p:sldId id="265" r:id="rId11"/>
+    <p:sldId id="268" r:id="rId12"/>
+    <p:sldId id="264" r:id="rId13"/>
+    <p:sldId id="270" r:id="rId14"/>
+    <p:sldId id="269" r:id="rId15"/>
+    <p:sldId id="271" r:id="rId16"/>
+    <p:sldId id="272" r:id="rId17"/>
+    <p:sldId id="273" r:id="rId18"/>
+    <p:sldId id="274" r:id="rId19"/>
   </p:sldIdLst>
   <p:sldSz cx="12192000" cy="6858000"/>
   <p:notesSz cx="6858000" cy="9144000"/>
@@ -133,7 +132,6 @@
             <p14:sldId id="256"/>
             <p14:sldId id="257"/>
             <p14:sldId id="258"/>
-            <p14:sldId id="259"/>
             <p14:sldId id="260"/>
             <p14:sldId id="261"/>
             <p14:sldId id="262"/>
@@ -242,7 +240,7 @@
           <a:p>
             <a:fld id="{3A6D1C15-5582-4E65-8583-F9CA5042E30B}" type="datetimeFigureOut">
               <a:rPr lang="tr-TR" smtClean="0"/>
-              <a:t>12.09.2023</a:t>
+              <a:t>13.09.2023</a:t>
             </a:fld>
             <a:endParaRPr lang="tr-TR"/>
           </a:p>
@@ -574,7 +572,7 @@
           <a:p>
             <a:fld id="{5BDD7996-907C-4B3E-8BF2-55E2D6CE1CD2}" type="slidenum">
               <a:rPr lang="tr-TR" smtClean="0"/>
-              <a:t>9</a:t>
+              <a:t>8</a:t>
             </a:fld>
             <a:endParaRPr lang="tr-TR"/>
           </a:p>
@@ -1046,7 +1044,7 @@
           <a:p>
             <a:fld id="{1778D8B3-7438-4766-93E9-18E85ADA547E}" type="datetimeFigureOut">
               <a:rPr lang="tr-TR" smtClean="0"/>
-              <a:t>12.09.2023</a:t>
+              <a:t>13.09.2023</a:t>
             </a:fld>
             <a:endParaRPr lang="tr-TR"/>
           </a:p>
@@ -1378,7 +1376,7 @@
           <a:p>
             <a:fld id="{1778D8B3-7438-4766-93E9-18E85ADA547E}" type="datetimeFigureOut">
               <a:rPr lang="tr-TR" smtClean="0"/>
-              <a:t>12.09.2023</a:t>
+              <a:t>13.09.2023</a:t>
             </a:fld>
             <a:endParaRPr lang="tr-TR"/>
           </a:p>
@@ -1574,7 +1572,7 @@
           <a:p>
             <a:fld id="{1778D8B3-7438-4766-93E9-18E85ADA547E}" type="datetimeFigureOut">
               <a:rPr lang="tr-TR" smtClean="0"/>
-              <a:t>12.09.2023</a:t>
+              <a:t>13.09.2023</a:t>
             </a:fld>
             <a:endParaRPr lang="tr-TR"/>
           </a:p>
@@ -1844,7 +1842,7 @@
           <a:p>
             <a:fld id="{1778D8B3-7438-4766-93E9-18E85ADA547E}" type="datetimeFigureOut">
               <a:rPr lang="tr-TR" smtClean="0"/>
-              <a:t>12.09.2023</a:t>
+              <a:t>13.09.2023</a:t>
             </a:fld>
             <a:endParaRPr lang="tr-TR"/>
           </a:p>
@@ -2272,7 +2270,7 @@
           <a:p>
             <a:fld id="{1778D8B3-7438-4766-93E9-18E85ADA547E}" type="datetimeFigureOut">
               <a:rPr lang="tr-TR" smtClean="0"/>
-              <a:t>12.09.2023</a:t>
+              <a:t>13.09.2023</a:t>
             </a:fld>
             <a:endParaRPr lang="tr-TR"/>
           </a:p>
@@ -2822,7 +2820,7 @@
           <a:p>
             <a:fld id="{1778D8B3-7438-4766-93E9-18E85ADA547E}" type="datetimeFigureOut">
               <a:rPr lang="tr-TR" smtClean="0"/>
-              <a:t>12.09.2023</a:t>
+              <a:t>13.09.2023</a:t>
             </a:fld>
             <a:endParaRPr lang="tr-TR"/>
           </a:p>
@@ -3612,7 +3610,7 @@
           <a:p>
             <a:fld id="{1778D8B3-7438-4766-93E9-18E85ADA547E}" type="datetimeFigureOut">
               <a:rPr lang="tr-TR" smtClean="0"/>
-              <a:t>12.09.2023</a:t>
+              <a:t>13.09.2023</a:t>
             </a:fld>
             <a:endParaRPr lang="tr-TR"/>
           </a:p>
@@ -3791,7 +3789,7 @@
           <a:p>
             <a:fld id="{1778D8B3-7438-4766-93E9-18E85ADA547E}" type="datetimeFigureOut">
               <a:rPr lang="tr-TR" smtClean="0"/>
-              <a:t>12.09.2023</a:t>
+              <a:t>13.09.2023</a:t>
             </a:fld>
             <a:endParaRPr lang="tr-TR"/>
           </a:p>
@@ -3975,7 +3973,7 @@
           <a:p>
             <a:fld id="{1778D8B3-7438-4766-93E9-18E85ADA547E}" type="datetimeFigureOut">
               <a:rPr lang="tr-TR" smtClean="0"/>
-              <a:t>12.09.2023</a:t>
+              <a:t>13.09.2023</a:t>
             </a:fld>
             <a:endParaRPr lang="tr-TR"/>
           </a:p>
@@ -4150,7 +4148,7 @@
           <a:p>
             <a:fld id="{1778D8B3-7438-4766-93E9-18E85ADA547E}" type="datetimeFigureOut">
               <a:rPr lang="tr-TR" smtClean="0"/>
-              <a:t>12.09.2023</a:t>
+              <a:t>13.09.2023</a:t>
             </a:fld>
             <a:endParaRPr lang="tr-TR"/>
           </a:p>
@@ -4400,7 +4398,7 @@
           <a:p>
             <a:fld id="{1778D8B3-7438-4766-93E9-18E85ADA547E}" type="datetimeFigureOut">
               <a:rPr lang="tr-TR" smtClean="0"/>
-              <a:t>12.09.2023</a:t>
+              <a:t>13.09.2023</a:t>
             </a:fld>
             <a:endParaRPr lang="tr-TR"/>
           </a:p>
@@ -4637,7 +4635,7 @@
           <a:p>
             <a:fld id="{1778D8B3-7438-4766-93E9-18E85ADA547E}" type="datetimeFigureOut">
               <a:rPr lang="tr-TR" smtClean="0"/>
-              <a:t>12.09.2023</a:t>
+              <a:t>13.09.2023</a:t>
             </a:fld>
             <a:endParaRPr lang="tr-TR"/>
           </a:p>
@@ -5022,7 +5020,7 @@
           <a:p>
             <a:fld id="{1778D8B3-7438-4766-93E9-18E85ADA547E}" type="datetimeFigureOut">
               <a:rPr lang="tr-TR" smtClean="0"/>
-              <a:t>12.09.2023</a:t>
+              <a:t>13.09.2023</a:t>
             </a:fld>
             <a:endParaRPr lang="tr-TR"/>
           </a:p>
@@ -5140,7 +5138,7 @@
           <a:p>
             <a:fld id="{1778D8B3-7438-4766-93E9-18E85ADA547E}" type="datetimeFigureOut">
               <a:rPr lang="tr-TR" smtClean="0"/>
-              <a:t>12.09.2023</a:t>
+              <a:t>13.09.2023</a:t>
             </a:fld>
             <a:endParaRPr lang="tr-TR"/>
           </a:p>
@@ -5235,7 +5233,7 @@
           <a:p>
             <a:fld id="{1778D8B3-7438-4766-93E9-18E85ADA547E}" type="datetimeFigureOut">
               <a:rPr lang="tr-TR" smtClean="0"/>
-              <a:t>12.09.2023</a:t>
+              <a:t>13.09.2023</a:t>
             </a:fld>
             <a:endParaRPr lang="tr-TR"/>
           </a:p>
@@ -5488,7 +5486,7 @@
           <a:p>
             <a:fld id="{1778D8B3-7438-4766-93E9-18E85ADA547E}" type="datetimeFigureOut">
               <a:rPr lang="tr-TR" smtClean="0"/>
-              <a:t>12.09.2023</a:t>
+              <a:t>13.09.2023</a:t>
             </a:fld>
             <a:endParaRPr lang="tr-TR"/>
           </a:p>
@@ -5757,7 +5755,7 @@
           <a:p>
             <a:fld id="{1778D8B3-7438-4766-93E9-18E85ADA547E}" type="datetimeFigureOut">
               <a:rPr lang="tr-TR" smtClean="0"/>
-              <a:t>12.09.2023</a:t>
+              <a:t>13.09.2023</a:t>
             </a:fld>
             <a:endParaRPr lang="tr-TR"/>
           </a:p>
@@ -6160,7 +6158,7 @@
           <a:p>
             <a:fld id="{1778D8B3-7438-4766-93E9-18E85ADA547E}" type="datetimeFigureOut">
               <a:rPr lang="tr-TR" smtClean="0"/>
-              <a:t>12.09.2023</a:t>
+              <a:t>13.09.2023</a:t>
             </a:fld>
             <a:endParaRPr lang="tr-TR"/>
           </a:p>
@@ -6686,7 +6684,7 @@
           <p:cNvPr id="2" name="Başlık 1">
             <a:extLst>
               <a:ext uri="{FF2B5EF4-FFF2-40B4-BE49-F238E27FC236}">
-                <a16:creationId xmlns:a16="http://schemas.microsoft.com/office/drawing/2014/main" id="{A38F8469-C441-DFF3-1727-BCC237055F29}"/>
+                <a16:creationId xmlns:a16="http://schemas.microsoft.com/office/drawing/2014/main" id="{6DB97821-5E85-5819-20B0-BA042414AE9B}"/>
               </a:ext>
             </a:extLst>
           </p:cNvPr>
@@ -6697,57 +6695,63 @@
             <p:ph type="title"/>
           </p:nvPr>
         </p:nvSpPr>
-        <p:spPr>
-          <a:xfrm>
-            <a:off x="792333" y="2277035"/>
-            <a:ext cx="10396882" cy="1151965"/>
-          </a:xfrm>
-        </p:spPr>
-        <p:txBody>
-          <a:bodyPr>
-            <a:normAutofit/>
-          </a:bodyPr>
+        <p:spPr/>
+        <p:txBody>
+          <a:bodyPr/>
           <a:lstStyle/>
           <a:p>
             <a:r>
-              <a:rPr lang="tr-TR" sz="4000" dirty="0" err="1"/>
-              <a:t>Wındows</a:t>
-            </a:r>
-            <a:r>
-              <a:rPr lang="tr-TR" sz="4000" dirty="0"/>
-              <a:t> (</a:t>
-            </a:r>
-            <a:r>
-              <a:rPr lang="tr-TR" sz="4000" dirty="0" err="1"/>
-              <a:t>Locals</a:t>
-            </a:r>
-            <a:r>
-              <a:rPr lang="tr-TR" sz="4000" dirty="0"/>
-              <a:t>, </a:t>
-            </a:r>
-            <a:r>
-              <a:rPr lang="tr-TR" sz="4000" dirty="0" err="1"/>
-              <a:t>autos</a:t>
-            </a:r>
-            <a:r>
-              <a:rPr lang="tr-TR" sz="4000" dirty="0"/>
-              <a:t>, </a:t>
-            </a:r>
-            <a:r>
-              <a:rPr lang="tr-TR" sz="4000" dirty="0" err="1"/>
-              <a:t>watch</a:t>
-            </a:r>
-            <a:r>
-              <a:rPr lang="tr-TR" sz="4000" dirty="0"/>
-              <a:t>, </a:t>
-            </a:r>
-            <a:r>
-              <a:rPr lang="tr-TR" sz="4000" dirty="0" err="1"/>
-              <a:t>ımmedıate</a:t>
-            </a:r>
-            <a:r>
-              <a:rPr lang="tr-TR" sz="4000" dirty="0"/>
-              <a:t>)</a:t>
+              <a:rPr lang="tr-TR" dirty="0" err="1"/>
+              <a:t>locals</a:t>
+            </a:r>
+            <a:r>
+              <a:rPr lang="tr-TR" dirty="0"/>
+              <a:t> </a:t>
+            </a:r>
+            <a:r>
+              <a:rPr lang="tr-TR" dirty="0" err="1"/>
+              <a:t>wındow</a:t>
+            </a:r>
+            <a:endParaRPr lang="tr-TR" dirty="0"/>
+          </a:p>
+        </p:txBody>
+      </p:sp>
+      <p:sp>
+        <p:nvSpPr>
+          <p:cNvPr id="3" name="İçerik Yer Tutucusu 2">
+            <a:extLst>
+              <a:ext uri="{FF2B5EF4-FFF2-40B4-BE49-F238E27FC236}">
+                <a16:creationId xmlns:a16="http://schemas.microsoft.com/office/drawing/2014/main" id="{FE3BA8D4-110C-8EE4-2BC6-39A05D2C5973}"/>
+              </a:ext>
+            </a:extLst>
+          </p:cNvPr>
+          <p:cNvSpPr>
+            <a:spLocks noGrp="1"/>
+          </p:cNvSpPr>
+          <p:nvPr>
+            <p:ph sz="quarter" idx="13"/>
+          </p:nvPr>
+        </p:nvSpPr>
+        <p:spPr/>
+        <p:txBody>
+          <a:bodyPr/>
+          <a:lstStyle/>
+          <a:p>
+            <a:r>
+              <a:rPr lang="tr-TR" cap="none" dirty="0">
+                <a:latin typeface="Calibri" panose="020F0502020204030204" pitchFamily="34" charset="0"/>
+                <a:cs typeface="Calibri" panose="020F0502020204030204" pitchFamily="34" charset="0"/>
+              </a:rPr>
+              <a:t>Programın belirlediğiniz kısmındaki değişkenleri otomatik bir şekilde takip eder.</a:t>
+            </a:r>
+          </a:p>
+          <a:p>
+            <a:r>
+              <a:rPr lang="tr-TR" cap="none" dirty="0">
+                <a:latin typeface="Calibri" panose="020F0502020204030204" pitchFamily="34" charset="0"/>
+                <a:cs typeface="Calibri" panose="020F0502020204030204" pitchFamily="34" charset="0"/>
+              </a:rPr>
+              <a:t>Blok içerisindeki değişkenleri vs. izler.</a:t>
             </a:r>
           </a:p>
         </p:txBody>
@@ -6755,7 +6759,7 @@
     </p:spTree>
     <p:extLst>
       <p:ext uri="{BB962C8B-B14F-4D97-AF65-F5344CB8AC3E}">
-        <p14:creationId xmlns:p14="http://schemas.microsoft.com/office/powerpoint/2010/main" val="234763089"/>
+        <p14:creationId xmlns:p14="http://schemas.microsoft.com/office/powerpoint/2010/main" val="655286085"/>
       </p:ext>
     </p:extLst>
   </p:cSld>
@@ -6805,15 +6809,7 @@
           <a:p>
             <a:r>
               <a:rPr lang="tr-TR" dirty="0" err="1"/>
-              <a:t>locals</a:t>
-            </a:r>
-            <a:r>
-              <a:rPr lang="tr-TR" dirty="0"/>
-              <a:t> </a:t>
-            </a:r>
-            <a:r>
-              <a:rPr lang="tr-TR" dirty="0" err="1"/>
-              <a:t>wındow</a:t>
+              <a:t>autos</a:t>
             </a:r>
             <a:endParaRPr lang="tr-TR" dirty="0"/>
           </a:p>
@@ -6835,34 +6831,116 @@
             <p:ph sz="quarter" idx="13"/>
           </p:nvPr>
         </p:nvSpPr>
-        <p:spPr/>
+        <p:spPr>
+          <a:xfrm>
+            <a:off x="687976" y="2017363"/>
+            <a:ext cx="10394707" cy="1915266"/>
+          </a:xfrm>
+        </p:spPr>
         <p:txBody>
           <a:bodyPr/>
           <a:lstStyle/>
           <a:p>
             <a:r>
-              <a:rPr lang="tr-TR" cap="none" dirty="0">
-                <a:latin typeface="Calibri" panose="020F0502020204030204" pitchFamily="34" charset="0"/>
-                <a:cs typeface="Calibri" panose="020F0502020204030204" pitchFamily="34" charset="0"/>
+              <a:rPr lang="tr-TR" b="0" i="0" cap="none" dirty="0">
+                <a:solidFill>
+                  <a:srgbClr val="242424"/>
+                </a:solidFill>
+                <a:effectLst/>
+                <a:latin typeface="source-serif-pro"/>
               </a:rPr>
-              <a:t>Programın belirlediğiniz kısmındaki değişkenleri otomatik bir şekilde takip eder.</a:t>
-            </a:r>
-          </a:p>
-          <a:p>
-            <a:r>
-              <a:rPr lang="tr-TR" cap="none" dirty="0">
-                <a:latin typeface="Calibri" panose="020F0502020204030204" pitchFamily="34" charset="0"/>
-                <a:cs typeface="Calibri" panose="020F0502020204030204" pitchFamily="34" charset="0"/>
+              <a:t>Bu pencere </a:t>
+            </a:r>
+            <a:r>
+              <a:rPr lang="tr-TR" b="0" i="0" cap="none" dirty="0" err="1">
+                <a:solidFill>
+                  <a:srgbClr val="242424"/>
+                </a:solidFill>
+                <a:effectLst/>
+                <a:latin typeface="source-serif-pro"/>
               </a:rPr>
-              <a:t>Blok içerisindeki değişkenleri vs. izler.</a:t>
-            </a:r>
+              <a:t>locals</a:t>
+            </a:r>
+            <a:r>
+              <a:rPr lang="tr-TR" b="0" i="0" cap="none" dirty="0">
+                <a:solidFill>
+                  <a:srgbClr val="242424"/>
+                </a:solidFill>
+                <a:effectLst/>
+                <a:latin typeface="source-serif-pro"/>
+              </a:rPr>
+              <a:t> penceresi ile hemen hemen aynı işi yapmaktadır. Tek ayrımı </a:t>
+            </a:r>
+            <a:r>
+              <a:rPr lang="tr-TR" b="0" i="0" cap="none" dirty="0" err="1">
+                <a:solidFill>
+                  <a:srgbClr val="242424"/>
+                </a:solidFill>
+                <a:effectLst/>
+                <a:latin typeface="source-serif-pro"/>
+              </a:rPr>
+              <a:t>locals</a:t>
+            </a:r>
+            <a:r>
+              <a:rPr lang="tr-TR" cap="none" dirty="0" err="1">
+                <a:solidFill>
+                  <a:srgbClr val="242424"/>
+                </a:solidFill>
+                <a:latin typeface="source-serif-pro"/>
+              </a:rPr>
+              <a:t>’t</a:t>
+            </a:r>
+            <a:r>
+              <a:rPr lang="tr-TR" b="0" i="0" cap="none" dirty="0" err="1">
+                <a:solidFill>
+                  <a:srgbClr val="242424"/>
+                </a:solidFill>
+                <a:effectLst/>
+                <a:latin typeface="source-serif-pro"/>
+              </a:rPr>
+              <a:t>e</a:t>
+            </a:r>
+            <a:r>
+              <a:rPr lang="tr-TR" b="0" i="0" cap="none" dirty="0">
+                <a:solidFill>
+                  <a:srgbClr val="242424"/>
+                </a:solidFill>
+                <a:effectLst/>
+                <a:latin typeface="source-serif-pro"/>
+              </a:rPr>
+              <a:t> değişken ve değerleri her zaman gösterilirken </a:t>
+            </a:r>
+            <a:r>
+              <a:rPr lang="tr-TR" b="0" i="0" cap="none" dirty="0" err="1">
+                <a:solidFill>
+                  <a:srgbClr val="242424"/>
+                </a:solidFill>
+                <a:effectLst/>
+                <a:latin typeface="source-serif-pro"/>
+              </a:rPr>
+              <a:t>autos</a:t>
+            </a:r>
+            <a:r>
+              <a:rPr lang="tr-TR" b="0" i="0" cap="none" dirty="0">
+                <a:solidFill>
+                  <a:srgbClr val="242424"/>
+                </a:solidFill>
+                <a:effectLst/>
+                <a:latin typeface="source-serif-pro"/>
+              </a:rPr>
+              <a:t> penceresi o an önemli olan değişken ve değerini ekrana yansıtmaktadır.</a:t>
+            </a:r>
+            <a:endParaRPr lang="tr-TR" cap="none" dirty="0">
+              <a:latin typeface="Calibri" panose="020F0502020204030204" pitchFamily="34" charset="0"/>
+              <a:cs typeface="Calibri" panose="020F0502020204030204" pitchFamily="34" charset="0"/>
+            </a:endParaRPr>
           </a:p>
         </p:txBody>
       </p:sp>
     </p:spTree>
     <p:extLst>
       <p:ext uri="{BB962C8B-B14F-4D97-AF65-F5344CB8AC3E}">
-        <p14:creationId xmlns:p14="http://schemas.microsoft.com/office/powerpoint/2010/main" val="655286085"/>
+        <p14:creationId xmlns:p14="http://schemas.microsoft.com/office/powerpoint/2010/main" val="241662615"/>
       </p:ext>
     </p:extLst>
   </p:cSld>
@@ -6911,187 +6989,6 @@
           <a:lstStyle/>
           <a:p>
             <a:r>
-              <a:rPr lang="tr-TR" dirty="0" err="1"/>
-              <a:t>autos</a:t>
-            </a:r>
-            <a:endParaRPr lang="tr-TR" dirty="0"/>
-          </a:p>
-        </p:txBody>
-      </p:sp>
-      <p:sp>
-        <p:nvSpPr>
-          <p:cNvPr id="3" name="İçerik Yer Tutucusu 2">
-            <a:extLst>
-              <a:ext uri="{FF2B5EF4-FFF2-40B4-BE49-F238E27FC236}">
-                <a16:creationId xmlns:a16="http://schemas.microsoft.com/office/drawing/2014/main" id="{FE3BA8D4-110C-8EE4-2BC6-39A05D2C5973}"/>
-              </a:ext>
-            </a:extLst>
-          </p:cNvPr>
-          <p:cNvSpPr>
-            <a:spLocks noGrp="1"/>
-          </p:cNvSpPr>
-          <p:nvPr>
-            <p:ph sz="quarter" idx="13"/>
-          </p:nvPr>
-        </p:nvSpPr>
-        <p:spPr>
-          <a:xfrm>
-            <a:off x="687976" y="2017363"/>
-            <a:ext cx="10394707" cy="1915266"/>
-          </a:xfrm>
-        </p:spPr>
-        <p:txBody>
-          <a:bodyPr/>
-          <a:lstStyle/>
-          <a:p>
-            <a:r>
-              <a:rPr lang="tr-TR" b="0" i="0" cap="none" dirty="0">
-                <a:solidFill>
-                  <a:srgbClr val="242424"/>
-                </a:solidFill>
-                <a:effectLst/>
-                <a:latin typeface="source-serif-pro"/>
-              </a:rPr>
-              <a:t>Bu pencere </a:t>
-            </a:r>
-            <a:r>
-              <a:rPr lang="tr-TR" b="0" i="0" cap="none" dirty="0" err="1">
-                <a:solidFill>
-                  <a:srgbClr val="242424"/>
-                </a:solidFill>
-                <a:effectLst/>
-                <a:latin typeface="source-serif-pro"/>
-              </a:rPr>
-              <a:t>locals</a:t>
-            </a:r>
-            <a:r>
-              <a:rPr lang="tr-TR" b="0" i="0" cap="none" dirty="0">
-                <a:solidFill>
-                  <a:srgbClr val="242424"/>
-                </a:solidFill>
-                <a:effectLst/>
-                <a:latin typeface="source-serif-pro"/>
-              </a:rPr>
-              <a:t> penceresi ile hemen hemen aynı işi yapmaktadır. Tek ayrımı </a:t>
-            </a:r>
-            <a:r>
-              <a:rPr lang="tr-TR" b="0" i="0" cap="none" dirty="0" err="1">
-                <a:solidFill>
-                  <a:srgbClr val="242424"/>
-                </a:solidFill>
-                <a:effectLst/>
-                <a:latin typeface="source-serif-pro"/>
-              </a:rPr>
-              <a:t>locals</a:t>
-            </a:r>
-            <a:r>
-              <a:rPr lang="tr-TR" cap="none" dirty="0" err="1">
-                <a:solidFill>
-                  <a:srgbClr val="242424"/>
-                </a:solidFill>
-                <a:latin typeface="source-serif-pro"/>
-              </a:rPr>
-              <a:t>’t</a:t>
-            </a:r>
-            <a:r>
-              <a:rPr lang="tr-TR" b="0" i="0" cap="none" dirty="0" err="1">
-                <a:solidFill>
-                  <a:srgbClr val="242424"/>
-                </a:solidFill>
-                <a:effectLst/>
-                <a:latin typeface="source-serif-pro"/>
-              </a:rPr>
-              <a:t>e</a:t>
-            </a:r>
-            <a:r>
-              <a:rPr lang="tr-TR" b="0" i="0" cap="none" dirty="0">
-                <a:solidFill>
-                  <a:srgbClr val="242424"/>
-                </a:solidFill>
-                <a:effectLst/>
-                <a:latin typeface="source-serif-pro"/>
-              </a:rPr>
-              <a:t> değişken ve değerleri her zaman gösterilirken </a:t>
-            </a:r>
-            <a:r>
-              <a:rPr lang="tr-TR" b="0" i="0" cap="none" dirty="0" err="1">
-                <a:solidFill>
-                  <a:srgbClr val="242424"/>
-                </a:solidFill>
-                <a:effectLst/>
-                <a:latin typeface="source-serif-pro"/>
-              </a:rPr>
-              <a:t>autos</a:t>
-            </a:r>
-            <a:r>
-              <a:rPr lang="tr-TR" b="0" i="0" cap="none" dirty="0">
-                <a:solidFill>
-                  <a:srgbClr val="242424"/>
-                </a:solidFill>
-                <a:effectLst/>
-                <a:latin typeface="source-serif-pro"/>
-              </a:rPr>
-              <a:t> penceresi o an önemli olan değişken ve değerini ekrana yansıtmaktadır.</a:t>
-            </a:r>
-            <a:endParaRPr lang="tr-TR" cap="none" dirty="0">
-              <a:latin typeface="Calibri" panose="020F0502020204030204" pitchFamily="34" charset="0"/>
-              <a:cs typeface="Calibri" panose="020F0502020204030204" pitchFamily="34" charset="0"/>
-            </a:endParaRPr>
-          </a:p>
-        </p:txBody>
-      </p:sp>
-    </p:spTree>
-    <p:extLst>
-      <p:ext uri="{BB962C8B-B14F-4D97-AF65-F5344CB8AC3E}">
-        <p14:creationId xmlns:p14="http://schemas.microsoft.com/office/powerpoint/2010/main" val="241662615"/>
-      </p:ext>
-    </p:extLst>
-  </p:cSld>
-  <p:clrMapOvr>
-    <a:masterClrMapping/>
-  </p:clrMapOvr>
-</p:sld>
-</file>
-
-<file path=ppt/slides/slide13.xml><?xml version="1.0" encoding="utf-8"?>
-<p:sld xmlns:a="http://schemas.openxmlformats.org/drawingml/2006/main" xmlns:r="http://schemas.openxmlformats.org/officeDocument/2006/relationships" xmlns:p="http://schemas.openxmlformats.org/presentationml/2006/main">
-  <p:cSld>
-    <p:spTree>
-      <p:nvGrpSpPr>
-        <p:cNvPr id="1" name=""/>
-        <p:cNvGrpSpPr/>
-        <p:nvPr/>
-      </p:nvGrpSpPr>
-      <p:grpSpPr>
-        <a:xfrm>
-          <a:off x="0" y="0"/>
-          <a:ext cx="0" cy="0"/>
-          <a:chOff x="0" y="0"/>
-          <a:chExt cx="0" cy="0"/>
-        </a:xfrm>
-      </p:grpSpPr>
-      <p:sp>
-        <p:nvSpPr>
-          <p:cNvPr id="2" name="Başlık 1">
-            <a:extLst>
-              <a:ext uri="{FF2B5EF4-FFF2-40B4-BE49-F238E27FC236}">
-                <a16:creationId xmlns:a16="http://schemas.microsoft.com/office/drawing/2014/main" id="{6DB97821-5E85-5819-20B0-BA042414AE9B}"/>
-              </a:ext>
-            </a:extLst>
-          </p:cNvPr>
-          <p:cNvSpPr>
-            <a:spLocks noGrp="1"/>
-          </p:cNvSpPr>
-          <p:nvPr>
-            <p:ph type="title"/>
-          </p:nvPr>
-        </p:nvSpPr>
-        <p:spPr/>
-        <p:txBody>
-          <a:bodyPr/>
-          <a:lstStyle/>
-          <a:p>
-            <a:r>
               <a:rPr lang="tr-TR" dirty="0"/>
               <a:t>Watch </a:t>
             </a:r>
@@ -7162,7 +7059,7 @@
 </p:sld>
 </file>
 
-<file path=ppt/slides/slide14.xml><?xml version="1.0" encoding="utf-8"?>
+<file path=ppt/slides/slide13.xml><?xml version="1.0" encoding="utf-8"?>
 <p:sld xmlns:a="http://schemas.openxmlformats.org/drawingml/2006/main" xmlns:r="http://schemas.openxmlformats.org/officeDocument/2006/relationships" xmlns:p="http://schemas.openxmlformats.org/presentationml/2006/main">
   <p:cSld>
     <p:bg>
@@ -7400,7 +7297,7 @@
 </p:sld>
 </file>
 
-<file path=ppt/slides/slide15.xml><?xml version="1.0" encoding="utf-8"?>
+<file path=ppt/slides/slide14.xml><?xml version="1.0" encoding="utf-8"?>
 <p:sld xmlns:a="http://schemas.openxmlformats.org/drawingml/2006/main" xmlns:r="http://schemas.openxmlformats.org/officeDocument/2006/relationships" xmlns:p="http://schemas.openxmlformats.org/presentationml/2006/main">
   <p:cSld>
     <p:spTree>
@@ -7513,7 +7410,7 @@
 </p:sld>
 </file>
 
-<file path=ppt/slides/slide16.xml><?xml version="1.0" encoding="utf-8"?>
+<file path=ppt/slides/slide15.xml><?xml version="1.0" encoding="utf-8"?>
 <p:sld xmlns:a="http://schemas.openxmlformats.org/drawingml/2006/main" xmlns:r="http://schemas.openxmlformats.org/officeDocument/2006/relationships" xmlns:p="http://schemas.openxmlformats.org/presentationml/2006/main">
   <p:cSld>
     <p:spTree>
@@ -7661,7 +7558,7 @@
 </p:sld>
 </file>
 
-<file path=ppt/slides/slide17.xml><?xml version="1.0" encoding="utf-8"?>
+<file path=ppt/slides/slide16.xml><?xml version="1.0" encoding="utf-8"?>
 <p:sld xmlns:a="http://schemas.openxmlformats.org/drawingml/2006/main" xmlns:r="http://schemas.openxmlformats.org/officeDocument/2006/relationships" xmlns:p="http://schemas.openxmlformats.org/presentationml/2006/main">
   <p:cSld>
     <p:spTree>
@@ -7942,7 +7839,7 @@
 </p:sld>
 </file>
 
-<file path=ppt/slides/slide18.xml><?xml version="1.0" encoding="utf-8"?>
+<file path=ppt/slides/slide17.xml><?xml version="1.0" encoding="utf-8"?>
 <p:sld xmlns:a="http://schemas.openxmlformats.org/drawingml/2006/main" xmlns:r="http://schemas.openxmlformats.org/officeDocument/2006/relationships" xmlns:p="http://schemas.openxmlformats.org/presentationml/2006/main" showMasterSp="0">
   <p:cSld>
     <p:spTree>
@@ -8221,7 +8118,7 @@
 </p:sld>
 </file>
 
-<file path=ppt/slides/slide19.xml><?xml version="1.0" encoding="utf-8"?>
+<file path=ppt/slides/slide18.xml><?xml version="1.0" encoding="utf-8"?>
 <p:sld xmlns:a="http://schemas.openxmlformats.org/drawingml/2006/main" xmlns:r="http://schemas.openxmlformats.org/officeDocument/2006/relationships" xmlns:p="http://schemas.openxmlformats.org/presentationml/2006/main" showMasterSp="0">
   <p:cSld>
     <p:spTree>
@@ -8641,7 +8538,7 @@
           <p:cNvPr id="2" name="Başlık 1">
             <a:extLst>
               <a:ext uri="{FF2B5EF4-FFF2-40B4-BE49-F238E27FC236}">
-                <a16:creationId xmlns:a16="http://schemas.microsoft.com/office/drawing/2014/main" id="{7C09C7CB-4117-3C5B-84B2-34949103C0AE}"/>
+                <a16:creationId xmlns:a16="http://schemas.microsoft.com/office/drawing/2014/main" id="{DC5973F9-9FE3-F8D6-6FE9-7FB80D63E4D7}"/>
               </a:ext>
             </a:extLst>
           </p:cNvPr>
@@ -8659,7 +8556,15 @@
           <a:p>
             <a:r>
               <a:rPr lang="tr-TR" dirty="0"/>
-              <a:t>Hata tespit yöntemleri:</a:t>
+              <a:t>Neden </a:t>
+            </a:r>
+            <a:r>
+              <a:rPr lang="tr-TR" dirty="0" err="1"/>
+              <a:t>debuggıng</a:t>
+            </a:r>
+            <a:r>
+              <a:rPr lang="tr-TR" dirty="0"/>
+              <a:t> öğrenmeliyiz ?</a:t>
             </a:r>
           </a:p>
         </p:txBody>
@@ -8669,7 +8574,7 @@
           <p:cNvPr id="4" name="İçerik Yer Tutucusu 2">
             <a:extLst>
               <a:ext uri="{FF2B5EF4-FFF2-40B4-BE49-F238E27FC236}">
-                <a16:creationId xmlns:a16="http://schemas.microsoft.com/office/drawing/2014/main" id="{58EE4D06-CE83-3CDC-685A-E915D15632AD}"/>
+                <a16:creationId xmlns:a16="http://schemas.microsoft.com/office/drawing/2014/main" id="{166BDC9E-2FE8-2E5F-B086-749D0D5CC55F}"/>
               </a:ext>
             </a:extLst>
           </p:cNvPr>
@@ -8697,7 +8602,7 @@
                 <a:latin typeface="Calibri" panose="020F0502020204030204" pitchFamily="34" charset="0"/>
                 <a:cs typeface="Calibri" panose="020F0502020204030204" pitchFamily="34" charset="0"/>
               </a:rPr>
-              <a:t>Statik kod analizi</a:t>
+              <a:t>Hataları bulmak, düzeltmek</a:t>
             </a:r>
           </a:p>
           <a:p>
@@ -8706,7 +8611,7 @@
                 <a:latin typeface="Calibri" panose="020F0502020204030204" pitchFamily="34" charset="0"/>
                 <a:cs typeface="Calibri" panose="020F0502020204030204" pitchFamily="34" charset="0"/>
               </a:rPr>
-              <a:t>Test sürücüleri</a:t>
+              <a:t>Zaman ve maliyet tasarrufu</a:t>
             </a:r>
           </a:p>
           <a:p>
@@ -8715,7 +8620,7 @@
                 <a:latin typeface="Calibri" panose="020F0502020204030204" pitchFamily="34" charset="0"/>
                 <a:cs typeface="Calibri" panose="020F0502020204030204" pitchFamily="34" charset="0"/>
               </a:rPr>
-              <a:t>Hata ayıklama araçları</a:t>
+              <a:t>Geliştirici becerileri</a:t>
             </a:r>
           </a:p>
           <a:p>
@@ -8724,16 +8629,7 @@
                 <a:latin typeface="Calibri" panose="020F0502020204030204" pitchFamily="34" charset="0"/>
                 <a:cs typeface="Calibri" panose="020F0502020204030204" pitchFamily="34" charset="0"/>
               </a:rPr>
-              <a:t>Kaynak kodu denetleyicileri</a:t>
-            </a:r>
-          </a:p>
-          <a:p>
-            <a:r>
-              <a:rPr lang="tr-TR" cap="none" dirty="0">
-                <a:latin typeface="Calibri" panose="020F0502020204030204" pitchFamily="34" charset="0"/>
-                <a:cs typeface="Calibri" panose="020F0502020204030204" pitchFamily="34" charset="0"/>
-              </a:rPr>
-              <a:t>Kod inceleme araçları</a:t>
+              <a:t>Müşteri memnuniyeti</a:t>
             </a:r>
           </a:p>
         </p:txBody>
@@ -8741,7 +8637,7 @@
     </p:spTree>
     <p:extLst>
       <p:ext uri="{BB962C8B-B14F-4D97-AF65-F5344CB8AC3E}">
-        <p14:creationId xmlns:p14="http://schemas.microsoft.com/office/powerpoint/2010/main" val="11162164"/>
+        <p14:creationId xmlns:p14="http://schemas.microsoft.com/office/powerpoint/2010/main" val="1184019630"/>
       </p:ext>
     </p:extLst>
   </p:cSld>
@@ -8773,137 +8669,6 @@
           <p:cNvPr id="2" name="Başlık 1">
             <a:extLst>
               <a:ext uri="{FF2B5EF4-FFF2-40B4-BE49-F238E27FC236}">
-                <a16:creationId xmlns:a16="http://schemas.microsoft.com/office/drawing/2014/main" id="{DC5973F9-9FE3-F8D6-6FE9-7FB80D63E4D7}"/>
-              </a:ext>
-            </a:extLst>
-          </p:cNvPr>
-          <p:cNvSpPr>
-            <a:spLocks noGrp="1"/>
-          </p:cNvSpPr>
-          <p:nvPr>
-            <p:ph type="title"/>
-          </p:nvPr>
-        </p:nvSpPr>
-        <p:spPr/>
-        <p:txBody>
-          <a:bodyPr/>
-          <a:lstStyle/>
-          <a:p>
-            <a:r>
-              <a:rPr lang="tr-TR" dirty="0"/>
-              <a:t>Neden </a:t>
-            </a:r>
-            <a:r>
-              <a:rPr lang="tr-TR" dirty="0" err="1"/>
-              <a:t>debuggıng</a:t>
-            </a:r>
-            <a:r>
-              <a:rPr lang="tr-TR" dirty="0"/>
-              <a:t> öğrenmeliyiz ?</a:t>
-            </a:r>
-          </a:p>
-        </p:txBody>
-      </p:sp>
-      <p:sp>
-        <p:nvSpPr>
-          <p:cNvPr id="4" name="İçerik Yer Tutucusu 2">
-            <a:extLst>
-              <a:ext uri="{FF2B5EF4-FFF2-40B4-BE49-F238E27FC236}">
-                <a16:creationId xmlns:a16="http://schemas.microsoft.com/office/drawing/2014/main" id="{166BDC9E-2FE8-2E5F-B086-749D0D5CC55F}"/>
-              </a:ext>
-            </a:extLst>
-          </p:cNvPr>
-          <p:cNvSpPr>
-            <a:spLocks noGrp="1"/>
-          </p:cNvSpPr>
-          <p:nvPr>
-            <p:ph sz="quarter" idx="13"/>
-          </p:nvPr>
-        </p:nvSpPr>
-        <p:spPr>
-          <a:xfrm>
-            <a:off x="685800" y="2063750"/>
-            <a:ext cx="10394950" cy="3311525"/>
-          </a:xfrm>
-        </p:spPr>
-        <p:txBody>
-          <a:bodyPr>
-            <a:normAutofit/>
-          </a:bodyPr>
-          <a:lstStyle/>
-          <a:p>
-            <a:r>
-              <a:rPr lang="tr-TR" cap="none" dirty="0">
-                <a:latin typeface="Calibri" panose="020F0502020204030204" pitchFamily="34" charset="0"/>
-                <a:cs typeface="Calibri" panose="020F0502020204030204" pitchFamily="34" charset="0"/>
-              </a:rPr>
-              <a:t>Hataları bulmak, düzeltmek</a:t>
-            </a:r>
-          </a:p>
-          <a:p>
-            <a:r>
-              <a:rPr lang="tr-TR" cap="none" dirty="0">
-                <a:latin typeface="Calibri" panose="020F0502020204030204" pitchFamily="34" charset="0"/>
-                <a:cs typeface="Calibri" panose="020F0502020204030204" pitchFamily="34" charset="0"/>
-              </a:rPr>
-              <a:t>Zaman ve maliyet tasarrufu</a:t>
-            </a:r>
-          </a:p>
-          <a:p>
-            <a:r>
-              <a:rPr lang="tr-TR" cap="none" dirty="0">
-                <a:latin typeface="Calibri" panose="020F0502020204030204" pitchFamily="34" charset="0"/>
-                <a:cs typeface="Calibri" panose="020F0502020204030204" pitchFamily="34" charset="0"/>
-              </a:rPr>
-              <a:t>Geliştirici becerileri</a:t>
-            </a:r>
-          </a:p>
-          <a:p>
-            <a:r>
-              <a:rPr lang="tr-TR" cap="none" dirty="0">
-                <a:latin typeface="Calibri" panose="020F0502020204030204" pitchFamily="34" charset="0"/>
-                <a:cs typeface="Calibri" panose="020F0502020204030204" pitchFamily="34" charset="0"/>
-              </a:rPr>
-              <a:t>Müşteri memnuniyeti</a:t>
-            </a:r>
-          </a:p>
-        </p:txBody>
-      </p:sp>
-    </p:spTree>
-    <p:extLst>
-      <p:ext uri="{BB962C8B-B14F-4D97-AF65-F5344CB8AC3E}">
-        <p14:creationId xmlns:p14="http://schemas.microsoft.com/office/powerpoint/2010/main" val="1184019630"/>
-      </p:ext>
-    </p:extLst>
-  </p:cSld>
-  <p:clrMapOvr>
-    <a:masterClrMapping/>
-  </p:clrMapOvr>
-</p:sld>
-</file>
-
-<file path=ppt/slides/slide6.xml><?xml version="1.0" encoding="utf-8"?>
-<p:sld xmlns:a="http://schemas.openxmlformats.org/drawingml/2006/main" xmlns:r="http://schemas.openxmlformats.org/officeDocument/2006/relationships" xmlns:p="http://schemas.openxmlformats.org/presentationml/2006/main">
-  <p:cSld>
-    <p:spTree>
-      <p:nvGrpSpPr>
-        <p:cNvPr id="1" name=""/>
-        <p:cNvGrpSpPr/>
-        <p:nvPr/>
-      </p:nvGrpSpPr>
-      <p:grpSpPr>
-        <a:xfrm>
-          <a:off x="0" y="0"/>
-          <a:ext cx="0" cy="0"/>
-          <a:chOff x="0" y="0"/>
-          <a:chExt cx="0" cy="0"/>
-        </a:xfrm>
-      </p:grpSpPr>
-      <p:sp>
-        <p:nvSpPr>
-          <p:cNvPr id="2" name="Başlık 1">
-            <a:extLst>
-              <a:ext uri="{FF2B5EF4-FFF2-40B4-BE49-F238E27FC236}">
                 <a16:creationId xmlns:a16="http://schemas.microsoft.com/office/drawing/2014/main" id="{0AA623A0-761D-074B-61D2-BEE88B54B885}"/>
               </a:ext>
             </a:extLst>
@@ -9039,7 +8804,7 @@
 </p:sld>
 </file>
 
-<file path=ppt/slides/slide7.xml><?xml version="1.0" encoding="utf-8"?>
+<file path=ppt/slides/slide6.xml><?xml version="1.0" encoding="utf-8"?>
 <p:sld xmlns:a="http://schemas.openxmlformats.org/drawingml/2006/main" xmlns:r="http://schemas.openxmlformats.org/officeDocument/2006/relationships" xmlns:p="http://schemas.openxmlformats.org/presentationml/2006/main">
   <p:cSld>
     <p:spTree>
@@ -9373,7 +9138,7 @@
 </p:sld>
 </file>
 
-<file path=ppt/slides/slide8.xml><?xml version="1.0" encoding="utf-8"?>
+<file path=ppt/slides/slide7.xml><?xml version="1.0" encoding="utf-8"?>
 <p:sld xmlns:a="http://schemas.openxmlformats.org/drawingml/2006/main" xmlns:r="http://schemas.openxmlformats.org/officeDocument/2006/relationships" xmlns:p="http://schemas.openxmlformats.org/presentationml/2006/main">
   <p:cSld>
     <p:spTree>
@@ -9604,42 +9369,6 @@
               </a:rPr>
               <a:t> ile kaçıncı seferde duracağını söyleyebiliriz.</a:t>
             </a:r>
-          </a:p>
-          <a:p>
-            <a:r>
-              <a:rPr lang="tr-TR" b="1" cap="none" dirty="0" err="1">
-                <a:solidFill>
-                  <a:srgbClr val="242424"/>
-                </a:solidFill>
-                <a:latin typeface="source-serif-pro"/>
-              </a:rPr>
-              <a:t>When</a:t>
-            </a:r>
-            <a:r>
-              <a:rPr lang="tr-TR" b="1" cap="none" dirty="0">
-                <a:solidFill>
-                  <a:srgbClr val="242424"/>
-                </a:solidFill>
-                <a:latin typeface="source-serif-pro"/>
-              </a:rPr>
-              <a:t> hit </a:t>
-            </a:r>
-            <a:r>
-              <a:rPr lang="tr-TR" cap="none" dirty="0">
-                <a:solidFill>
-                  <a:srgbClr val="242424"/>
-                </a:solidFill>
-                <a:latin typeface="source-serif-pro"/>
-              </a:rPr>
-              <a:t>ile çıktıya istediğimizi yazdırabiliriz.</a:t>
-            </a:r>
-            <a:endParaRPr lang="tr-TR" i="0" cap="none" dirty="0">
-              <a:solidFill>
-                <a:srgbClr val="242424"/>
-              </a:solidFill>
-              <a:effectLst/>
-              <a:latin typeface="source-serif-pro"/>
-            </a:endParaRPr>
           </a:p>
         </p:txBody>
       </p:sp>
@@ -9665,7 +9394,7 @@
         </p:blipFill>
         <p:spPr>
           <a:xfrm>
-            <a:off x="8976049" y="2883514"/>
+            <a:off x="8993805" y="3061067"/>
             <a:ext cx="2292140" cy="2203697"/>
           </a:xfrm>
           <a:prstGeom prst="rect">
@@ -9686,7 +9415,7 @@
 </p:sld>
 </file>
 
-<file path=ppt/slides/slide9.xml><?xml version="1.0" encoding="utf-8"?>
+<file path=ppt/slides/slide8.xml><?xml version="1.0" encoding="utf-8"?>
 <p:sld xmlns:a="http://schemas.openxmlformats.org/drawingml/2006/main" xmlns:r="http://schemas.openxmlformats.org/officeDocument/2006/relationships" xmlns:p="http://schemas.openxmlformats.org/presentationml/2006/main" showMasterSp="0">
   <p:cSld>
     <p:spTree>
@@ -9890,6 +9619,107 @@
     <p:extLst>
       <p:ext uri="{BB962C8B-B14F-4D97-AF65-F5344CB8AC3E}">
         <p14:creationId xmlns:p14="http://schemas.microsoft.com/office/powerpoint/2010/main" val="189568381"/>
+      </p:ext>
+    </p:extLst>
+  </p:cSld>
+  <p:clrMapOvr>
+    <a:masterClrMapping/>
+  </p:clrMapOvr>
+</p:sld>
+</file>
+
+<file path=ppt/slides/slide9.xml><?xml version="1.0" encoding="utf-8"?>
+<p:sld xmlns:a="http://schemas.openxmlformats.org/drawingml/2006/main" xmlns:r="http://schemas.openxmlformats.org/officeDocument/2006/relationships" xmlns:p="http://schemas.openxmlformats.org/presentationml/2006/main">
+  <p:cSld>
+    <p:spTree>
+      <p:nvGrpSpPr>
+        <p:cNvPr id="1" name=""/>
+        <p:cNvGrpSpPr/>
+        <p:nvPr/>
+      </p:nvGrpSpPr>
+      <p:grpSpPr>
+        <a:xfrm>
+          <a:off x="0" y="0"/>
+          <a:ext cx="0" cy="0"/>
+          <a:chOff x="0" y="0"/>
+          <a:chExt cx="0" cy="0"/>
+        </a:xfrm>
+      </p:grpSpPr>
+      <p:sp>
+        <p:nvSpPr>
+          <p:cNvPr id="2" name="Başlık 1">
+            <a:extLst>
+              <a:ext uri="{FF2B5EF4-FFF2-40B4-BE49-F238E27FC236}">
+                <a16:creationId xmlns:a16="http://schemas.microsoft.com/office/drawing/2014/main" id="{A38F8469-C441-DFF3-1727-BCC237055F29}"/>
+              </a:ext>
+            </a:extLst>
+          </p:cNvPr>
+          <p:cNvSpPr>
+            <a:spLocks noGrp="1"/>
+          </p:cNvSpPr>
+          <p:nvPr>
+            <p:ph type="title"/>
+          </p:nvPr>
+        </p:nvSpPr>
+        <p:spPr>
+          <a:xfrm>
+            <a:off x="792333" y="2277035"/>
+            <a:ext cx="10396882" cy="1151965"/>
+          </a:xfrm>
+        </p:spPr>
+        <p:txBody>
+          <a:bodyPr>
+            <a:normAutofit/>
+          </a:bodyPr>
+          <a:lstStyle/>
+          <a:p>
+            <a:r>
+              <a:rPr lang="tr-TR" sz="4000" dirty="0" err="1"/>
+              <a:t>Wındows</a:t>
+            </a:r>
+            <a:r>
+              <a:rPr lang="tr-TR" sz="4000" dirty="0"/>
+              <a:t> (</a:t>
+            </a:r>
+            <a:r>
+              <a:rPr lang="tr-TR" sz="4000" dirty="0" err="1"/>
+              <a:t>Locals</a:t>
+            </a:r>
+            <a:r>
+              <a:rPr lang="tr-TR" sz="4000" dirty="0"/>
+              <a:t>, </a:t>
+            </a:r>
+            <a:r>
+              <a:rPr lang="tr-TR" sz="4000" dirty="0" err="1"/>
+              <a:t>autos</a:t>
+            </a:r>
+            <a:r>
+              <a:rPr lang="tr-TR" sz="4000" dirty="0"/>
+              <a:t>, </a:t>
+            </a:r>
+            <a:r>
+              <a:rPr lang="tr-TR" sz="4000" dirty="0" err="1"/>
+              <a:t>watch</a:t>
+            </a:r>
+            <a:r>
+              <a:rPr lang="tr-TR" sz="4000" dirty="0"/>
+              <a:t>, </a:t>
+            </a:r>
+            <a:r>
+              <a:rPr lang="tr-TR" sz="4000" dirty="0" err="1"/>
+              <a:t>ımmedıate</a:t>
+            </a:r>
+            <a:r>
+              <a:rPr lang="tr-TR" sz="4000" dirty="0"/>
+              <a:t>)</a:t>
+            </a:r>
+          </a:p>
+        </p:txBody>
+      </p:sp>
+    </p:spTree>
+    <p:extLst>
+      <p:ext uri="{BB962C8B-B14F-4D97-AF65-F5344CB8AC3E}">
+        <p14:creationId xmlns:p14="http://schemas.microsoft.com/office/powerpoint/2010/main" val="234763089"/>
       </p:ext>
     </p:extLst>
   </p:cSld>
